--- a/Modulo IA.pptx
+++ b/Modulo IA.pptx
@@ -5,23 +5,26 @@
     <p:sldMasterId id="2147483674" r:id="rId1"/>
   </p:sldMasterIdLst>
   <p:notesMasterIdLst>
-    <p:notesMasterId r:id="rId13"/>
+    <p:notesMasterId r:id="rId16"/>
   </p:notesMasterIdLst>
   <p:handoutMasterIdLst>
-    <p:handoutMasterId r:id="rId14"/>
+    <p:handoutMasterId r:id="rId17"/>
   </p:handoutMasterIdLst>
   <p:sldIdLst>
     <p:sldId id="257" r:id="rId2"/>
-    <p:sldId id="262" r:id="rId3"/>
-    <p:sldId id="263" r:id="rId4"/>
-    <p:sldId id="270" r:id="rId5"/>
-    <p:sldId id="264" r:id="rId6"/>
-    <p:sldId id="269" r:id="rId7"/>
-    <p:sldId id="265" r:id="rId8"/>
-    <p:sldId id="266" r:id="rId9"/>
-    <p:sldId id="268" r:id="rId10"/>
-    <p:sldId id="267" r:id="rId11"/>
-    <p:sldId id="271" r:id="rId12"/>
+    <p:sldId id="272" r:id="rId3"/>
+    <p:sldId id="262" r:id="rId4"/>
+    <p:sldId id="274" r:id="rId5"/>
+    <p:sldId id="263" r:id="rId6"/>
+    <p:sldId id="270" r:id="rId7"/>
+    <p:sldId id="264" r:id="rId8"/>
+    <p:sldId id="275" r:id="rId9"/>
+    <p:sldId id="273" r:id="rId10"/>
+    <p:sldId id="265" r:id="rId11"/>
+    <p:sldId id="266" r:id="rId12"/>
+    <p:sldId id="268" r:id="rId13"/>
+    <p:sldId id="267" r:id="rId14"/>
+    <p:sldId id="271" r:id="rId15"/>
   </p:sldIdLst>
   <p:sldSz cx="12192000" cy="6858000"/>
   <p:notesSz cx="6858000" cy="9144000"/>
@@ -131,6 +134,2309 @@
 </p:presentation>
 </file>
 
+<file path=ppt/diagrams/colors1.xml><?xml version="1.0" encoding="utf-8"?>
+<dgm:colorsDef xmlns:dgm="http://schemas.openxmlformats.org/drawingml/2006/diagram" xmlns:a="http://schemas.openxmlformats.org/drawingml/2006/main" uniqueId="urn:microsoft.com/office/officeart/2005/8/colors/accent1_2">
+  <dgm:title val=""/>
+  <dgm:desc val=""/>
+  <dgm:catLst>
+    <dgm:cat type="accent1" pri="11200"/>
+  </dgm:catLst>
+  <dgm:styleLbl name="node0">
+    <dgm:fillClrLst meth="repeat">
+      <a:schemeClr val="accent1"/>
+    </dgm:fillClrLst>
+    <dgm:linClrLst meth="repeat">
+      <a:schemeClr val="lt1"/>
+    </dgm:linClrLst>
+    <dgm:effectClrLst/>
+    <dgm:txLinClrLst/>
+    <dgm:txFillClrLst/>
+    <dgm:txEffectClrLst/>
+  </dgm:styleLbl>
+  <dgm:styleLbl name="alignNode1">
+    <dgm:fillClrLst meth="repeat">
+      <a:schemeClr val="accent1"/>
+    </dgm:fillClrLst>
+    <dgm:linClrLst meth="repeat">
+      <a:schemeClr val="accent1"/>
+    </dgm:linClrLst>
+    <dgm:effectClrLst/>
+    <dgm:txLinClrLst/>
+    <dgm:txFillClrLst/>
+    <dgm:txEffectClrLst/>
+  </dgm:styleLbl>
+  <dgm:styleLbl name="node1">
+    <dgm:fillClrLst meth="repeat">
+      <a:schemeClr val="accent1"/>
+    </dgm:fillClrLst>
+    <dgm:linClrLst meth="repeat">
+      <a:schemeClr val="lt1"/>
+    </dgm:linClrLst>
+    <dgm:effectClrLst/>
+    <dgm:txLinClrLst/>
+    <dgm:txFillClrLst/>
+    <dgm:txEffectClrLst/>
+  </dgm:styleLbl>
+  <dgm:styleLbl name="lnNode1">
+    <dgm:fillClrLst meth="repeat">
+      <a:schemeClr val="accent1"/>
+    </dgm:fillClrLst>
+    <dgm:linClrLst meth="repeat">
+      <a:schemeClr val="lt1"/>
+    </dgm:linClrLst>
+    <dgm:effectClrLst/>
+    <dgm:txLinClrLst/>
+    <dgm:txFillClrLst/>
+    <dgm:txEffectClrLst/>
+  </dgm:styleLbl>
+  <dgm:styleLbl name="vennNode1">
+    <dgm:fillClrLst meth="repeat">
+      <a:schemeClr val="accent1">
+        <a:alpha val="50000"/>
+      </a:schemeClr>
+    </dgm:fillClrLst>
+    <dgm:linClrLst meth="repeat">
+      <a:schemeClr val="lt1"/>
+    </dgm:linClrLst>
+    <dgm:effectClrLst/>
+    <dgm:txLinClrLst/>
+    <dgm:txFillClrLst/>
+    <dgm:txEffectClrLst/>
+  </dgm:styleLbl>
+  <dgm:styleLbl name="node2">
+    <dgm:fillClrLst meth="repeat">
+      <a:schemeClr val="accent1"/>
+    </dgm:fillClrLst>
+    <dgm:linClrLst meth="repeat">
+      <a:schemeClr val="lt1"/>
+    </dgm:linClrLst>
+    <dgm:effectClrLst/>
+    <dgm:txLinClrLst/>
+    <dgm:txFillClrLst/>
+    <dgm:txEffectClrLst/>
+  </dgm:styleLbl>
+  <dgm:styleLbl name="node3">
+    <dgm:fillClrLst meth="repeat">
+      <a:schemeClr val="accent1"/>
+    </dgm:fillClrLst>
+    <dgm:linClrLst meth="repeat">
+      <a:schemeClr val="lt1"/>
+    </dgm:linClrLst>
+    <dgm:effectClrLst/>
+    <dgm:txLinClrLst/>
+    <dgm:txFillClrLst/>
+    <dgm:txEffectClrLst/>
+  </dgm:styleLbl>
+  <dgm:styleLbl name="node4">
+    <dgm:fillClrLst meth="repeat">
+      <a:schemeClr val="accent1"/>
+    </dgm:fillClrLst>
+    <dgm:linClrLst meth="repeat">
+      <a:schemeClr val="lt1"/>
+    </dgm:linClrLst>
+    <dgm:effectClrLst/>
+    <dgm:txLinClrLst/>
+    <dgm:txFillClrLst/>
+    <dgm:txEffectClrLst/>
+  </dgm:styleLbl>
+  <dgm:styleLbl name="fgImgPlace1">
+    <dgm:fillClrLst meth="repeat">
+      <a:schemeClr val="accent1">
+        <a:tint val="50000"/>
+      </a:schemeClr>
+    </dgm:fillClrLst>
+    <dgm:linClrLst meth="repeat">
+      <a:schemeClr val="lt1"/>
+    </dgm:linClrLst>
+    <dgm:effectClrLst/>
+    <dgm:txLinClrLst/>
+    <dgm:txFillClrLst meth="repeat">
+      <a:schemeClr val="lt1"/>
+    </dgm:txFillClrLst>
+    <dgm:txEffectClrLst/>
+  </dgm:styleLbl>
+  <dgm:styleLbl name="alignImgPlace1">
+    <dgm:fillClrLst meth="repeat">
+      <a:schemeClr val="accent1">
+        <a:tint val="50000"/>
+      </a:schemeClr>
+    </dgm:fillClrLst>
+    <dgm:linClrLst meth="repeat">
+      <a:schemeClr val="lt1"/>
+    </dgm:linClrLst>
+    <dgm:effectClrLst/>
+    <dgm:txLinClrLst/>
+    <dgm:txFillClrLst meth="repeat">
+      <a:schemeClr val="lt1"/>
+    </dgm:txFillClrLst>
+    <dgm:txEffectClrLst/>
+  </dgm:styleLbl>
+  <dgm:styleLbl name="bgImgPlace1">
+    <dgm:fillClrLst meth="repeat">
+      <a:schemeClr val="accent1">
+        <a:tint val="50000"/>
+      </a:schemeClr>
+    </dgm:fillClrLst>
+    <dgm:linClrLst meth="repeat">
+      <a:schemeClr val="lt1"/>
+    </dgm:linClrLst>
+    <dgm:effectClrLst/>
+    <dgm:txLinClrLst/>
+    <dgm:txFillClrLst meth="repeat">
+      <a:schemeClr val="lt1"/>
+    </dgm:txFillClrLst>
+    <dgm:txEffectClrLst/>
+  </dgm:styleLbl>
+  <dgm:styleLbl name="sibTrans2D1">
+    <dgm:fillClrLst meth="repeat">
+      <a:schemeClr val="accent1">
+        <a:tint val="60000"/>
+      </a:schemeClr>
+    </dgm:fillClrLst>
+    <dgm:linClrLst meth="repeat">
+      <a:schemeClr val="accent1">
+        <a:tint val="60000"/>
+      </a:schemeClr>
+    </dgm:linClrLst>
+    <dgm:effectClrLst/>
+    <dgm:txLinClrLst/>
+    <dgm:txFillClrLst/>
+    <dgm:txEffectClrLst/>
+  </dgm:styleLbl>
+  <dgm:styleLbl name="fgSibTrans2D1">
+    <dgm:fillClrLst meth="repeat">
+      <a:schemeClr val="accent1">
+        <a:tint val="60000"/>
+      </a:schemeClr>
+    </dgm:fillClrLst>
+    <dgm:linClrLst meth="repeat">
+      <a:schemeClr val="accent1">
+        <a:tint val="60000"/>
+      </a:schemeClr>
+    </dgm:linClrLst>
+    <dgm:effectClrLst/>
+    <dgm:txLinClrLst/>
+    <dgm:txFillClrLst/>
+    <dgm:txEffectClrLst/>
+  </dgm:styleLbl>
+  <dgm:styleLbl name="bgSibTrans2D1">
+    <dgm:fillClrLst meth="repeat">
+      <a:schemeClr val="accent1">
+        <a:tint val="60000"/>
+      </a:schemeClr>
+    </dgm:fillClrLst>
+    <dgm:linClrLst meth="repeat">
+      <a:schemeClr val="accent1">
+        <a:tint val="60000"/>
+      </a:schemeClr>
+    </dgm:linClrLst>
+    <dgm:effectClrLst/>
+    <dgm:txLinClrLst/>
+    <dgm:txFillClrLst/>
+    <dgm:txEffectClrLst/>
+  </dgm:styleLbl>
+  <dgm:styleLbl name="sibTrans1D1">
+    <dgm:fillClrLst meth="repeat">
+      <a:schemeClr val="accent1"/>
+    </dgm:fillClrLst>
+    <dgm:linClrLst meth="repeat">
+      <a:schemeClr val="accent1"/>
+    </dgm:linClrLst>
+    <dgm:effectClrLst/>
+    <dgm:txLinClrLst/>
+    <dgm:txFillClrLst meth="repeat">
+      <a:schemeClr val="tx1"/>
+    </dgm:txFillClrLst>
+    <dgm:txEffectClrLst/>
+  </dgm:styleLbl>
+  <dgm:styleLbl name="callout">
+    <dgm:fillClrLst meth="repeat">
+      <a:schemeClr val="accent1"/>
+    </dgm:fillClrLst>
+    <dgm:linClrLst meth="repeat">
+      <a:schemeClr val="accent1">
+        <a:tint val="50000"/>
+      </a:schemeClr>
+    </dgm:linClrLst>
+    <dgm:effectClrLst/>
+    <dgm:txLinClrLst/>
+    <dgm:txFillClrLst meth="repeat">
+      <a:schemeClr val="tx1"/>
+    </dgm:txFillClrLst>
+    <dgm:txEffectClrLst/>
+  </dgm:styleLbl>
+  <dgm:styleLbl name="asst0">
+    <dgm:fillClrLst meth="repeat">
+      <a:schemeClr val="accent1"/>
+    </dgm:fillClrLst>
+    <dgm:linClrLst meth="repeat">
+      <a:schemeClr val="lt1"/>
+    </dgm:linClrLst>
+    <dgm:effectClrLst/>
+    <dgm:txLinClrLst/>
+    <dgm:txFillClrLst/>
+    <dgm:txEffectClrLst/>
+  </dgm:styleLbl>
+  <dgm:styleLbl name="asst1">
+    <dgm:fillClrLst meth="repeat">
+      <a:schemeClr val="accent1"/>
+    </dgm:fillClrLst>
+    <dgm:linClrLst meth="repeat">
+      <a:schemeClr val="lt1"/>
+    </dgm:linClrLst>
+    <dgm:effectClrLst/>
+    <dgm:txLinClrLst/>
+    <dgm:txFillClrLst/>
+    <dgm:txEffectClrLst/>
+  </dgm:styleLbl>
+  <dgm:styleLbl name="asst2">
+    <dgm:fillClrLst meth="repeat">
+      <a:schemeClr val="accent1"/>
+    </dgm:fillClrLst>
+    <dgm:linClrLst meth="repeat">
+      <a:schemeClr val="lt1"/>
+    </dgm:linClrLst>
+    <dgm:effectClrLst/>
+    <dgm:txLinClrLst/>
+    <dgm:txFillClrLst/>
+    <dgm:txEffectClrLst/>
+  </dgm:styleLbl>
+  <dgm:styleLbl name="asst3">
+    <dgm:fillClrLst meth="repeat">
+      <a:schemeClr val="accent1"/>
+    </dgm:fillClrLst>
+    <dgm:linClrLst meth="repeat">
+      <a:schemeClr val="lt1"/>
+    </dgm:linClrLst>
+    <dgm:effectClrLst/>
+    <dgm:txLinClrLst/>
+    <dgm:txFillClrLst/>
+    <dgm:txEffectClrLst/>
+  </dgm:styleLbl>
+  <dgm:styleLbl name="asst4">
+    <dgm:fillClrLst meth="repeat">
+      <a:schemeClr val="accent1"/>
+    </dgm:fillClrLst>
+    <dgm:linClrLst meth="repeat">
+      <a:schemeClr val="lt1"/>
+    </dgm:linClrLst>
+    <dgm:effectClrLst/>
+    <dgm:txLinClrLst/>
+    <dgm:txFillClrLst/>
+    <dgm:txEffectClrLst/>
+  </dgm:styleLbl>
+  <dgm:styleLbl name="parChTrans2D1">
+    <dgm:fillClrLst meth="repeat">
+      <a:schemeClr val="accent1">
+        <a:tint val="60000"/>
+      </a:schemeClr>
+    </dgm:fillClrLst>
+    <dgm:linClrLst meth="repeat">
+      <a:schemeClr val="accent1">
+        <a:tint val="60000"/>
+      </a:schemeClr>
+    </dgm:linClrLst>
+    <dgm:effectClrLst/>
+    <dgm:txLinClrLst/>
+    <dgm:txFillClrLst meth="repeat">
+      <a:schemeClr val="lt1"/>
+    </dgm:txFillClrLst>
+    <dgm:txEffectClrLst/>
+  </dgm:styleLbl>
+  <dgm:styleLbl name="parChTrans2D2">
+    <dgm:fillClrLst meth="repeat">
+      <a:schemeClr val="accent1"/>
+    </dgm:fillClrLst>
+    <dgm:linClrLst meth="repeat">
+      <a:schemeClr val="accent1"/>
+    </dgm:linClrLst>
+    <dgm:effectClrLst/>
+    <dgm:txLinClrLst/>
+    <dgm:txFillClrLst meth="repeat">
+      <a:schemeClr val="lt1"/>
+    </dgm:txFillClrLst>
+    <dgm:txEffectClrLst/>
+  </dgm:styleLbl>
+  <dgm:styleLbl name="parChTrans2D3">
+    <dgm:fillClrLst meth="repeat">
+      <a:schemeClr val="accent1"/>
+    </dgm:fillClrLst>
+    <dgm:linClrLst meth="repeat">
+      <a:schemeClr val="accent1"/>
+    </dgm:linClrLst>
+    <dgm:effectClrLst/>
+    <dgm:txLinClrLst/>
+    <dgm:txFillClrLst meth="repeat">
+      <a:schemeClr val="lt1"/>
+    </dgm:txFillClrLst>
+    <dgm:txEffectClrLst/>
+  </dgm:styleLbl>
+  <dgm:styleLbl name="parChTrans2D4">
+    <dgm:fillClrLst meth="repeat">
+      <a:schemeClr val="accent1"/>
+    </dgm:fillClrLst>
+    <dgm:linClrLst meth="repeat">
+      <a:schemeClr val="accent1"/>
+    </dgm:linClrLst>
+    <dgm:effectClrLst/>
+    <dgm:txLinClrLst/>
+    <dgm:txFillClrLst meth="repeat">
+      <a:schemeClr val="lt1"/>
+    </dgm:txFillClrLst>
+    <dgm:txEffectClrLst/>
+  </dgm:styleLbl>
+  <dgm:styleLbl name="parChTrans1D1">
+    <dgm:fillClrLst meth="repeat">
+      <a:schemeClr val="accent1"/>
+    </dgm:fillClrLst>
+    <dgm:linClrLst meth="repeat">
+      <a:schemeClr val="accent1">
+        <a:shade val="60000"/>
+      </a:schemeClr>
+    </dgm:linClrLst>
+    <dgm:effectClrLst/>
+    <dgm:txLinClrLst/>
+    <dgm:txFillClrLst meth="repeat">
+      <a:schemeClr val="tx1"/>
+    </dgm:txFillClrLst>
+    <dgm:txEffectClrLst/>
+  </dgm:styleLbl>
+  <dgm:styleLbl name="parChTrans1D2">
+    <dgm:fillClrLst meth="repeat">
+      <a:schemeClr val="accent1"/>
+    </dgm:fillClrLst>
+    <dgm:linClrLst meth="repeat">
+      <a:schemeClr val="accent1">
+        <a:shade val="60000"/>
+      </a:schemeClr>
+    </dgm:linClrLst>
+    <dgm:effectClrLst/>
+    <dgm:txLinClrLst/>
+    <dgm:txFillClrLst meth="repeat">
+      <a:schemeClr val="tx1"/>
+    </dgm:txFillClrLst>
+    <dgm:txEffectClrLst/>
+  </dgm:styleLbl>
+  <dgm:styleLbl name="parChTrans1D3">
+    <dgm:fillClrLst meth="repeat">
+      <a:schemeClr val="accent1"/>
+    </dgm:fillClrLst>
+    <dgm:linClrLst meth="repeat">
+      <a:schemeClr val="accent1">
+        <a:shade val="80000"/>
+      </a:schemeClr>
+    </dgm:linClrLst>
+    <dgm:effectClrLst/>
+    <dgm:txLinClrLst/>
+    <dgm:txFillClrLst meth="repeat">
+      <a:schemeClr val="tx1"/>
+    </dgm:txFillClrLst>
+    <dgm:txEffectClrLst/>
+  </dgm:styleLbl>
+  <dgm:styleLbl name="parChTrans1D4">
+    <dgm:fillClrLst meth="repeat">
+      <a:schemeClr val="accent1"/>
+    </dgm:fillClrLst>
+    <dgm:linClrLst meth="repeat">
+      <a:schemeClr val="accent1">
+        <a:shade val="80000"/>
+      </a:schemeClr>
+    </dgm:linClrLst>
+    <dgm:effectClrLst/>
+    <dgm:txLinClrLst/>
+    <dgm:txFillClrLst meth="repeat">
+      <a:schemeClr val="tx1"/>
+    </dgm:txFillClrLst>
+    <dgm:txEffectClrLst/>
+  </dgm:styleLbl>
+  <dgm:styleLbl name="fgAcc1">
+    <dgm:fillClrLst meth="repeat">
+      <a:schemeClr val="lt1">
+        <a:alpha val="90000"/>
+      </a:schemeClr>
+    </dgm:fillClrLst>
+    <dgm:linClrLst meth="repeat">
+      <a:schemeClr val="accent1"/>
+    </dgm:linClrLst>
+    <dgm:effectClrLst/>
+    <dgm:txLinClrLst/>
+    <dgm:txFillClrLst meth="repeat">
+      <a:schemeClr val="dk1"/>
+    </dgm:txFillClrLst>
+    <dgm:txEffectClrLst/>
+  </dgm:styleLbl>
+  <dgm:styleLbl name="conFgAcc1">
+    <dgm:fillClrLst meth="repeat">
+      <a:schemeClr val="lt1">
+        <a:alpha val="90000"/>
+      </a:schemeClr>
+    </dgm:fillClrLst>
+    <dgm:linClrLst meth="repeat">
+      <a:schemeClr val="accent1"/>
+    </dgm:linClrLst>
+    <dgm:effectClrLst/>
+    <dgm:txLinClrLst/>
+    <dgm:txFillClrLst meth="repeat">
+      <a:schemeClr val="dk1"/>
+    </dgm:txFillClrLst>
+    <dgm:txEffectClrLst/>
+  </dgm:styleLbl>
+  <dgm:styleLbl name="alignAcc1">
+    <dgm:fillClrLst meth="repeat">
+      <a:schemeClr val="lt1">
+        <a:alpha val="90000"/>
+      </a:schemeClr>
+    </dgm:fillClrLst>
+    <dgm:linClrLst meth="repeat">
+      <a:schemeClr val="accent1"/>
+    </dgm:linClrLst>
+    <dgm:effectClrLst/>
+    <dgm:txLinClrLst/>
+    <dgm:txFillClrLst meth="repeat">
+      <a:schemeClr val="dk1"/>
+    </dgm:txFillClrLst>
+    <dgm:txEffectClrLst/>
+  </dgm:styleLbl>
+  <dgm:styleLbl name="trAlignAcc1">
+    <dgm:fillClrLst meth="repeat">
+      <a:schemeClr val="lt1">
+        <a:alpha val="40000"/>
+      </a:schemeClr>
+    </dgm:fillClrLst>
+    <dgm:linClrLst meth="repeat">
+      <a:schemeClr val="accent1"/>
+    </dgm:linClrLst>
+    <dgm:effectClrLst/>
+    <dgm:txLinClrLst/>
+    <dgm:txFillClrLst meth="repeat">
+      <a:schemeClr val="dk1"/>
+    </dgm:txFillClrLst>
+    <dgm:txEffectClrLst/>
+  </dgm:styleLbl>
+  <dgm:styleLbl name="bgAcc1">
+    <dgm:fillClrLst meth="repeat">
+      <a:schemeClr val="lt1">
+        <a:alpha val="90000"/>
+      </a:schemeClr>
+    </dgm:fillClrLst>
+    <dgm:linClrLst meth="repeat">
+      <a:schemeClr val="accent1"/>
+    </dgm:linClrLst>
+    <dgm:effectClrLst/>
+    <dgm:txLinClrLst/>
+    <dgm:txFillClrLst meth="repeat">
+      <a:schemeClr val="dk1"/>
+    </dgm:txFillClrLst>
+    <dgm:txEffectClrLst/>
+  </dgm:styleLbl>
+  <dgm:styleLbl name="solidFgAcc1">
+    <dgm:fillClrLst meth="repeat">
+      <a:schemeClr val="lt1"/>
+    </dgm:fillClrLst>
+    <dgm:linClrLst meth="repeat">
+      <a:schemeClr val="accent1"/>
+    </dgm:linClrLst>
+    <dgm:effectClrLst/>
+    <dgm:txLinClrLst/>
+    <dgm:txFillClrLst meth="repeat">
+      <a:schemeClr val="dk1"/>
+    </dgm:txFillClrLst>
+    <dgm:txEffectClrLst/>
+  </dgm:styleLbl>
+  <dgm:styleLbl name="solidAlignAcc1">
+    <dgm:fillClrLst meth="repeat">
+      <a:schemeClr val="lt1"/>
+    </dgm:fillClrLst>
+    <dgm:linClrLst meth="repeat">
+      <a:schemeClr val="accent1"/>
+    </dgm:linClrLst>
+    <dgm:effectClrLst/>
+    <dgm:txLinClrLst/>
+    <dgm:txFillClrLst meth="repeat">
+      <a:schemeClr val="dk1"/>
+    </dgm:txFillClrLst>
+    <dgm:txEffectClrLst/>
+  </dgm:styleLbl>
+  <dgm:styleLbl name="solidBgAcc1">
+    <dgm:fillClrLst meth="repeat">
+      <a:schemeClr val="lt1"/>
+    </dgm:fillClrLst>
+    <dgm:linClrLst meth="repeat">
+      <a:schemeClr val="accent1"/>
+    </dgm:linClrLst>
+    <dgm:effectClrLst/>
+    <dgm:txLinClrLst/>
+    <dgm:txFillClrLst meth="repeat">
+      <a:schemeClr val="dk1"/>
+    </dgm:txFillClrLst>
+    <dgm:txEffectClrLst/>
+  </dgm:styleLbl>
+  <dgm:styleLbl name="fgAccFollowNode1">
+    <dgm:fillClrLst meth="repeat">
+      <a:schemeClr val="accent1">
+        <a:alpha val="90000"/>
+        <a:tint val="40000"/>
+      </a:schemeClr>
+    </dgm:fillClrLst>
+    <dgm:linClrLst meth="repeat">
+      <a:schemeClr val="accent1">
+        <a:alpha val="90000"/>
+        <a:tint val="40000"/>
+      </a:schemeClr>
+    </dgm:linClrLst>
+    <dgm:effectClrLst/>
+    <dgm:txLinClrLst/>
+    <dgm:txFillClrLst meth="repeat">
+      <a:schemeClr val="dk1"/>
+    </dgm:txFillClrLst>
+    <dgm:txEffectClrLst/>
+  </dgm:styleLbl>
+  <dgm:styleLbl name="alignAccFollowNode1">
+    <dgm:fillClrLst meth="repeat">
+      <a:schemeClr val="accent1">
+        <a:alpha val="90000"/>
+        <a:tint val="40000"/>
+      </a:schemeClr>
+    </dgm:fillClrLst>
+    <dgm:linClrLst meth="repeat">
+      <a:schemeClr val="accent1">
+        <a:alpha val="90000"/>
+        <a:tint val="40000"/>
+      </a:schemeClr>
+    </dgm:linClrLst>
+    <dgm:effectClrLst/>
+    <dgm:txLinClrLst/>
+    <dgm:txFillClrLst meth="repeat">
+      <a:schemeClr val="dk1"/>
+    </dgm:txFillClrLst>
+    <dgm:txEffectClrLst/>
+  </dgm:styleLbl>
+  <dgm:styleLbl name="bgAccFollowNode1">
+    <dgm:fillClrLst meth="repeat">
+      <a:schemeClr val="accent1">
+        <a:alpha val="90000"/>
+        <a:tint val="40000"/>
+      </a:schemeClr>
+    </dgm:fillClrLst>
+    <dgm:linClrLst meth="repeat">
+      <a:schemeClr val="accent1">
+        <a:alpha val="90000"/>
+        <a:tint val="40000"/>
+      </a:schemeClr>
+    </dgm:linClrLst>
+    <dgm:effectClrLst/>
+    <dgm:txLinClrLst/>
+    <dgm:txFillClrLst meth="repeat">
+      <a:schemeClr val="dk1"/>
+    </dgm:txFillClrLst>
+    <dgm:txEffectClrLst/>
+  </dgm:styleLbl>
+  <dgm:styleLbl name="fgAcc0">
+    <dgm:fillClrLst meth="repeat">
+      <a:schemeClr val="lt1">
+        <a:alpha val="90000"/>
+      </a:schemeClr>
+    </dgm:fillClrLst>
+    <dgm:linClrLst meth="repeat">
+      <a:schemeClr val="accent1"/>
+    </dgm:linClrLst>
+    <dgm:effectClrLst/>
+    <dgm:txLinClrLst/>
+    <dgm:txFillClrLst meth="repeat">
+      <a:schemeClr val="dk1"/>
+    </dgm:txFillClrLst>
+    <dgm:txEffectClrLst/>
+  </dgm:styleLbl>
+  <dgm:styleLbl name="fgAcc2">
+    <dgm:fillClrLst meth="repeat">
+      <a:schemeClr val="lt1">
+        <a:alpha val="90000"/>
+      </a:schemeClr>
+    </dgm:fillClrLst>
+    <dgm:linClrLst meth="repeat">
+      <a:schemeClr val="accent1"/>
+    </dgm:linClrLst>
+    <dgm:effectClrLst/>
+    <dgm:txLinClrLst/>
+    <dgm:txFillClrLst meth="repeat">
+      <a:schemeClr val="dk1"/>
+    </dgm:txFillClrLst>
+    <dgm:txEffectClrLst/>
+  </dgm:styleLbl>
+  <dgm:styleLbl name="fgAcc3">
+    <dgm:fillClrLst meth="repeat">
+      <a:schemeClr val="lt1">
+        <a:alpha val="90000"/>
+      </a:schemeClr>
+    </dgm:fillClrLst>
+    <dgm:linClrLst meth="repeat">
+      <a:schemeClr val="accent1"/>
+    </dgm:linClrLst>
+    <dgm:effectClrLst/>
+    <dgm:txLinClrLst/>
+    <dgm:txFillClrLst meth="repeat">
+      <a:schemeClr val="dk1"/>
+    </dgm:txFillClrLst>
+    <dgm:txEffectClrLst/>
+  </dgm:styleLbl>
+  <dgm:styleLbl name="fgAcc4">
+    <dgm:fillClrLst meth="repeat">
+      <a:schemeClr val="lt1">
+        <a:alpha val="90000"/>
+      </a:schemeClr>
+    </dgm:fillClrLst>
+    <dgm:linClrLst meth="repeat">
+      <a:schemeClr val="accent1"/>
+    </dgm:linClrLst>
+    <dgm:effectClrLst/>
+    <dgm:txLinClrLst/>
+    <dgm:txFillClrLst meth="repeat">
+      <a:schemeClr val="dk1"/>
+    </dgm:txFillClrLst>
+    <dgm:txEffectClrLst/>
+  </dgm:styleLbl>
+  <dgm:styleLbl name="bgShp">
+    <dgm:fillClrLst meth="repeat">
+      <a:schemeClr val="accent1">
+        <a:tint val="40000"/>
+      </a:schemeClr>
+    </dgm:fillClrLst>
+    <dgm:linClrLst meth="repeat">
+      <a:schemeClr val="accent1"/>
+    </dgm:linClrLst>
+    <dgm:effectClrLst/>
+    <dgm:txLinClrLst/>
+    <dgm:txFillClrLst meth="repeat">
+      <a:schemeClr val="dk1"/>
+    </dgm:txFillClrLst>
+    <dgm:txEffectClrLst/>
+  </dgm:styleLbl>
+  <dgm:styleLbl name="dkBgShp">
+    <dgm:fillClrLst meth="repeat">
+      <a:schemeClr val="accent1">
+        <a:shade val="80000"/>
+      </a:schemeClr>
+    </dgm:fillClrLst>
+    <dgm:linClrLst meth="repeat">
+      <a:schemeClr val="accent1"/>
+    </dgm:linClrLst>
+    <dgm:effectClrLst/>
+    <dgm:txLinClrLst/>
+    <dgm:txFillClrLst meth="repeat">
+      <a:schemeClr val="lt1"/>
+    </dgm:txFillClrLst>
+    <dgm:txEffectClrLst/>
+  </dgm:styleLbl>
+  <dgm:styleLbl name="trBgShp">
+    <dgm:fillClrLst meth="repeat">
+      <a:schemeClr val="accent1">
+        <a:tint val="50000"/>
+        <a:alpha val="40000"/>
+      </a:schemeClr>
+    </dgm:fillClrLst>
+    <dgm:linClrLst meth="repeat">
+      <a:schemeClr val="accent1"/>
+    </dgm:linClrLst>
+    <dgm:effectClrLst/>
+    <dgm:txLinClrLst/>
+    <dgm:txFillClrLst meth="repeat">
+      <a:schemeClr val="lt1"/>
+    </dgm:txFillClrLst>
+    <dgm:txEffectClrLst/>
+  </dgm:styleLbl>
+  <dgm:styleLbl name="fgShp">
+    <dgm:fillClrLst meth="repeat">
+      <a:schemeClr val="accent1">
+        <a:tint val="60000"/>
+      </a:schemeClr>
+    </dgm:fillClrLst>
+    <dgm:linClrLst meth="repeat">
+      <a:schemeClr val="lt1"/>
+    </dgm:linClrLst>
+    <dgm:effectClrLst/>
+    <dgm:txLinClrLst/>
+    <dgm:txFillClrLst meth="repeat">
+      <a:schemeClr val="dk1"/>
+    </dgm:txFillClrLst>
+    <dgm:txEffectClrLst/>
+  </dgm:styleLbl>
+  <dgm:styleLbl name="revTx">
+    <dgm:fillClrLst meth="repeat">
+      <a:schemeClr val="lt1">
+        <a:alpha val="0"/>
+      </a:schemeClr>
+    </dgm:fillClrLst>
+    <dgm:linClrLst meth="repeat">
+      <a:schemeClr val="dk1">
+        <a:alpha val="0"/>
+      </a:schemeClr>
+    </dgm:linClrLst>
+    <dgm:effectClrLst/>
+    <dgm:txLinClrLst/>
+    <dgm:txFillClrLst meth="repeat">
+      <a:schemeClr val="tx1"/>
+    </dgm:txFillClrLst>
+    <dgm:txEffectClrLst/>
+  </dgm:styleLbl>
+</dgm:colorsDef>
+</file>
+
+<file path=ppt/diagrams/data1.xml><?xml version="1.0" encoding="utf-8"?>
+<dgm:dataModel xmlns:dgm="http://schemas.openxmlformats.org/drawingml/2006/diagram" xmlns:a="http://schemas.openxmlformats.org/drawingml/2006/main">
+  <dgm:ptLst>
+    <dgm:pt modelId="{2957B414-895D-411D-B4D4-3649F58910F0}" type="doc">
+      <dgm:prSet loTypeId="urn:microsoft.com/office/officeart/2005/8/layout/process1" loCatId="process" qsTypeId="urn:microsoft.com/office/officeart/2005/8/quickstyle/simple1" qsCatId="simple" csTypeId="urn:microsoft.com/office/officeart/2005/8/colors/accent1_2" csCatId="accent1" phldr="1"/>
+      <dgm:spPr/>
+    </dgm:pt>
+    <dgm:pt modelId="{66F33A7D-EE03-49B3-8C67-0B886653581A}">
+      <dgm:prSet phldrT="[Testo]"/>
+      <dgm:spPr/>
+      <dgm:t>
+        <a:bodyPr/>
+        <a:lstStyle/>
+        <a:p>
+          <a:r>
+            <a:rPr lang="it-IT" dirty="0"/>
+            <a:t>Inserimento delle valutazioni dei libri letti</a:t>
+          </a:r>
+        </a:p>
+      </dgm:t>
+    </dgm:pt>
+    <dgm:pt modelId="{7E1B2510-1A99-47FF-B1DE-507859A6097B}" type="parTrans" cxnId="{B91898BE-CAB5-4BB7-93DA-1FBB3F220BF4}">
+      <dgm:prSet/>
+      <dgm:spPr/>
+      <dgm:t>
+        <a:bodyPr/>
+        <a:lstStyle/>
+        <a:p>
+          <a:endParaRPr lang="it-IT"/>
+        </a:p>
+      </dgm:t>
+    </dgm:pt>
+    <dgm:pt modelId="{9BF3327D-E9E4-4CD5-AD47-2E5E5352F8A1}" type="sibTrans" cxnId="{B91898BE-CAB5-4BB7-93DA-1FBB3F220BF4}">
+      <dgm:prSet/>
+      <dgm:spPr/>
+      <dgm:t>
+        <a:bodyPr/>
+        <a:lstStyle/>
+        <a:p>
+          <a:endParaRPr lang="it-IT"/>
+        </a:p>
+      </dgm:t>
+    </dgm:pt>
+    <dgm:pt modelId="{C8C1417C-0D92-4BD6-B253-A955CF442C03}">
+      <dgm:prSet phldrT="[Testo]"/>
+      <dgm:spPr/>
+      <dgm:t>
+        <a:bodyPr/>
+        <a:lstStyle/>
+        <a:p>
+          <a:r>
+            <a:rPr lang="it-IT" dirty="0"/>
+            <a:t>Lista dei libri suggeriti dal modulo IA</a:t>
+          </a:r>
+        </a:p>
+      </dgm:t>
+    </dgm:pt>
+    <dgm:pt modelId="{96DF6E9A-8212-4E45-925A-C3D2C10B57DB}" type="parTrans" cxnId="{73C17645-87D0-4FDA-94D1-8193F9B467ED}">
+      <dgm:prSet/>
+      <dgm:spPr/>
+      <dgm:t>
+        <a:bodyPr/>
+        <a:lstStyle/>
+        <a:p>
+          <a:endParaRPr lang="it-IT"/>
+        </a:p>
+      </dgm:t>
+    </dgm:pt>
+    <dgm:pt modelId="{975ED12D-F39F-49A1-8195-E92AA46FF9C2}" type="sibTrans" cxnId="{73C17645-87D0-4FDA-94D1-8193F9B467ED}">
+      <dgm:prSet/>
+      <dgm:spPr/>
+      <dgm:t>
+        <a:bodyPr/>
+        <a:lstStyle/>
+        <a:p>
+          <a:endParaRPr lang="it-IT"/>
+        </a:p>
+      </dgm:t>
+    </dgm:pt>
+    <dgm:pt modelId="{21DD3F72-20B9-4518-AB38-812793DE990B}" type="pres">
+      <dgm:prSet presAssocID="{2957B414-895D-411D-B4D4-3649F58910F0}" presName="Name0" presStyleCnt="0">
+        <dgm:presLayoutVars>
+          <dgm:dir/>
+          <dgm:resizeHandles val="exact"/>
+        </dgm:presLayoutVars>
+      </dgm:prSet>
+      <dgm:spPr/>
+    </dgm:pt>
+    <dgm:pt modelId="{F03DB3C3-2350-439E-B9EC-58F3A6530A9E}" type="pres">
+      <dgm:prSet presAssocID="{66F33A7D-EE03-49B3-8C67-0B886653581A}" presName="node" presStyleLbl="node1" presStyleIdx="0" presStyleCnt="2">
+        <dgm:presLayoutVars>
+          <dgm:bulletEnabled val="1"/>
+        </dgm:presLayoutVars>
+      </dgm:prSet>
+      <dgm:spPr/>
+    </dgm:pt>
+    <dgm:pt modelId="{0358FDD0-58BD-45B8-9B69-90A8C2B035C6}" type="pres">
+      <dgm:prSet presAssocID="{9BF3327D-E9E4-4CD5-AD47-2E5E5352F8A1}" presName="sibTrans" presStyleLbl="sibTrans2D1" presStyleIdx="0" presStyleCnt="1"/>
+      <dgm:spPr/>
+    </dgm:pt>
+    <dgm:pt modelId="{6E59D710-A06C-4543-9843-49DA4167DC65}" type="pres">
+      <dgm:prSet presAssocID="{9BF3327D-E9E4-4CD5-AD47-2E5E5352F8A1}" presName="connectorText" presStyleLbl="sibTrans2D1" presStyleIdx="0" presStyleCnt="1"/>
+      <dgm:spPr/>
+    </dgm:pt>
+    <dgm:pt modelId="{0AB264DB-05CC-4951-A3C9-968E8FD5D24E}" type="pres">
+      <dgm:prSet presAssocID="{C8C1417C-0D92-4BD6-B253-A955CF442C03}" presName="node" presStyleLbl="node1" presStyleIdx="1" presStyleCnt="2">
+        <dgm:presLayoutVars>
+          <dgm:bulletEnabled val="1"/>
+        </dgm:presLayoutVars>
+      </dgm:prSet>
+      <dgm:spPr/>
+    </dgm:pt>
+  </dgm:ptLst>
+  <dgm:cxnLst>
+    <dgm:cxn modelId="{6C95DD34-E0F0-4CFC-BBD4-D54505047908}" type="presOf" srcId="{C8C1417C-0D92-4BD6-B253-A955CF442C03}" destId="{0AB264DB-05CC-4951-A3C9-968E8FD5D24E}" srcOrd="0" destOrd="0" presId="urn:microsoft.com/office/officeart/2005/8/layout/process1"/>
+    <dgm:cxn modelId="{73C17645-87D0-4FDA-94D1-8193F9B467ED}" srcId="{2957B414-895D-411D-B4D4-3649F58910F0}" destId="{C8C1417C-0D92-4BD6-B253-A955CF442C03}" srcOrd="1" destOrd="0" parTransId="{96DF6E9A-8212-4E45-925A-C3D2C10B57DB}" sibTransId="{975ED12D-F39F-49A1-8195-E92AA46FF9C2}"/>
+    <dgm:cxn modelId="{F2676D6B-09B1-428C-A410-60E4B961B37D}" type="presOf" srcId="{2957B414-895D-411D-B4D4-3649F58910F0}" destId="{21DD3F72-20B9-4518-AB38-812793DE990B}" srcOrd="0" destOrd="0" presId="urn:microsoft.com/office/officeart/2005/8/layout/process1"/>
+    <dgm:cxn modelId="{D20AAE86-6BD5-4499-B397-00A195FC3880}" type="presOf" srcId="{66F33A7D-EE03-49B3-8C67-0B886653581A}" destId="{F03DB3C3-2350-439E-B9EC-58F3A6530A9E}" srcOrd="0" destOrd="0" presId="urn:microsoft.com/office/officeart/2005/8/layout/process1"/>
+    <dgm:cxn modelId="{9D734399-03F7-419E-89B9-F6971C00EDA3}" type="presOf" srcId="{9BF3327D-E9E4-4CD5-AD47-2E5E5352F8A1}" destId="{6E59D710-A06C-4543-9843-49DA4167DC65}" srcOrd="1" destOrd="0" presId="urn:microsoft.com/office/officeart/2005/8/layout/process1"/>
+    <dgm:cxn modelId="{7EF8F9AE-FBB0-40E7-8C82-55D7D1909D74}" type="presOf" srcId="{9BF3327D-E9E4-4CD5-AD47-2E5E5352F8A1}" destId="{0358FDD0-58BD-45B8-9B69-90A8C2B035C6}" srcOrd="0" destOrd="0" presId="urn:microsoft.com/office/officeart/2005/8/layout/process1"/>
+    <dgm:cxn modelId="{B91898BE-CAB5-4BB7-93DA-1FBB3F220BF4}" srcId="{2957B414-895D-411D-B4D4-3649F58910F0}" destId="{66F33A7D-EE03-49B3-8C67-0B886653581A}" srcOrd="0" destOrd="0" parTransId="{7E1B2510-1A99-47FF-B1DE-507859A6097B}" sibTransId="{9BF3327D-E9E4-4CD5-AD47-2E5E5352F8A1}"/>
+    <dgm:cxn modelId="{F816ECBE-546E-4FB8-B2FE-5C17D05D6362}" type="presParOf" srcId="{21DD3F72-20B9-4518-AB38-812793DE990B}" destId="{F03DB3C3-2350-439E-B9EC-58F3A6530A9E}" srcOrd="0" destOrd="0" presId="urn:microsoft.com/office/officeart/2005/8/layout/process1"/>
+    <dgm:cxn modelId="{82DB8990-C6A2-4644-A6DF-FAA5A81AE12D}" type="presParOf" srcId="{21DD3F72-20B9-4518-AB38-812793DE990B}" destId="{0358FDD0-58BD-45B8-9B69-90A8C2B035C6}" srcOrd="1" destOrd="0" presId="urn:microsoft.com/office/officeart/2005/8/layout/process1"/>
+    <dgm:cxn modelId="{F00F5952-C89E-49F7-B36C-26506F3AB8C8}" type="presParOf" srcId="{0358FDD0-58BD-45B8-9B69-90A8C2B035C6}" destId="{6E59D710-A06C-4543-9843-49DA4167DC65}" srcOrd="0" destOrd="0" presId="urn:microsoft.com/office/officeart/2005/8/layout/process1"/>
+    <dgm:cxn modelId="{FE383F06-5971-4B3F-963A-5978AA9A9EC5}" type="presParOf" srcId="{21DD3F72-20B9-4518-AB38-812793DE990B}" destId="{0AB264DB-05CC-4951-A3C9-968E8FD5D24E}" srcOrd="2" destOrd="0" presId="urn:microsoft.com/office/officeart/2005/8/layout/process1"/>
+  </dgm:cxnLst>
+  <dgm:bg/>
+  <dgm:whole/>
+  <dgm:extLst>
+    <a:ext uri="http://schemas.microsoft.com/office/drawing/2008/diagram">
+      <dsp:dataModelExt xmlns:dsp="http://schemas.microsoft.com/office/drawing/2008/diagram" relId="rId6" minVer="http://schemas.openxmlformats.org/drawingml/2006/diagram"/>
+    </a:ext>
+  </dgm:extLst>
+</dgm:dataModel>
+</file>
+
+<file path=ppt/diagrams/drawing1.xml><?xml version="1.0" encoding="utf-8"?>
+<dsp:drawing xmlns:dgm="http://schemas.openxmlformats.org/drawingml/2006/diagram" xmlns:dsp="http://schemas.microsoft.com/office/drawing/2008/diagram" xmlns:a="http://schemas.openxmlformats.org/drawingml/2006/main">
+  <dsp:spTree>
+    <dsp:nvGrpSpPr>
+      <dsp:cNvPr id="0" name=""/>
+      <dsp:cNvGrpSpPr/>
+    </dsp:nvGrpSpPr>
+    <dsp:grpSpPr/>
+    <dsp:sp modelId="{F03DB3C3-2350-439E-B9EC-58F3A6530A9E}">
+      <dsp:nvSpPr>
+        <dsp:cNvPr id="0" name=""/>
+        <dsp:cNvSpPr/>
+      </dsp:nvSpPr>
+      <dsp:spPr>
+        <a:xfrm>
+          <a:off x="1898" y="796804"/>
+          <a:ext cx="4048527" cy="2429116"/>
+        </a:xfrm>
+        <a:prstGeom prst="roundRect">
+          <a:avLst>
+            <a:gd name="adj" fmla="val 10000"/>
+          </a:avLst>
+        </a:prstGeom>
+        <a:solidFill>
+          <a:schemeClr val="accent1">
+            <a:hueOff val="0"/>
+            <a:satOff val="0"/>
+            <a:lumOff val="0"/>
+            <a:alphaOff val="0"/>
+          </a:schemeClr>
+        </a:solidFill>
+        <a:ln w="15875" cap="flat" cmpd="sng" algn="ctr">
+          <a:solidFill>
+            <a:schemeClr val="lt1">
+              <a:hueOff val="0"/>
+              <a:satOff val="0"/>
+              <a:lumOff val="0"/>
+              <a:alphaOff val="0"/>
+            </a:schemeClr>
+          </a:solidFill>
+          <a:prstDash val="solid"/>
+        </a:ln>
+        <a:effectLst/>
+      </dsp:spPr>
+      <dsp:style>
+        <a:lnRef idx="2">
+          <a:scrgbClr r="0" g="0" b="0"/>
+        </a:lnRef>
+        <a:fillRef idx="1">
+          <a:scrgbClr r="0" g="0" b="0"/>
+        </a:fillRef>
+        <a:effectRef idx="0">
+          <a:scrgbClr r="0" g="0" b="0"/>
+        </a:effectRef>
+        <a:fontRef idx="minor">
+          <a:schemeClr val="lt1"/>
+        </a:fontRef>
+      </dsp:style>
+      <dsp:txBody>
+        <a:bodyPr spcFirstLastPara="0" vert="horz" wrap="square" lIns="163830" tIns="163830" rIns="163830" bIns="163830" numCol="1" spcCol="1270" anchor="ctr" anchorCtr="0">
+          <a:noAutofit/>
+        </a:bodyPr>
+        <a:lstStyle/>
+        <a:p>
+          <a:pPr marL="0" lvl="0" indent="0" algn="ctr" defTabSz="1911350">
+            <a:lnSpc>
+              <a:spcPct val="90000"/>
+            </a:lnSpc>
+            <a:spcBef>
+              <a:spcPct val="0"/>
+            </a:spcBef>
+            <a:spcAft>
+              <a:spcPct val="35000"/>
+            </a:spcAft>
+            <a:buNone/>
+          </a:pPr>
+          <a:r>
+            <a:rPr lang="it-IT" sz="4300" kern="1200" dirty="0"/>
+            <a:t>Inserimento delle valutazioni dei libri letti</a:t>
+          </a:r>
+        </a:p>
+      </dsp:txBody>
+      <dsp:txXfrm>
+        <a:off x="73044" y="867950"/>
+        <a:ext cx="3906235" cy="2286824"/>
+      </dsp:txXfrm>
+    </dsp:sp>
+    <dsp:sp modelId="{0358FDD0-58BD-45B8-9B69-90A8C2B035C6}">
+      <dsp:nvSpPr>
+        <dsp:cNvPr id="0" name=""/>
+        <dsp:cNvSpPr/>
+      </dsp:nvSpPr>
+      <dsp:spPr>
+        <a:xfrm>
+          <a:off x="4455278" y="1509345"/>
+          <a:ext cx="858287" cy="1004034"/>
+        </a:xfrm>
+        <a:prstGeom prst="rightArrow">
+          <a:avLst>
+            <a:gd name="adj1" fmla="val 60000"/>
+            <a:gd name="adj2" fmla="val 50000"/>
+          </a:avLst>
+        </a:prstGeom>
+        <a:solidFill>
+          <a:schemeClr val="accent1">
+            <a:tint val="60000"/>
+            <a:hueOff val="0"/>
+            <a:satOff val="0"/>
+            <a:lumOff val="0"/>
+            <a:alphaOff val="0"/>
+          </a:schemeClr>
+        </a:solidFill>
+        <a:ln>
+          <a:noFill/>
+        </a:ln>
+        <a:effectLst/>
+      </dsp:spPr>
+      <dsp:style>
+        <a:lnRef idx="0">
+          <a:scrgbClr r="0" g="0" b="0"/>
+        </a:lnRef>
+        <a:fillRef idx="1">
+          <a:scrgbClr r="0" g="0" b="0"/>
+        </a:fillRef>
+        <a:effectRef idx="0">
+          <a:scrgbClr r="0" g="0" b="0"/>
+        </a:effectRef>
+        <a:fontRef idx="minor">
+          <a:schemeClr val="lt1"/>
+        </a:fontRef>
+      </dsp:style>
+      <dsp:txBody>
+        <a:bodyPr spcFirstLastPara="0" vert="horz" wrap="square" lIns="0" tIns="0" rIns="0" bIns="0" numCol="1" spcCol="1270" anchor="ctr" anchorCtr="0">
+          <a:noAutofit/>
+        </a:bodyPr>
+        <a:lstStyle/>
+        <a:p>
+          <a:pPr marL="0" lvl="0" indent="0" algn="ctr" defTabSz="1511300">
+            <a:lnSpc>
+              <a:spcPct val="90000"/>
+            </a:lnSpc>
+            <a:spcBef>
+              <a:spcPct val="0"/>
+            </a:spcBef>
+            <a:spcAft>
+              <a:spcPct val="35000"/>
+            </a:spcAft>
+            <a:buNone/>
+          </a:pPr>
+          <a:endParaRPr lang="it-IT" sz="3400" kern="1200"/>
+        </a:p>
+      </dsp:txBody>
+      <dsp:txXfrm>
+        <a:off x="4455278" y="1710152"/>
+        <a:ext cx="600801" cy="602420"/>
+      </dsp:txXfrm>
+    </dsp:sp>
+    <dsp:sp modelId="{0AB264DB-05CC-4951-A3C9-968E8FD5D24E}">
+      <dsp:nvSpPr>
+        <dsp:cNvPr id="0" name=""/>
+        <dsp:cNvSpPr/>
+      </dsp:nvSpPr>
+      <dsp:spPr>
+        <a:xfrm>
+          <a:off x="5669836" y="796804"/>
+          <a:ext cx="4048527" cy="2429116"/>
+        </a:xfrm>
+        <a:prstGeom prst="roundRect">
+          <a:avLst>
+            <a:gd name="adj" fmla="val 10000"/>
+          </a:avLst>
+        </a:prstGeom>
+        <a:solidFill>
+          <a:schemeClr val="accent1">
+            <a:hueOff val="0"/>
+            <a:satOff val="0"/>
+            <a:lumOff val="0"/>
+            <a:alphaOff val="0"/>
+          </a:schemeClr>
+        </a:solidFill>
+        <a:ln w="15875" cap="flat" cmpd="sng" algn="ctr">
+          <a:solidFill>
+            <a:schemeClr val="lt1">
+              <a:hueOff val="0"/>
+              <a:satOff val="0"/>
+              <a:lumOff val="0"/>
+              <a:alphaOff val="0"/>
+            </a:schemeClr>
+          </a:solidFill>
+          <a:prstDash val="solid"/>
+        </a:ln>
+        <a:effectLst/>
+      </dsp:spPr>
+      <dsp:style>
+        <a:lnRef idx="2">
+          <a:scrgbClr r="0" g="0" b="0"/>
+        </a:lnRef>
+        <a:fillRef idx="1">
+          <a:scrgbClr r="0" g="0" b="0"/>
+        </a:fillRef>
+        <a:effectRef idx="0">
+          <a:scrgbClr r="0" g="0" b="0"/>
+        </a:effectRef>
+        <a:fontRef idx="minor">
+          <a:schemeClr val="lt1"/>
+        </a:fontRef>
+      </dsp:style>
+      <dsp:txBody>
+        <a:bodyPr spcFirstLastPara="0" vert="horz" wrap="square" lIns="163830" tIns="163830" rIns="163830" bIns="163830" numCol="1" spcCol="1270" anchor="ctr" anchorCtr="0">
+          <a:noAutofit/>
+        </a:bodyPr>
+        <a:lstStyle/>
+        <a:p>
+          <a:pPr marL="0" lvl="0" indent="0" algn="ctr" defTabSz="1911350">
+            <a:lnSpc>
+              <a:spcPct val="90000"/>
+            </a:lnSpc>
+            <a:spcBef>
+              <a:spcPct val="0"/>
+            </a:spcBef>
+            <a:spcAft>
+              <a:spcPct val="35000"/>
+            </a:spcAft>
+            <a:buNone/>
+          </a:pPr>
+          <a:r>
+            <a:rPr lang="it-IT" sz="4300" kern="1200" dirty="0"/>
+            <a:t>Lista dei libri suggeriti dal modulo IA</a:t>
+          </a:r>
+        </a:p>
+      </dsp:txBody>
+      <dsp:txXfrm>
+        <a:off x="5740982" y="867950"/>
+        <a:ext cx="3906235" cy="2286824"/>
+      </dsp:txXfrm>
+    </dsp:sp>
+  </dsp:spTree>
+</dsp:drawing>
+</file>
+
+<file path=ppt/diagrams/layout1.xml><?xml version="1.0" encoding="utf-8"?>
+<dgm:layoutDef xmlns:dgm="http://schemas.openxmlformats.org/drawingml/2006/diagram" xmlns:a="http://schemas.openxmlformats.org/drawingml/2006/main" uniqueId="urn:microsoft.com/office/officeart/2005/8/layout/process1">
+  <dgm:title val=""/>
+  <dgm:desc val=""/>
+  <dgm:catLst>
+    <dgm:cat type="process" pri="1000"/>
+    <dgm:cat type="convert" pri="15000"/>
+  </dgm:catLst>
+  <dgm:sampData useDef="1">
+    <dgm:dataModel>
+      <dgm:ptLst/>
+      <dgm:bg/>
+      <dgm:whole/>
+    </dgm:dataModel>
+  </dgm:sampData>
+  <dgm:styleData>
+    <dgm:dataModel>
+      <dgm:ptLst>
+        <dgm:pt modelId="0" type="doc"/>
+        <dgm:pt modelId="1"/>
+        <dgm:pt modelId="2"/>
+      </dgm:ptLst>
+      <dgm:cxnLst>
+        <dgm:cxn modelId="3" srcId="0" destId="1" srcOrd="0" destOrd="0"/>
+        <dgm:cxn modelId="4" srcId="0" destId="2" srcOrd="1" destOrd="0"/>
+      </dgm:cxnLst>
+      <dgm:bg/>
+      <dgm:whole/>
+    </dgm:dataModel>
+  </dgm:styleData>
+  <dgm:clrData>
+    <dgm:dataModel>
+      <dgm:ptLst>
+        <dgm:pt modelId="0" type="doc"/>
+        <dgm:pt modelId="1"/>
+        <dgm:pt modelId="2"/>
+        <dgm:pt modelId="3"/>
+        <dgm:pt modelId="4"/>
+      </dgm:ptLst>
+      <dgm:cxnLst>
+        <dgm:cxn modelId="5" srcId="0" destId="1" srcOrd="0" destOrd="0"/>
+        <dgm:cxn modelId="6" srcId="0" destId="2" srcOrd="1" destOrd="0"/>
+        <dgm:cxn modelId="7" srcId="0" destId="3" srcOrd="2" destOrd="0"/>
+        <dgm:cxn modelId="8" srcId="0" destId="4" srcOrd="3" destOrd="0"/>
+      </dgm:cxnLst>
+      <dgm:bg/>
+      <dgm:whole/>
+    </dgm:dataModel>
+  </dgm:clrData>
+  <dgm:layoutNode name="Name0">
+    <dgm:varLst>
+      <dgm:dir/>
+      <dgm:resizeHandles val="exact"/>
+    </dgm:varLst>
+    <dgm:choose name="Name1">
+      <dgm:if name="Name2" func="var" arg="dir" op="equ" val="norm">
+        <dgm:alg type="lin"/>
+      </dgm:if>
+      <dgm:else name="Name3">
+        <dgm:alg type="lin">
+          <dgm:param type="linDir" val="fromR"/>
+        </dgm:alg>
+      </dgm:else>
+    </dgm:choose>
+    <dgm:shape xmlns:r="http://schemas.openxmlformats.org/officeDocument/2006/relationships" r:blip="">
+      <dgm:adjLst/>
+    </dgm:shape>
+    <dgm:presOf/>
+    <dgm:constrLst>
+      <dgm:constr type="w" for="ch" ptType="node" refType="w"/>
+      <dgm:constr type="h" for="ch" ptType="node" op="equ"/>
+      <dgm:constr type="primFontSz" for="ch" ptType="node" op="equ" val="65"/>
+      <dgm:constr type="w" for="ch" ptType="sibTrans" refType="w" refFor="ch" refPtType="node" op="equ" fact="0.4"/>
+      <dgm:constr type="h" for="ch" ptType="sibTrans" op="equ"/>
+      <dgm:constr type="primFontSz" for="des" forName="connectorText" op="equ" val="55"/>
+      <dgm:constr type="primFontSz" for="des" forName="connectorText" refType="primFontSz" refFor="ch" refPtType="node" op="lte" fact="0.8"/>
+    </dgm:constrLst>
+    <dgm:ruleLst/>
+    <dgm:forEach name="nodesForEach" axis="ch" ptType="node">
+      <dgm:layoutNode name="node">
+        <dgm:varLst>
+          <dgm:bulletEnabled val="1"/>
+        </dgm:varLst>
+        <dgm:alg type="tx"/>
+        <dgm:shape xmlns:r="http://schemas.openxmlformats.org/officeDocument/2006/relationships" type="roundRect" r:blip="">
+          <dgm:adjLst>
+            <dgm:adj idx="1" val="0.1"/>
+          </dgm:adjLst>
+        </dgm:shape>
+        <dgm:presOf axis="desOrSelf" ptType="node"/>
+        <dgm:constrLst>
+          <dgm:constr type="h" refType="w" fact="0.6"/>
+          <dgm:constr type="tMarg" refType="primFontSz" fact="0.3"/>
+          <dgm:constr type="bMarg" refType="primFontSz" fact="0.3"/>
+          <dgm:constr type="lMarg" refType="primFontSz" fact="0.3"/>
+          <dgm:constr type="rMarg" refType="primFontSz" fact="0.3"/>
+        </dgm:constrLst>
+        <dgm:ruleLst>
+          <dgm:rule type="primFontSz" val="18" fact="NaN" max="NaN"/>
+          <dgm:rule type="h" val="NaN" fact="1.5" max="NaN"/>
+          <dgm:rule type="primFontSz" val="5" fact="NaN" max="NaN"/>
+          <dgm:rule type="h" val="INF" fact="NaN" max="NaN"/>
+        </dgm:ruleLst>
+      </dgm:layoutNode>
+      <dgm:forEach name="sibTransForEach" axis="followSib" ptType="sibTrans" cnt="1">
+        <dgm:layoutNode name="sibTrans">
+          <dgm:alg type="conn">
+            <dgm:param type="begPts" val="auto"/>
+            <dgm:param type="endPts" val="auto"/>
+          </dgm:alg>
+          <dgm:shape xmlns:r="http://schemas.openxmlformats.org/officeDocument/2006/relationships" type="conn" r:blip="">
+            <dgm:adjLst/>
+          </dgm:shape>
+          <dgm:presOf axis="self"/>
+          <dgm:constrLst>
+            <dgm:constr type="h" refType="w" fact="0.62"/>
+            <dgm:constr type="connDist"/>
+            <dgm:constr type="begPad" refType="connDist" fact="0.25"/>
+            <dgm:constr type="endPad" refType="connDist" fact="0.22"/>
+          </dgm:constrLst>
+          <dgm:ruleLst/>
+          <dgm:layoutNode name="connectorText">
+            <dgm:alg type="tx">
+              <dgm:param type="autoTxRot" val="grav"/>
+            </dgm:alg>
+            <dgm:shape xmlns:r="http://schemas.openxmlformats.org/officeDocument/2006/relationships" type="conn" r:blip="" hideGeom="1">
+              <dgm:adjLst/>
+            </dgm:shape>
+            <dgm:presOf axis="self"/>
+            <dgm:constrLst>
+              <dgm:constr type="lMarg"/>
+              <dgm:constr type="rMarg"/>
+              <dgm:constr type="tMarg"/>
+              <dgm:constr type="bMarg"/>
+            </dgm:constrLst>
+            <dgm:ruleLst>
+              <dgm:rule type="primFontSz" val="5" fact="NaN" max="NaN"/>
+            </dgm:ruleLst>
+          </dgm:layoutNode>
+        </dgm:layoutNode>
+      </dgm:forEach>
+    </dgm:forEach>
+  </dgm:layoutNode>
+</dgm:layoutDef>
+</file>
+
+<file path=ppt/diagrams/quickStyle1.xml><?xml version="1.0" encoding="utf-8"?>
+<dgm:styleDef xmlns:dgm="http://schemas.openxmlformats.org/drawingml/2006/diagram" xmlns:a="http://schemas.openxmlformats.org/drawingml/2006/main" uniqueId="urn:microsoft.com/office/officeart/2005/8/quickstyle/simple1">
+  <dgm:title val=""/>
+  <dgm:desc val=""/>
+  <dgm:catLst>
+    <dgm:cat type="simple" pri="10100"/>
+  </dgm:catLst>
+  <dgm:scene3d>
+    <a:camera prst="orthographicFront"/>
+    <a:lightRig rig="threePt" dir="t"/>
+  </dgm:scene3d>
+  <dgm:styleLbl name="node0">
+    <dgm:scene3d>
+      <a:camera prst="orthographicFront"/>
+      <a:lightRig rig="threePt" dir="t"/>
+    </dgm:scene3d>
+    <dgm:sp3d/>
+    <dgm:txPr/>
+    <dgm:style>
+      <a:lnRef idx="2">
+        <a:scrgbClr r="0" g="0" b="0"/>
+      </a:lnRef>
+      <a:fillRef idx="1">
+        <a:scrgbClr r="0" g="0" b="0"/>
+      </a:fillRef>
+      <a:effectRef idx="0">
+        <a:scrgbClr r="0" g="0" b="0"/>
+      </a:effectRef>
+      <a:fontRef idx="minor">
+        <a:schemeClr val="lt1"/>
+      </a:fontRef>
+    </dgm:style>
+  </dgm:styleLbl>
+  <dgm:styleLbl name="lnNode1">
+    <dgm:scene3d>
+      <a:camera prst="orthographicFront"/>
+      <a:lightRig rig="threePt" dir="t"/>
+    </dgm:scene3d>
+    <dgm:sp3d/>
+    <dgm:txPr/>
+    <dgm:style>
+      <a:lnRef idx="2">
+        <a:scrgbClr r="0" g="0" b="0"/>
+      </a:lnRef>
+      <a:fillRef idx="1">
+        <a:scrgbClr r="0" g="0" b="0"/>
+      </a:fillRef>
+      <a:effectRef idx="0">
+        <a:scrgbClr r="0" g="0" b="0"/>
+      </a:effectRef>
+      <a:fontRef idx="minor">
+        <a:schemeClr val="lt1"/>
+      </a:fontRef>
+    </dgm:style>
+  </dgm:styleLbl>
+  <dgm:styleLbl name="vennNode1">
+    <dgm:scene3d>
+      <a:camera prst="orthographicFront"/>
+      <a:lightRig rig="threePt" dir="t"/>
+    </dgm:scene3d>
+    <dgm:sp3d/>
+    <dgm:txPr/>
+    <dgm:style>
+      <a:lnRef idx="2">
+        <a:scrgbClr r="0" g="0" b="0"/>
+      </a:lnRef>
+      <a:fillRef idx="1">
+        <a:scrgbClr r="0" g="0" b="0"/>
+      </a:fillRef>
+      <a:effectRef idx="0">
+        <a:scrgbClr r="0" g="0" b="0"/>
+      </a:effectRef>
+      <a:fontRef idx="minor">
+        <a:schemeClr val="tx1"/>
+      </a:fontRef>
+    </dgm:style>
+  </dgm:styleLbl>
+  <dgm:styleLbl name="alignNode1">
+    <dgm:scene3d>
+      <a:camera prst="orthographicFront"/>
+      <a:lightRig rig="threePt" dir="t"/>
+    </dgm:scene3d>
+    <dgm:sp3d/>
+    <dgm:txPr/>
+    <dgm:style>
+      <a:lnRef idx="2">
+        <a:scrgbClr r="0" g="0" b="0"/>
+      </a:lnRef>
+      <a:fillRef idx="1">
+        <a:scrgbClr r="0" g="0" b="0"/>
+      </a:fillRef>
+      <a:effectRef idx="0">
+        <a:scrgbClr r="0" g="0" b="0"/>
+      </a:effectRef>
+      <a:fontRef idx="minor">
+        <a:schemeClr val="lt1"/>
+      </a:fontRef>
+    </dgm:style>
+  </dgm:styleLbl>
+  <dgm:styleLbl name="node1">
+    <dgm:scene3d>
+      <a:camera prst="orthographicFront"/>
+      <a:lightRig rig="threePt" dir="t"/>
+    </dgm:scene3d>
+    <dgm:sp3d/>
+    <dgm:txPr/>
+    <dgm:style>
+      <a:lnRef idx="2">
+        <a:scrgbClr r="0" g="0" b="0"/>
+      </a:lnRef>
+      <a:fillRef idx="1">
+        <a:scrgbClr r="0" g="0" b="0"/>
+      </a:fillRef>
+      <a:effectRef idx="0">
+        <a:scrgbClr r="0" g="0" b="0"/>
+      </a:effectRef>
+      <a:fontRef idx="minor">
+        <a:schemeClr val="lt1"/>
+      </a:fontRef>
+    </dgm:style>
+  </dgm:styleLbl>
+  <dgm:styleLbl name="node2">
+    <dgm:scene3d>
+      <a:camera prst="orthographicFront"/>
+      <a:lightRig rig="threePt" dir="t"/>
+    </dgm:scene3d>
+    <dgm:sp3d/>
+    <dgm:txPr/>
+    <dgm:style>
+      <a:lnRef idx="2">
+        <a:scrgbClr r="0" g="0" b="0"/>
+      </a:lnRef>
+      <a:fillRef idx="1">
+        <a:scrgbClr r="0" g="0" b="0"/>
+      </a:fillRef>
+      <a:effectRef idx="0">
+        <a:scrgbClr r="0" g="0" b="0"/>
+      </a:effectRef>
+      <a:fontRef idx="minor">
+        <a:schemeClr val="lt1"/>
+      </a:fontRef>
+    </dgm:style>
+  </dgm:styleLbl>
+  <dgm:styleLbl name="node3">
+    <dgm:scene3d>
+      <a:camera prst="orthographicFront"/>
+      <a:lightRig rig="threePt" dir="t"/>
+    </dgm:scene3d>
+    <dgm:sp3d/>
+    <dgm:txPr/>
+    <dgm:style>
+      <a:lnRef idx="2">
+        <a:scrgbClr r="0" g="0" b="0"/>
+      </a:lnRef>
+      <a:fillRef idx="1">
+        <a:scrgbClr r="0" g="0" b="0"/>
+      </a:fillRef>
+      <a:effectRef idx="0">
+        <a:scrgbClr r="0" g="0" b="0"/>
+      </a:effectRef>
+      <a:fontRef idx="minor">
+        <a:schemeClr val="lt1"/>
+      </a:fontRef>
+    </dgm:style>
+  </dgm:styleLbl>
+  <dgm:styleLbl name="node4">
+    <dgm:scene3d>
+      <a:camera prst="orthographicFront"/>
+      <a:lightRig rig="threePt" dir="t"/>
+    </dgm:scene3d>
+    <dgm:sp3d/>
+    <dgm:txPr/>
+    <dgm:style>
+      <a:lnRef idx="2">
+        <a:scrgbClr r="0" g="0" b="0"/>
+      </a:lnRef>
+      <a:fillRef idx="1">
+        <a:scrgbClr r="0" g="0" b="0"/>
+      </a:fillRef>
+      <a:effectRef idx="0">
+        <a:scrgbClr r="0" g="0" b="0"/>
+      </a:effectRef>
+      <a:fontRef idx="minor">
+        <a:schemeClr val="lt1"/>
+      </a:fontRef>
+    </dgm:style>
+  </dgm:styleLbl>
+  <dgm:styleLbl name="fgImgPlace1">
+    <dgm:scene3d>
+      <a:camera prst="orthographicFront"/>
+      <a:lightRig rig="threePt" dir="t"/>
+    </dgm:scene3d>
+    <dgm:sp3d/>
+    <dgm:txPr/>
+    <dgm:style>
+      <a:lnRef idx="2">
+        <a:scrgbClr r="0" g="0" b="0"/>
+      </a:lnRef>
+      <a:fillRef idx="1">
+        <a:scrgbClr r="0" g="0" b="0"/>
+      </a:fillRef>
+      <a:effectRef idx="0">
+        <a:scrgbClr r="0" g="0" b="0"/>
+      </a:effectRef>
+      <a:fontRef idx="minor"/>
+    </dgm:style>
+  </dgm:styleLbl>
+  <dgm:styleLbl name="alignImgPlace1">
+    <dgm:scene3d>
+      <a:camera prst="orthographicFront"/>
+      <a:lightRig rig="threePt" dir="t"/>
+    </dgm:scene3d>
+    <dgm:sp3d/>
+    <dgm:txPr/>
+    <dgm:style>
+      <a:lnRef idx="2">
+        <a:scrgbClr r="0" g="0" b="0"/>
+      </a:lnRef>
+      <a:fillRef idx="1">
+        <a:scrgbClr r="0" g="0" b="0"/>
+      </a:fillRef>
+      <a:effectRef idx="0">
+        <a:scrgbClr r="0" g="0" b="0"/>
+      </a:effectRef>
+      <a:fontRef idx="minor"/>
+    </dgm:style>
+  </dgm:styleLbl>
+  <dgm:styleLbl name="bgImgPlace1">
+    <dgm:scene3d>
+      <a:camera prst="orthographicFront"/>
+      <a:lightRig rig="threePt" dir="t"/>
+    </dgm:scene3d>
+    <dgm:sp3d/>
+    <dgm:txPr/>
+    <dgm:style>
+      <a:lnRef idx="2">
+        <a:scrgbClr r="0" g="0" b="0"/>
+      </a:lnRef>
+      <a:fillRef idx="1">
+        <a:scrgbClr r="0" g="0" b="0"/>
+      </a:fillRef>
+      <a:effectRef idx="0">
+        <a:scrgbClr r="0" g="0" b="0"/>
+      </a:effectRef>
+      <a:fontRef idx="minor"/>
+    </dgm:style>
+  </dgm:styleLbl>
+  <dgm:styleLbl name="sibTrans2D1">
+    <dgm:scene3d>
+      <a:camera prst="orthographicFront"/>
+      <a:lightRig rig="threePt" dir="t"/>
+    </dgm:scene3d>
+    <dgm:sp3d/>
+    <dgm:txPr/>
+    <dgm:style>
+      <a:lnRef idx="0">
+        <a:scrgbClr r="0" g="0" b="0"/>
+      </a:lnRef>
+      <a:fillRef idx="1">
+        <a:scrgbClr r="0" g="0" b="0"/>
+      </a:fillRef>
+      <a:effectRef idx="0">
+        <a:scrgbClr r="0" g="0" b="0"/>
+      </a:effectRef>
+      <a:fontRef idx="minor">
+        <a:schemeClr val="lt1"/>
+      </a:fontRef>
+    </dgm:style>
+  </dgm:styleLbl>
+  <dgm:styleLbl name="fgSibTrans2D1">
+    <dgm:scene3d>
+      <a:camera prst="orthographicFront"/>
+      <a:lightRig rig="threePt" dir="t"/>
+    </dgm:scene3d>
+    <dgm:sp3d/>
+    <dgm:txPr/>
+    <dgm:style>
+      <a:lnRef idx="0">
+        <a:scrgbClr r="0" g="0" b="0"/>
+      </a:lnRef>
+      <a:fillRef idx="1">
+        <a:scrgbClr r="0" g="0" b="0"/>
+      </a:fillRef>
+      <a:effectRef idx="0">
+        <a:scrgbClr r="0" g="0" b="0"/>
+      </a:effectRef>
+      <a:fontRef idx="minor">
+        <a:schemeClr val="lt1"/>
+      </a:fontRef>
+    </dgm:style>
+  </dgm:styleLbl>
+  <dgm:styleLbl name="bgSibTrans2D1">
+    <dgm:scene3d>
+      <a:camera prst="orthographicFront"/>
+      <a:lightRig rig="threePt" dir="t"/>
+    </dgm:scene3d>
+    <dgm:sp3d/>
+    <dgm:txPr/>
+    <dgm:style>
+      <a:lnRef idx="0">
+        <a:scrgbClr r="0" g="0" b="0"/>
+      </a:lnRef>
+      <a:fillRef idx="1">
+        <a:scrgbClr r="0" g="0" b="0"/>
+      </a:fillRef>
+      <a:effectRef idx="0">
+        <a:scrgbClr r="0" g="0" b="0"/>
+      </a:effectRef>
+      <a:fontRef idx="minor">
+        <a:schemeClr val="lt1"/>
+      </a:fontRef>
+    </dgm:style>
+  </dgm:styleLbl>
+  <dgm:styleLbl name="sibTrans1D1">
+    <dgm:scene3d>
+      <a:camera prst="orthographicFront"/>
+      <a:lightRig rig="threePt" dir="t"/>
+    </dgm:scene3d>
+    <dgm:sp3d/>
+    <dgm:txPr/>
+    <dgm:style>
+      <a:lnRef idx="1">
+        <a:scrgbClr r="0" g="0" b="0"/>
+      </a:lnRef>
+      <a:fillRef idx="0">
+        <a:scrgbClr r="0" g="0" b="0"/>
+      </a:fillRef>
+      <a:effectRef idx="0">
+        <a:scrgbClr r="0" g="0" b="0"/>
+      </a:effectRef>
+      <a:fontRef idx="minor"/>
+    </dgm:style>
+  </dgm:styleLbl>
+  <dgm:styleLbl name="callout">
+    <dgm:scene3d>
+      <a:camera prst="orthographicFront"/>
+      <a:lightRig rig="threePt" dir="t"/>
+    </dgm:scene3d>
+    <dgm:sp3d/>
+    <dgm:txPr/>
+    <dgm:style>
+      <a:lnRef idx="2">
+        <a:scrgbClr r="0" g="0" b="0"/>
+      </a:lnRef>
+      <a:fillRef idx="1">
+        <a:scrgbClr r="0" g="0" b="0"/>
+      </a:fillRef>
+      <a:effectRef idx="0">
+        <a:scrgbClr r="0" g="0" b="0"/>
+      </a:effectRef>
+      <a:fontRef idx="minor"/>
+    </dgm:style>
+  </dgm:styleLbl>
+  <dgm:styleLbl name="asst0">
+    <dgm:scene3d>
+      <a:camera prst="orthographicFront"/>
+      <a:lightRig rig="threePt" dir="t"/>
+    </dgm:scene3d>
+    <dgm:sp3d/>
+    <dgm:txPr/>
+    <dgm:style>
+      <a:lnRef idx="2">
+        <a:scrgbClr r="0" g="0" b="0"/>
+      </a:lnRef>
+      <a:fillRef idx="1">
+        <a:scrgbClr r="0" g="0" b="0"/>
+      </a:fillRef>
+      <a:effectRef idx="0">
+        <a:scrgbClr r="0" g="0" b="0"/>
+      </a:effectRef>
+      <a:fontRef idx="minor">
+        <a:schemeClr val="lt1"/>
+      </a:fontRef>
+    </dgm:style>
+  </dgm:styleLbl>
+  <dgm:styleLbl name="asst1">
+    <dgm:scene3d>
+      <a:camera prst="orthographicFront"/>
+      <a:lightRig rig="threePt" dir="t"/>
+    </dgm:scene3d>
+    <dgm:sp3d/>
+    <dgm:txPr/>
+    <dgm:style>
+      <a:lnRef idx="2">
+        <a:scrgbClr r="0" g="0" b="0"/>
+      </a:lnRef>
+      <a:fillRef idx="1">
+        <a:scrgbClr r="0" g="0" b="0"/>
+      </a:fillRef>
+      <a:effectRef idx="0">
+        <a:scrgbClr r="0" g="0" b="0"/>
+      </a:effectRef>
+      <a:fontRef idx="minor">
+        <a:schemeClr val="lt1"/>
+      </a:fontRef>
+    </dgm:style>
+  </dgm:styleLbl>
+  <dgm:styleLbl name="asst2">
+    <dgm:scene3d>
+      <a:camera prst="orthographicFront"/>
+      <a:lightRig rig="threePt" dir="t"/>
+    </dgm:scene3d>
+    <dgm:sp3d/>
+    <dgm:txPr/>
+    <dgm:style>
+      <a:lnRef idx="2">
+        <a:scrgbClr r="0" g="0" b="0"/>
+      </a:lnRef>
+      <a:fillRef idx="1">
+        <a:scrgbClr r="0" g="0" b="0"/>
+      </a:fillRef>
+      <a:effectRef idx="0">
+        <a:scrgbClr r="0" g="0" b="0"/>
+      </a:effectRef>
+      <a:fontRef idx="minor">
+        <a:schemeClr val="lt1"/>
+      </a:fontRef>
+    </dgm:style>
+  </dgm:styleLbl>
+  <dgm:styleLbl name="asst3">
+    <dgm:scene3d>
+      <a:camera prst="orthographicFront"/>
+      <a:lightRig rig="threePt" dir="t"/>
+    </dgm:scene3d>
+    <dgm:sp3d/>
+    <dgm:txPr/>
+    <dgm:style>
+      <a:lnRef idx="2">
+        <a:scrgbClr r="0" g="0" b="0"/>
+      </a:lnRef>
+      <a:fillRef idx="1">
+        <a:scrgbClr r="0" g="0" b="0"/>
+      </a:fillRef>
+      <a:effectRef idx="0">
+        <a:scrgbClr r="0" g="0" b="0"/>
+      </a:effectRef>
+      <a:fontRef idx="minor">
+        <a:schemeClr val="lt1"/>
+      </a:fontRef>
+    </dgm:style>
+  </dgm:styleLbl>
+  <dgm:styleLbl name="asst4">
+    <dgm:scene3d>
+      <a:camera prst="orthographicFront"/>
+      <a:lightRig rig="threePt" dir="t"/>
+    </dgm:scene3d>
+    <dgm:sp3d/>
+    <dgm:txPr/>
+    <dgm:style>
+      <a:lnRef idx="2">
+        <a:scrgbClr r="0" g="0" b="0"/>
+      </a:lnRef>
+      <a:fillRef idx="1">
+        <a:scrgbClr r="0" g="0" b="0"/>
+      </a:fillRef>
+      <a:effectRef idx="0">
+        <a:scrgbClr r="0" g="0" b="0"/>
+      </a:effectRef>
+      <a:fontRef idx="minor">
+        <a:schemeClr val="lt1"/>
+      </a:fontRef>
+    </dgm:style>
+  </dgm:styleLbl>
+  <dgm:styleLbl name="parChTrans2D1">
+    <dgm:scene3d>
+      <a:camera prst="orthographicFront"/>
+      <a:lightRig rig="threePt" dir="t"/>
+    </dgm:scene3d>
+    <dgm:sp3d/>
+    <dgm:txPr/>
+    <dgm:style>
+      <a:lnRef idx="2">
+        <a:scrgbClr r="0" g="0" b="0"/>
+      </a:lnRef>
+      <a:fillRef idx="1">
+        <a:scrgbClr r="0" g="0" b="0"/>
+      </a:fillRef>
+      <a:effectRef idx="0">
+        <a:scrgbClr r="0" g="0" b="0"/>
+      </a:effectRef>
+      <a:fontRef idx="minor">
+        <a:schemeClr val="lt1"/>
+      </a:fontRef>
+    </dgm:style>
+  </dgm:styleLbl>
+  <dgm:styleLbl name="parChTrans2D2">
+    <dgm:scene3d>
+      <a:camera prst="orthographicFront"/>
+      <a:lightRig rig="threePt" dir="t"/>
+    </dgm:scene3d>
+    <dgm:sp3d/>
+    <dgm:txPr/>
+    <dgm:style>
+      <a:lnRef idx="2">
+        <a:scrgbClr r="0" g="0" b="0"/>
+      </a:lnRef>
+      <a:fillRef idx="1">
+        <a:scrgbClr r="0" g="0" b="0"/>
+      </a:fillRef>
+      <a:effectRef idx="0">
+        <a:scrgbClr r="0" g="0" b="0"/>
+      </a:effectRef>
+      <a:fontRef idx="minor">
+        <a:schemeClr val="lt1"/>
+      </a:fontRef>
+    </dgm:style>
+  </dgm:styleLbl>
+  <dgm:styleLbl name="parChTrans2D3">
+    <dgm:scene3d>
+      <a:camera prst="orthographicFront"/>
+      <a:lightRig rig="threePt" dir="t"/>
+    </dgm:scene3d>
+    <dgm:sp3d/>
+    <dgm:txPr/>
+    <dgm:style>
+      <a:lnRef idx="2">
+        <a:scrgbClr r="0" g="0" b="0"/>
+      </a:lnRef>
+      <a:fillRef idx="1">
+        <a:scrgbClr r="0" g="0" b="0"/>
+      </a:fillRef>
+      <a:effectRef idx="0">
+        <a:scrgbClr r="0" g="0" b="0"/>
+      </a:effectRef>
+      <a:fontRef idx="minor">
+        <a:schemeClr val="lt1"/>
+      </a:fontRef>
+    </dgm:style>
+  </dgm:styleLbl>
+  <dgm:styleLbl name="parChTrans2D4">
+    <dgm:scene3d>
+      <a:camera prst="orthographicFront"/>
+      <a:lightRig rig="threePt" dir="t"/>
+    </dgm:scene3d>
+    <dgm:sp3d/>
+    <dgm:txPr/>
+    <dgm:style>
+      <a:lnRef idx="2">
+        <a:scrgbClr r="0" g="0" b="0"/>
+      </a:lnRef>
+      <a:fillRef idx="1">
+        <a:scrgbClr r="0" g="0" b="0"/>
+      </a:fillRef>
+      <a:effectRef idx="0">
+        <a:scrgbClr r="0" g="0" b="0"/>
+      </a:effectRef>
+      <a:fontRef idx="minor">
+        <a:schemeClr val="lt1"/>
+      </a:fontRef>
+    </dgm:style>
+  </dgm:styleLbl>
+  <dgm:styleLbl name="parChTrans1D1">
+    <dgm:scene3d>
+      <a:camera prst="orthographicFront"/>
+      <a:lightRig rig="threePt" dir="t"/>
+    </dgm:scene3d>
+    <dgm:sp3d/>
+    <dgm:txPr/>
+    <dgm:style>
+      <a:lnRef idx="2">
+        <a:scrgbClr r="0" g="0" b="0"/>
+      </a:lnRef>
+      <a:fillRef idx="0">
+        <a:scrgbClr r="0" g="0" b="0"/>
+      </a:fillRef>
+      <a:effectRef idx="0">
+        <a:scrgbClr r="0" g="0" b="0"/>
+      </a:effectRef>
+      <a:fontRef idx="minor"/>
+    </dgm:style>
+  </dgm:styleLbl>
+  <dgm:styleLbl name="parChTrans1D2">
+    <dgm:scene3d>
+      <a:camera prst="orthographicFront"/>
+      <a:lightRig rig="threePt" dir="t"/>
+    </dgm:scene3d>
+    <dgm:sp3d/>
+    <dgm:txPr/>
+    <dgm:style>
+      <a:lnRef idx="2">
+        <a:scrgbClr r="0" g="0" b="0"/>
+      </a:lnRef>
+      <a:fillRef idx="0">
+        <a:scrgbClr r="0" g="0" b="0"/>
+      </a:fillRef>
+      <a:effectRef idx="0">
+        <a:scrgbClr r="0" g="0" b="0"/>
+      </a:effectRef>
+      <a:fontRef idx="minor"/>
+    </dgm:style>
+  </dgm:styleLbl>
+  <dgm:styleLbl name="parChTrans1D3">
+    <dgm:scene3d>
+      <a:camera prst="orthographicFront"/>
+      <a:lightRig rig="threePt" dir="t"/>
+    </dgm:scene3d>
+    <dgm:sp3d/>
+    <dgm:txPr/>
+    <dgm:style>
+      <a:lnRef idx="2">
+        <a:scrgbClr r="0" g="0" b="0"/>
+      </a:lnRef>
+      <a:fillRef idx="0">
+        <a:scrgbClr r="0" g="0" b="0"/>
+      </a:fillRef>
+      <a:effectRef idx="0">
+        <a:scrgbClr r="0" g="0" b="0"/>
+      </a:effectRef>
+      <a:fontRef idx="minor"/>
+    </dgm:style>
+  </dgm:styleLbl>
+  <dgm:styleLbl name="parChTrans1D4">
+    <dgm:scene3d>
+      <a:camera prst="orthographicFront"/>
+      <a:lightRig rig="threePt" dir="t"/>
+    </dgm:scene3d>
+    <dgm:sp3d/>
+    <dgm:txPr/>
+    <dgm:style>
+      <a:lnRef idx="2">
+        <a:scrgbClr r="0" g="0" b="0"/>
+      </a:lnRef>
+      <a:fillRef idx="0">
+        <a:scrgbClr r="0" g="0" b="0"/>
+      </a:fillRef>
+      <a:effectRef idx="0">
+        <a:scrgbClr r="0" g="0" b="0"/>
+      </a:effectRef>
+      <a:fontRef idx="minor"/>
+    </dgm:style>
+  </dgm:styleLbl>
+  <dgm:styleLbl name="fgAcc1">
+    <dgm:scene3d>
+      <a:camera prst="orthographicFront"/>
+      <a:lightRig rig="threePt" dir="t"/>
+    </dgm:scene3d>
+    <dgm:sp3d/>
+    <dgm:txPr/>
+    <dgm:style>
+      <a:lnRef idx="2">
+        <a:scrgbClr r="0" g="0" b="0"/>
+      </a:lnRef>
+      <a:fillRef idx="1">
+        <a:scrgbClr r="0" g="0" b="0"/>
+      </a:fillRef>
+      <a:effectRef idx="0">
+        <a:scrgbClr r="0" g="0" b="0"/>
+      </a:effectRef>
+      <a:fontRef idx="minor"/>
+    </dgm:style>
+  </dgm:styleLbl>
+  <dgm:styleLbl name="conFgAcc1">
+    <dgm:scene3d>
+      <a:camera prst="orthographicFront"/>
+      <a:lightRig rig="threePt" dir="t"/>
+    </dgm:scene3d>
+    <dgm:sp3d/>
+    <dgm:txPr/>
+    <dgm:style>
+      <a:lnRef idx="2">
+        <a:scrgbClr r="0" g="0" b="0"/>
+      </a:lnRef>
+      <a:fillRef idx="1">
+        <a:scrgbClr r="0" g="0" b="0"/>
+      </a:fillRef>
+      <a:effectRef idx="0">
+        <a:scrgbClr r="0" g="0" b="0"/>
+      </a:effectRef>
+      <a:fontRef idx="minor"/>
+    </dgm:style>
+  </dgm:styleLbl>
+  <dgm:styleLbl name="alignAcc1">
+    <dgm:scene3d>
+      <a:camera prst="orthographicFront"/>
+      <a:lightRig rig="threePt" dir="t"/>
+    </dgm:scene3d>
+    <dgm:sp3d/>
+    <dgm:txPr/>
+    <dgm:style>
+      <a:lnRef idx="2">
+        <a:scrgbClr r="0" g="0" b="0"/>
+      </a:lnRef>
+      <a:fillRef idx="1">
+        <a:scrgbClr r="0" g="0" b="0"/>
+      </a:fillRef>
+      <a:effectRef idx="0">
+        <a:scrgbClr r="0" g="0" b="0"/>
+      </a:effectRef>
+      <a:fontRef idx="minor"/>
+    </dgm:style>
+  </dgm:styleLbl>
+  <dgm:styleLbl name="trAlignAcc1">
+    <dgm:scene3d>
+      <a:camera prst="orthographicFront"/>
+      <a:lightRig rig="threePt" dir="t"/>
+    </dgm:scene3d>
+    <dgm:sp3d/>
+    <dgm:txPr/>
+    <dgm:style>
+      <a:lnRef idx="1">
+        <a:scrgbClr r="0" g="0" b="0"/>
+      </a:lnRef>
+      <a:fillRef idx="1">
+        <a:scrgbClr r="0" g="0" b="0"/>
+      </a:fillRef>
+      <a:effectRef idx="0">
+        <a:scrgbClr r="0" g="0" b="0"/>
+      </a:effectRef>
+      <a:fontRef idx="minor"/>
+    </dgm:style>
+  </dgm:styleLbl>
+  <dgm:styleLbl name="bgAcc1">
+    <dgm:scene3d>
+      <a:camera prst="orthographicFront"/>
+      <a:lightRig rig="threePt" dir="t"/>
+    </dgm:scene3d>
+    <dgm:sp3d/>
+    <dgm:txPr/>
+    <dgm:style>
+      <a:lnRef idx="2">
+        <a:scrgbClr r="0" g="0" b="0"/>
+      </a:lnRef>
+      <a:fillRef idx="1">
+        <a:scrgbClr r="0" g="0" b="0"/>
+      </a:fillRef>
+      <a:effectRef idx="0">
+        <a:scrgbClr r="0" g="0" b="0"/>
+      </a:effectRef>
+      <a:fontRef idx="minor"/>
+    </dgm:style>
+  </dgm:styleLbl>
+  <dgm:styleLbl name="solidFgAcc1">
+    <dgm:scene3d>
+      <a:camera prst="orthographicFront"/>
+      <a:lightRig rig="threePt" dir="t"/>
+    </dgm:scene3d>
+    <dgm:sp3d/>
+    <dgm:txPr/>
+    <dgm:style>
+      <a:lnRef idx="2">
+        <a:scrgbClr r="0" g="0" b="0"/>
+      </a:lnRef>
+      <a:fillRef idx="1">
+        <a:scrgbClr r="0" g="0" b="0"/>
+      </a:fillRef>
+      <a:effectRef idx="0">
+        <a:scrgbClr r="0" g="0" b="0"/>
+      </a:effectRef>
+      <a:fontRef idx="minor"/>
+    </dgm:style>
+  </dgm:styleLbl>
+  <dgm:styleLbl name="solidAlignAcc1">
+    <dgm:scene3d>
+      <a:camera prst="orthographicFront"/>
+      <a:lightRig rig="threePt" dir="t"/>
+    </dgm:scene3d>
+    <dgm:sp3d/>
+    <dgm:txPr/>
+    <dgm:style>
+      <a:lnRef idx="2">
+        <a:scrgbClr r="0" g="0" b="0"/>
+      </a:lnRef>
+      <a:fillRef idx="1">
+        <a:scrgbClr r="0" g="0" b="0"/>
+      </a:fillRef>
+      <a:effectRef idx="0">
+        <a:scrgbClr r="0" g="0" b="0"/>
+      </a:effectRef>
+      <a:fontRef idx="minor"/>
+    </dgm:style>
+  </dgm:styleLbl>
+  <dgm:styleLbl name="solidBgAcc1">
+    <dgm:scene3d>
+      <a:camera prst="orthographicFront"/>
+      <a:lightRig rig="threePt" dir="t"/>
+    </dgm:scene3d>
+    <dgm:sp3d/>
+    <dgm:txPr/>
+    <dgm:style>
+      <a:lnRef idx="2">
+        <a:scrgbClr r="0" g="0" b="0"/>
+      </a:lnRef>
+      <a:fillRef idx="1">
+        <a:scrgbClr r="0" g="0" b="0"/>
+      </a:fillRef>
+      <a:effectRef idx="0">
+        <a:scrgbClr r="0" g="0" b="0"/>
+      </a:effectRef>
+      <a:fontRef idx="minor"/>
+    </dgm:style>
+  </dgm:styleLbl>
+  <dgm:styleLbl name="fgAccFollowNode1">
+    <dgm:scene3d>
+      <a:camera prst="orthographicFront"/>
+      <a:lightRig rig="threePt" dir="t"/>
+    </dgm:scene3d>
+    <dgm:sp3d/>
+    <dgm:txPr/>
+    <dgm:style>
+      <a:lnRef idx="2">
+        <a:scrgbClr r="0" g="0" b="0"/>
+      </a:lnRef>
+      <a:fillRef idx="1">
+        <a:scrgbClr r="0" g="0" b="0"/>
+      </a:fillRef>
+      <a:effectRef idx="0">
+        <a:scrgbClr r="0" g="0" b="0"/>
+      </a:effectRef>
+      <a:fontRef idx="minor"/>
+    </dgm:style>
+  </dgm:styleLbl>
+  <dgm:styleLbl name="alignAccFollowNode1">
+    <dgm:scene3d>
+      <a:camera prst="orthographicFront"/>
+      <a:lightRig rig="threePt" dir="t"/>
+    </dgm:scene3d>
+    <dgm:sp3d/>
+    <dgm:txPr/>
+    <dgm:style>
+      <a:lnRef idx="2">
+        <a:scrgbClr r="0" g="0" b="0"/>
+      </a:lnRef>
+      <a:fillRef idx="1">
+        <a:scrgbClr r="0" g="0" b="0"/>
+      </a:fillRef>
+      <a:effectRef idx="0">
+        <a:scrgbClr r="0" g="0" b="0"/>
+      </a:effectRef>
+      <a:fontRef idx="minor"/>
+    </dgm:style>
+  </dgm:styleLbl>
+  <dgm:styleLbl name="bgAccFollowNode1">
+    <dgm:scene3d>
+      <a:camera prst="orthographicFront"/>
+      <a:lightRig rig="threePt" dir="t"/>
+    </dgm:scene3d>
+    <dgm:sp3d/>
+    <dgm:txPr/>
+    <dgm:style>
+      <a:lnRef idx="2">
+        <a:scrgbClr r="0" g="0" b="0"/>
+      </a:lnRef>
+      <a:fillRef idx="1">
+        <a:scrgbClr r="0" g="0" b="0"/>
+      </a:fillRef>
+      <a:effectRef idx="0">
+        <a:scrgbClr r="0" g="0" b="0"/>
+      </a:effectRef>
+      <a:fontRef idx="minor"/>
+    </dgm:style>
+  </dgm:styleLbl>
+  <dgm:styleLbl name="fgAcc0">
+    <dgm:scene3d>
+      <a:camera prst="orthographicFront"/>
+      <a:lightRig rig="threePt" dir="t"/>
+    </dgm:scene3d>
+    <dgm:sp3d/>
+    <dgm:txPr/>
+    <dgm:style>
+      <a:lnRef idx="2">
+        <a:scrgbClr r="0" g="0" b="0"/>
+      </a:lnRef>
+      <a:fillRef idx="1">
+        <a:scrgbClr r="0" g="0" b="0"/>
+      </a:fillRef>
+      <a:effectRef idx="0">
+        <a:scrgbClr r="0" g="0" b="0"/>
+      </a:effectRef>
+      <a:fontRef idx="minor"/>
+    </dgm:style>
+  </dgm:styleLbl>
+  <dgm:styleLbl name="fgAcc2">
+    <dgm:scene3d>
+      <a:camera prst="orthographicFront"/>
+      <a:lightRig rig="threePt" dir="t"/>
+    </dgm:scene3d>
+    <dgm:sp3d/>
+    <dgm:txPr/>
+    <dgm:style>
+      <a:lnRef idx="2">
+        <a:scrgbClr r="0" g="0" b="0"/>
+      </a:lnRef>
+      <a:fillRef idx="1">
+        <a:scrgbClr r="0" g="0" b="0"/>
+      </a:fillRef>
+      <a:effectRef idx="0">
+        <a:scrgbClr r="0" g="0" b="0"/>
+      </a:effectRef>
+      <a:fontRef idx="minor"/>
+    </dgm:style>
+  </dgm:styleLbl>
+  <dgm:styleLbl name="fgAcc3">
+    <dgm:scene3d>
+      <a:camera prst="orthographicFront"/>
+      <a:lightRig rig="threePt" dir="t"/>
+    </dgm:scene3d>
+    <dgm:sp3d/>
+    <dgm:txPr/>
+    <dgm:style>
+      <a:lnRef idx="2">
+        <a:scrgbClr r="0" g="0" b="0"/>
+      </a:lnRef>
+      <a:fillRef idx="1">
+        <a:scrgbClr r="0" g="0" b="0"/>
+      </a:fillRef>
+      <a:effectRef idx="0">
+        <a:scrgbClr r="0" g="0" b="0"/>
+      </a:effectRef>
+      <a:fontRef idx="minor"/>
+    </dgm:style>
+  </dgm:styleLbl>
+  <dgm:styleLbl name="fgAcc4">
+    <dgm:scene3d>
+      <a:camera prst="orthographicFront"/>
+      <a:lightRig rig="threePt" dir="t"/>
+    </dgm:scene3d>
+    <dgm:sp3d/>
+    <dgm:txPr/>
+    <dgm:style>
+      <a:lnRef idx="2">
+        <a:scrgbClr r="0" g="0" b="0"/>
+      </a:lnRef>
+      <a:fillRef idx="1">
+        <a:scrgbClr r="0" g="0" b="0"/>
+      </a:fillRef>
+      <a:effectRef idx="0">
+        <a:scrgbClr r="0" g="0" b="0"/>
+      </a:effectRef>
+      <a:fontRef idx="minor"/>
+    </dgm:style>
+  </dgm:styleLbl>
+  <dgm:styleLbl name="bgShp">
+    <dgm:scene3d>
+      <a:camera prst="orthographicFront"/>
+      <a:lightRig rig="threePt" dir="t"/>
+    </dgm:scene3d>
+    <dgm:sp3d/>
+    <dgm:txPr/>
+    <dgm:style>
+      <a:lnRef idx="0">
+        <a:scrgbClr r="0" g="0" b="0"/>
+      </a:lnRef>
+      <a:fillRef idx="1">
+        <a:scrgbClr r="0" g="0" b="0"/>
+      </a:fillRef>
+      <a:effectRef idx="0">
+        <a:scrgbClr r="0" g="0" b="0"/>
+      </a:effectRef>
+      <a:fontRef idx="minor"/>
+    </dgm:style>
+  </dgm:styleLbl>
+  <dgm:styleLbl name="dkBgShp">
+    <dgm:scene3d>
+      <a:camera prst="orthographicFront"/>
+      <a:lightRig rig="threePt" dir="t"/>
+    </dgm:scene3d>
+    <dgm:sp3d/>
+    <dgm:txPr/>
+    <dgm:style>
+      <a:lnRef idx="0">
+        <a:scrgbClr r="0" g="0" b="0"/>
+      </a:lnRef>
+      <a:fillRef idx="1">
+        <a:scrgbClr r="0" g="0" b="0"/>
+      </a:fillRef>
+      <a:effectRef idx="0">
+        <a:scrgbClr r="0" g="0" b="0"/>
+      </a:effectRef>
+      <a:fontRef idx="minor"/>
+    </dgm:style>
+  </dgm:styleLbl>
+  <dgm:styleLbl name="trBgShp">
+    <dgm:scene3d>
+      <a:camera prst="orthographicFront"/>
+      <a:lightRig rig="threePt" dir="t"/>
+    </dgm:scene3d>
+    <dgm:sp3d/>
+    <dgm:txPr/>
+    <dgm:style>
+      <a:lnRef idx="0">
+        <a:scrgbClr r="0" g="0" b="0"/>
+      </a:lnRef>
+      <a:fillRef idx="1">
+        <a:scrgbClr r="0" g="0" b="0"/>
+      </a:fillRef>
+      <a:effectRef idx="0">
+        <a:scrgbClr r="0" g="0" b="0"/>
+      </a:effectRef>
+      <a:fontRef idx="minor"/>
+    </dgm:style>
+  </dgm:styleLbl>
+  <dgm:styleLbl name="fgShp">
+    <dgm:scene3d>
+      <a:camera prst="orthographicFront"/>
+      <a:lightRig rig="threePt" dir="t"/>
+    </dgm:scene3d>
+    <dgm:sp3d/>
+    <dgm:txPr/>
+    <dgm:style>
+      <a:lnRef idx="2">
+        <a:scrgbClr r="0" g="0" b="0"/>
+      </a:lnRef>
+      <a:fillRef idx="1">
+        <a:scrgbClr r="0" g="0" b="0"/>
+      </a:fillRef>
+      <a:effectRef idx="0">
+        <a:scrgbClr r="0" g="0" b="0"/>
+      </a:effectRef>
+      <a:fontRef idx="minor"/>
+    </dgm:style>
+  </dgm:styleLbl>
+  <dgm:styleLbl name="revTx">
+    <dgm:scene3d>
+      <a:camera prst="orthographicFront"/>
+      <a:lightRig rig="threePt" dir="t"/>
+    </dgm:scene3d>
+    <dgm:sp3d/>
+    <dgm:txPr/>
+    <dgm:style>
+      <a:lnRef idx="0">
+        <a:scrgbClr r="0" g="0" b="0"/>
+      </a:lnRef>
+      <a:fillRef idx="0">
+        <a:scrgbClr r="0" g="0" b="0"/>
+      </a:fillRef>
+      <a:effectRef idx="0">
+        <a:scrgbClr r="0" g="0" b="0"/>
+      </a:effectRef>
+      <a:fontRef idx="minor"/>
+    </dgm:style>
+  </dgm:styleLbl>
+</dgm:styleDef>
+</file>
+
 <file path=ppt/handoutMasters/handoutMaster1.xml><?xml version="1.0" encoding="utf-8"?>
 <p:handoutMaster xmlns:a="http://schemas.openxmlformats.org/drawingml/2006/main" xmlns:r="http://schemas.openxmlformats.org/officeDocument/2006/relationships" xmlns:p="http://schemas.openxmlformats.org/presentationml/2006/main">
   <p:cSld>
@@ -215,7 +2521,7 @@
             <a:pPr rtl="0"/>
             <a:fld id="{227A3769-973A-471F-AE95-803ACD9DB45A}" type="datetime1">
               <a:rPr lang="it-IT" smtClean="0"/>
-              <a:t>22/03/2021</a:t>
+              <a:t>23/03/2021</a:t>
             </a:fld>
             <a:endParaRPr lang="en-US" dirty="0"/>
           </a:p>
@@ -385,7 +2691,7 @@
             <a:pPr rtl="0"/>
             <a:fld id="{F8B562AB-E890-432E-8086-3C35B5B6BC74}" type="datetime1">
               <a:rPr lang="it-IT" smtClean="0"/>
-              <a:t>22/03/2021</a:t>
+              <a:t>23/03/2021</a:t>
             </a:fld>
             <a:endParaRPr lang="en-US" dirty="0"/>
           </a:p>
@@ -9452,7 +11758,7 @@
             <a:pPr rtl="0"/>
             <a:fld id="{46B2AB89-642D-461B-88E3-BE7E49276E6D}" type="datetime1">
               <a:rPr lang="it-IT" smtClean="0"/>
-              <a:t>22/03/2021</a:t>
+              <a:t>23/03/2021</a:t>
             </a:fld>
             <a:endParaRPr lang="en-US" dirty="0"/>
           </a:p>
@@ -9662,7 +11968,7 @@
             <a:pPr rtl="0"/>
             <a:fld id="{FB6DF1C0-0F0C-4064-ABD6-C9C1782C86AE}" type="datetime1">
               <a:rPr lang="it-IT" smtClean="0"/>
-              <a:t>22/03/2021</a:t>
+              <a:t>23/03/2021</a:t>
             </a:fld>
             <a:endParaRPr lang="en-US" dirty="0"/>
           </a:p>
@@ -9845,7 +12151,7 @@
             <a:pPr rtl="0"/>
             <a:fld id="{8A8228F9-9C50-4094-9999-09A1682E91E0}" type="datetime1">
               <a:rPr lang="it-IT" smtClean="0"/>
-              <a:t>22/03/2021</a:t>
+              <a:t>23/03/2021</a:t>
             </a:fld>
             <a:endParaRPr lang="en-US" dirty="0"/>
           </a:p>
@@ -10054,7 +12360,7 @@
             <a:pPr rtl="0"/>
             <a:fld id="{85E0D28E-6F2F-4715-A424-3B01AC64AD4B}" type="datetime1">
               <a:rPr lang="it-IT" smtClean="0"/>
-              <a:t>22/03/2021</a:t>
+              <a:t>23/03/2021</a:t>
             </a:fld>
             <a:endParaRPr lang="en-US" dirty="0"/>
           </a:p>
@@ -18955,7 +21261,7 @@
             <a:pPr rtl="0"/>
             <a:fld id="{F953424F-4FD0-4DEA-A244-2F5A83926123}" type="datetime1">
               <a:rPr lang="it-IT" smtClean="0"/>
-              <a:t>22/03/2021</a:t>
+              <a:t>23/03/2021</a:t>
             </a:fld>
             <a:endParaRPr lang="en-US" dirty="0"/>
           </a:p>
@@ -19232,7 +21538,7 @@
             <a:pPr rtl="0"/>
             <a:fld id="{ED487A35-6EB2-4106-87BE-5998F37E93E7}" type="datetime1">
               <a:rPr lang="it-IT" smtClean="0"/>
-              <a:t>22/03/2021</a:t>
+              <a:t>23/03/2021</a:t>
             </a:fld>
             <a:endParaRPr lang="en-US" dirty="0"/>
           </a:p>
@@ -19633,7 +21939,7 @@
             <a:pPr rtl="0"/>
             <a:fld id="{6D0A2449-0E6F-4EC8-9AF5-127FFF9E4F17}" type="datetime1">
               <a:rPr lang="it-IT" smtClean="0"/>
-              <a:t>22/03/2021</a:t>
+              <a:t>23/03/2021</a:t>
             </a:fld>
             <a:endParaRPr lang="en-US" dirty="0"/>
           </a:p>
@@ -19754,7 +22060,7 @@
             <a:pPr rtl="0"/>
             <a:fld id="{43ECC08F-3232-4266-A826-505EFF618F02}" type="datetime1">
               <a:rPr lang="it-IT" smtClean="0"/>
-              <a:t>22/03/2021</a:t>
+              <a:t>23/03/2021</a:t>
             </a:fld>
             <a:endParaRPr lang="en-US" dirty="0"/>
           </a:p>
@@ -19852,7 +22158,7 @@
             <a:pPr rtl="0"/>
             <a:fld id="{8A8228F9-9C50-4094-9999-09A1682E91E0}" type="datetime1">
               <a:rPr lang="it-IT" smtClean="0"/>
-              <a:t>22/03/2021</a:t>
+              <a:t>23/03/2021</a:t>
             </a:fld>
             <a:endParaRPr lang="en-US" dirty="0"/>
           </a:p>
@@ -20146,7 +22452,7 @@
             <a:pPr rtl="0"/>
             <a:fld id="{24F848B3-DD0C-4C86-9703-1DC7B521FCF8}" type="datetime1">
               <a:rPr lang="it-IT" smtClean="0"/>
-              <a:t>22/03/2021</a:t>
+              <a:t>23/03/2021</a:t>
             </a:fld>
             <a:endParaRPr lang="en-US" dirty="0"/>
           </a:p>
@@ -20429,7 +22735,7 @@
             <a:pPr rtl="0"/>
             <a:fld id="{711CFEF3-F103-4E31-9572-24F0BC84FDFF}" type="datetime1">
               <a:rPr lang="it-IT" smtClean="0"/>
-              <a:t>22/03/2021</a:t>
+              <a:t>23/03/2021</a:t>
             </a:fld>
             <a:endParaRPr lang="en-US" dirty="0"/>
           </a:p>
@@ -20682,7 +22988,7 @@
             <a:pPr rtl="0"/>
             <a:fld id="{8A8228F9-9C50-4094-9999-09A1682E91E0}" type="datetime1">
               <a:rPr lang="it-IT" smtClean="0"/>
-              <a:t>22/03/2021</a:t>
+              <a:t>23/03/2021</a:t>
             </a:fld>
             <a:endParaRPr lang="en-US" dirty="0"/>
           </a:p>
@@ -21357,7 +23663,7 @@
         </p:nvSpPr>
         <p:spPr>
           <a:xfrm>
-            <a:off x="5922628" y="3719339"/>
+            <a:off x="6841376" y="3682077"/>
             <a:ext cx="5645790" cy="878041"/>
           </a:xfrm>
         </p:spPr>
@@ -21434,6 +23740,51 @@
           </a:prstGeom>
         </p:spPr>
       </p:pic>
+      <p:pic>
+        <p:nvPicPr>
+          <p:cNvPr id="5" name="Immagine 4">
+            <a:extLst>
+              <a:ext uri="{FF2B5EF4-FFF2-40B4-BE49-F238E27FC236}">
+                <a16:creationId xmlns:a16="http://schemas.microsoft.com/office/drawing/2014/main" id="{16F0A6EB-87BA-4358-AB27-E1455D656F1D}"/>
+              </a:ext>
+            </a:extLst>
+          </p:cNvPr>
+          <p:cNvPicPr>
+            <a:picLocks noChangeAspect="1"/>
+          </p:cNvPicPr>
+          <p:nvPr/>
+        </p:nvPicPr>
+        <p:blipFill>
+          <a:blip r:embed="rId4">
+            <a:extLst>
+              <a:ext uri="{BEBA8EAE-BF5A-486C-A8C5-ECC9F3942E4B}">
+                <a14:imgProps xmlns:a14="http://schemas.microsoft.com/office/drawing/2010/main">
+                  <a14:imgLayer r:embed="rId5">
+                    <a14:imgEffect>
+                      <a14:backgroundRemoval t="2000" b="90000" l="10000" r="90000">
+                        <a14:foregroundMark x1="53250" y1="7556" x2="46250" y2="7333"/>
+                        <a14:foregroundMark x1="50750" y1="2000" x2="50750" y2="2000"/>
+                      </a14:backgroundRemoval>
+                    </a14:imgEffect>
+                  </a14:imgLayer>
+                </a14:imgProps>
+              </a:ext>
+            </a:extLst>
+          </a:blip>
+          <a:stretch>
+            <a:fillRect/>
+          </a:stretch>
+        </p:blipFill>
+        <p:spPr>
+          <a:xfrm>
+            <a:off x="5410212" y="3437174"/>
+            <a:ext cx="3503464" cy="1970698"/>
+          </a:xfrm>
+          <a:prstGeom prst="rect">
+            <a:avLst/>
+          </a:prstGeom>
+        </p:spPr>
+      </p:pic>
     </p:spTree>
     <p:extLst>
       <p:ext uri="{BB962C8B-B14F-4D97-AF65-F5344CB8AC3E}">
@@ -21448,1819 +23799,6 @@
 </file>
 
 <file path=ppt/slides/slide10.xml><?xml version="1.0" encoding="utf-8"?>
-<p:sld xmlns:a="http://schemas.openxmlformats.org/drawingml/2006/main" xmlns:r="http://schemas.openxmlformats.org/officeDocument/2006/relationships" xmlns:p="http://schemas.openxmlformats.org/presentationml/2006/main">
-  <p:cSld>
-    <p:spTree>
-      <p:nvGrpSpPr>
-        <p:cNvPr id="1" name=""/>
-        <p:cNvGrpSpPr/>
-        <p:nvPr/>
-      </p:nvGrpSpPr>
-      <p:grpSpPr>
-        <a:xfrm>
-          <a:off x="0" y="0"/>
-          <a:ext cx="0" cy="0"/>
-          <a:chOff x="0" y="0"/>
-          <a:chExt cx="0" cy="0"/>
-        </a:xfrm>
-      </p:grpSpPr>
-      <p:sp>
-        <p:nvSpPr>
-          <p:cNvPr id="2" name="Titolo 1">
-            <a:extLst>
-              <a:ext uri="{FF2B5EF4-FFF2-40B4-BE49-F238E27FC236}">
-                <a16:creationId xmlns:a16="http://schemas.microsoft.com/office/drawing/2014/main" id="{13BA4C1F-DD6E-4591-95EE-4B945F79E425}"/>
-              </a:ext>
-            </a:extLst>
-          </p:cNvPr>
-          <p:cNvSpPr>
-            <a:spLocks noGrp="1"/>
-          </p:cNvSpPr>
-          <p:nvPr>
-            <p:ph type="title"/>
-          </p:nvPr>
-        </p:nvSpPr>
-        <p:spPr/>
-        <p:txBody>
-          <a:bodyPr/>
-          <a:lstStyle/>
-          <a:p>
-            <a:r>
-              <a:rPr lang="it-IT" dirty="0"/>
-              <a:t>Indice di silhouette</a:t>
-            </a:r>
-          </a:p>
-        </p:txBody>
-      </p:sp>
-      <p:sp>
-        <p:nvSpPr>
-          <p:cNvPr id="3" name="Segnaposto contenuto 2">
-            <a:extLst>
-              <a:ext uri="{FF2B5EF4-FFF2-40B4-BE49-F238E27FC236}">
-                <a16:creationId xmlns:a16="http://schemas.microsoft.com/office/drawing/2014/main" id="{DBC285F1-2F2D-48B5-BA1F-58AD6AD8E501}"/>
-              </a:ext>
-            </a:extLst>
-          </p:cNvPr>
-          <p:cNvSpPr>
-            <a:spLocks noGrp="1"/>
-          </p:cNvSpPr>
-          <p:nvPr>
-            <p:ph idx="1"/>
-          </p:nvPr>
-        </p:nvSpPr>
-        <p:spPr/>
-        <p:txBody>
-          <a:bodyPr/>
-          <a:lstStyle/>
-          <a:p>
-            <a:r>
-              <a:rPr lang="it-IT" dirty="0"/>
-              <a:t>Permette di quantificare la bontà della disposizione dei dati nei cluster assegnati. L’indice oscilla tra [-1,1] dove 1 indica che i dati fanno un giusto match con il proprio cluster.</a:t>
-            </a:r>
-          </a:p>
-          <a:p>
-            <a:endParaRPr lang="it-IT" dirty="0"/>
-          </a:p>
-          <a:p>
-            <a:pPr marL="0" indent="0">
-              <a:buNone/>
-            </a:pPr>
-            <a:r>
-              <a:rPr lang="it-IT" dirty="0"/>
-              <a:t>L’indice migliore di Silhouette ottenuto è di circa 0,07 con 2 cluster </a:t>
-            </a:r>
-          </a:p>
-          <a:p>
-            <a:pPr marL="0" indent="0">
-              <a:buNone/>
-            </a:pPr>
-            <a:r>
-              <a:rPr lang="it-IT" dirty="0"/>
-              <a:t>(Il valore è relativamente basso e ciò può essere dovuto all’utilizzo di un dataset ridotto o alla poca esperienza con la manipolazione dei dati)</a:t>
-            </a:r>
-          </a:p>
-          <a:p>
-            <a:endParaRPr lang="it-IT" dirty="0"/>
-          </a:p>
-        </p:txBody>
-      </p:sp>
-    </p:spTree>
-    <p:extLst>
-      <p:ext uri="{BB962C8B-B14F-4D97-AF65-F5344CB8AC3E}">
-        <p14:creationId xmlns:p14="http://schemas.microsoft.com/office/powerpoint/2010/main" val="1310065844"/>
-      </p:ext>
-    </p:extLst>
-  </p:cSld>
-  <p:clrMapOvr>
-    <a:masterClrMapping/>
-  </p:clrMapOvr>
-</p:sld>
-</file>
-
-<file path=ppt/slides/slide11.xml><?xml version="1.0" encoding="utf-8"?>
-<p:sld xmlns:a="http://schemas.openxmlformats.org/drawingml/2006/main" xmlns:r="http://schemas.openxmlformats.org/officeDocument/2006/relationships" xmlns:p="http://schemas.openxmlformats.org/presentationml/2006/main">
-  <p:cSld>
-    <p:spTree>
-      <p:nvGrpSpPr>
-        <p:cNvPr id="1" name=""/>
-        <p:cNvGrpSpPr/>
-        <p:nvPr/>
-      </p:nvGrpSpPr>
-      <p:grpSpPr>
-        <a:xfrm>
-          <a:off x="0" y="0"/>
-          <a:ext cx="0" cy="0"/>
-          <a:chOff x="0" y="0"/>
-          <a:chExt cx="0" cy="0"/>
-        </a:xfrm>
-      </p:grpSpPr>
-      <p:sp>
-        <p:nvSpPr>
-          <p:cNvPr id="2" name="Titolo 1">
-            <a:extLst>
-              <a:ext uri="{FF2B5EF4-FFF2-40B4-BE49-F238E27FC236}">
-                <a16:creationId xmlns:a16="http://schemas.microsoft.com/office/drawing/2014/main" id="{614F7829-0F9C-4ED7-ABAA-39C0E624FDE7}"/>
-              </a:ext>
-            </a:extLst>
-          </p:cNvPr>
-          <p:cNvSpPr>
-            <a:spLocks noGrp="1"/>
-          </p:cNvSpPr>
-          <p:nvPr>
-            <p:ph type="title"/>
-          </p:nvPr>
-        </p:nvSpPr>
-        <p:spPr/>
-        <p:txBody>
-          <a:bodyPr/>
-          <a:lstStyle/>
-          <a:p>
-            <a:r>
-              <a:rPr lang="it-IT" dirty="0"/>
-              <a:t>Esempio di esecuzione</a:t>
-            </a:r>
-          </a:p>
-        </p:txBody>
-      </p:sp>
-      <p:pic>
-        <p:nvPicPr>
-          <p:cNvPr id="6" name="Segnaposto contenuto 5">
-            <a:extLst>
-              <a:ext uri="{FF2B5EF4-FFF2-40B4-BE49-F238E27FC236}">
-                <a16:creationId xmlns:a16="http://schemas.microsoft.com/office/drawing/2014/main" id="{69AF34FD-4F11-48EB-A3FA-83361B3F0FA5}"/>
-              </a:ext>
-            </a:extLst>
-          </p:cNvPr>
-          <p:cNvPicPr>
-            <a:picLocks noGrp="1" noChangeAspect="1"/>
-          </p:cNvPicPr>
-          <p:nvPr>
-            <p:ph idx="1"/>
-          </p:nvPr>
-        </p:nvPicPr>
-        <p:blipFill>
-          <a:blip r:embed="rId2"/>
-          <a:stretch>
-            <a:fillRect/>
-          </a:stretch>
-        </p:blipFill>
-        <p:spPr>
-          <a:xfrm>
-            <a:off x="1707483" y="2785145"/>
-            <a:ext cx="8777034" cy="2415082"/>
-          </a:xfrm>
-        </p:spPr>
-      </p:pic>
-      <p:sp>
-        <p:nvSpPr>
-          <p:cNvPr id="4" name="Segnaposto data 3">
-            <a:extLst>
-              <a:ext uri="{FF2B5EF4-FFF2-40B4-BE49-F238E27FC236}">
-                <a16:creationId xmlns:a16="http://schemas.microsoft.com/office/drawing/2014/main" id="{070E8C07-77B2-4644-9631-1B42A6863B5E}"/>
-              </a:ext>
-            </a:extLst>
-          </p:cNvPr>
-          <p:cNvSpPr>
-            <a:spLocks noGrp="1"/>
-          </p:cNvSpPr>
-          <p:nvPr>
-            <p:ph type="dt" sz="half" idx="10"/>
-          </p:nvPr>
-        </p:nvSpPr>
-        <p:spPr/>
-        <p:txBody>
-          <a:bodyPr/>
-          <a:lstStyle/>
-          <a:p>
-            <a:pPr rtl="0"/>
-            <a:fld id="{85E0D28E-6F2F-4715-A424-3B01AC64AD4B}" type="datetime1">
-              <a:rPr lang="it-IT" smtClean="0"/>
-              <a:t>22/03/2021</a:t>
-            </a:fld>
-            <a:endParaRPr lang="en-US" dirty="0"/>
-          </a:p>
-        </p:txBody>
-      </p:sp>
-    </p:spTree>
-    <p:extLst>
-      <p:ext uri="{BB962C8B-B14F-4D97-AF65-F5344CB8AC3E}">
-        <p14:creationId xmlns:p14="http://schemas.microsoft.com/office/powerpoint/2010/main" val="1960547152"/>
-      </p:ext>
-    </p:extLst>
-  </p:cSld>
-  <p:clrMapOvr>
-    <a:masterClrMapping/>
-  </p:clrMapOvr>
-</p:sld>
-</file>
-
-<file path=ppt/slides/slide2.xml><?xml version="1.0" encoding="utf-8"?>
-<p:sld xmlns:a="http://schemas.openxmlformats.org/drawingml/2006/main" xmlns:r="http://schemas.openxmlformats.org/officeDocument/2006/relationships" xmlns:p="http://schemas.openxmlformats.org/presentationml/2006/main">
-  <p:cSld>
-    <p:spTree>
-      <p:nvGrpSpPr>
-        <p:cNvPr id="1" name=""/>
-        <p:cNvGrpSpPr/>
-        <p:nvPr/>
-      </p:nvGrpSpPr>
-      <p:grpSpPr>
-        <a:xfrm>
-          <a:off x="0" y="0"/>
-          <a:ext cx="0" cy="0"/>
-          <a:chOff x="0" y="0"/>
-          <a:chExt cx="0" cy="0"/>
-        </a:xfrm>
-      </p:grpSpPr>
-      <p:pic>
-        <p:nvPicPr>
-          <p:cNvPr id="6" name="Immagine 5">
-            <a:extLst>
-              <a:ext uri="{FF2B5EF4-FFF2-40B4-BE49-F238E27FC236}">
-                <a16:creationId xmlns:a16="http://schemas.microsoft.com/office/drawing/2014/main" id="{62A603AE-BCB9-414A-92FC-BE0DC21BA3BA}"/>
-              </a:ext>
-            </a:extLst>
-          </p:cNvPr>
-          <p:cNvPicPr>
-            <a:picLocks noChangeAspect="1"/>
-          </p:cNvPicPr>
-          <p:nvPr/>
-        </p:nvPicPr>
-        <p:blipFill>
-          <a:blip r:embed="rId2">
-            <a:extLst>
-              <a:ext uri="{28A0092B-C50C-407E-A947-70E740481C1C}">
-                <a14:useLocalDpi xmlns:a14="http://schemas.microsoft.com/office/drawing/2010/main" val="0"/>
-              </a:ext>
-            </a:extLst>
-          </a:blip>
-          <a:stretch>
-            <a:fillRect/>
-          </a:stretch>
-        </p:blipFill>
-        <p:spPr>
-          <a:xfrm>
-            <a:off x="-1547092" y="1288937"/>
-            <a:ext cx="7771428" cy="5180952"/>
-          </a:xfrm>
-          <a:prstGeom prst="rect">
-            <a:avLst/>
-          </a:prstGeom>
-        </p:spPr>
-      </p:pic>
-      <p:sp>
-        <p:nvSpPr>
-          <p:cNvPr id="2" name="Titolo 1">
-            <a:extLst>
-              <a:ext uri="{FF2B5EF4-FFF2-40B4-BE49-F238E27FC236}">
-                <a16:creationId xmlns:a16="http://schemas.microsoft.com/office/drawing/2014/main" id="{A9D4F087-208E-4567-968B-A44F7704031D}"/>
-              </a:ext>
-            </a:extLst>
-          </p:cNvPr>
-          <p:cNvSpPr>
-            <a:spLocks noGrp="1"/>
-          </p:cNvSpPr>
-          <p:nvPr>
-            <p:ph type="title"/>
-          </p:nvPr>
-        </p:nvSpPr>
-        <p:spPr/>
-        <p:txBody>
-          <a:bodyPr/>
-          <a:lstStyle/>
-          <a:p>
-            <a:r>
-              <a:rPr lang="it-IT" dirty="0"/>
-              <a:t>INTRODUZIONE</a:t>
-            </a:r>
-          </a:p>
-        </p:txBody>
-      </p:sp>
-      <p:sp>
-        <p:nvSpPr>
-          <p:cNvPr id="3" name="Segnaposto contenuto 2">
-            <a:extLst>
-              <a:ext uri="{FF2B5EF4-FFF2-40B4-BE49-F238E27FC236}">
-                <a16:creationId xmlns:a16="http://schemas.microsoft.com/office/drawing/2014/main" id="{FFFF8238-2F5F-4A73-851B-A433B9B7D341}"/>
-              </a:ext>
-            </a:extLst>
-          </p:cNvPr>
-          <p:cNvSpPr>
-            <a:spLocks noGrp="1"/>
-          </p:cNvSpPr>
-          <p:nvPr>
-            <p:ph idx="1"/>
-          </p:nvPr>
-        </p:nvSpPr>
-        <p:spPr/>
-        <p:txBody>
-          <a:bodyPr>
-            <a:normAutofit/>
-          </a:bodyPr>
-          <a:lstStyle/>
-          <a:p>
-            <a:r>
-              <a:rPr lang="it-IT" sz="2400" dirty="0"/>
-              <a:t>Lo scopo è realizzare un servizio che possa suggerire libri da leggere in base ai gusti personali degli utilizzatori</a:t>
-            </a:r>
-          </a:p>
-        </p:txBody>
-      </p:sp>
-      <p:sp>
-        <p:nvSpPr>
-          <p:cNvPr id="7" name="Segnaposto contenuto 2">
-            <a:extLst>
-              <a:ext uri="{FF2B5EF4-FFF2-40B4-BE49-F238E27FC236}">
-                <a16:creationId xmlns:a16="http://schemas.microsoft.com/office/drawing/2014/main" id="{CBA6D41B-AEF3-4C60-9993-E0FFF8F40B00}"/>
-              </a:ext>
-            </a:extLst>
-          </p:cNvPr>
-          <p:cNvSpPr txBox="1">
-            <a:spLocks/>
-          </p:cNvSpPr>
-          <p:nvPr/>
-        </p:nvSpPr>
-        <p:spPr>
-          <a:xfrm>
-            <a:off x="4042610" y="3253742"/>
-            <a:ext cx="7603958" cy="3296411"/>
-          </a:xfrm>
-          <a:prstGeom prst="rect">
-            <a:avLst/>
-          </a:prstGeom>
-        </p:spPr>
-        <p:txBody>
-          <a:bodyPr vert="horz" lIns="91440" tIns="45720" rIns="91440" bIns="45720" rtlCol="0">
-            <a:normAutofit/>
-          </a:bodyPr>
-          <a:lstStyle>
-            <a:lvl1pPr marL="182880" indent="-182880" algn="l" defTabSz="914400" rtl="0" eaLnBrk="1" latinLnBrk="0" hangingPunct="1">
-              <a:lnSpc>
-                <a:spcPct val="110000"/>
-              </a:lnSpc>
-              <a:spcBef>
-                <a:spcPts val="900"/>
-              </a:spcBef>
-              <a:spcAft>
-                <a:spcPts val="0"/>
-              </a:spcAft>
-              <a:buClr>
-                <a:schemeClr val="tx1">
-                  <a:lumMod val="85000"/>
-                  <a:lumOff val="15000"/>
-                </a:schemeClr>
-              </a:buClr>
-              <a:buFont typeface="Garamond" pitchFamily="18" charset="0"/>
-              <a:buChar char="◦"/>
-              <a:defRPr sz="1500" kern="1200">
-                <a:solidFill>
-                  <a:schemeClr val="tx1"/>
-                </a:solidFill>
-                <a:latin typeface="+mn-lt"/>
-                <a:ea typeface="+mn-ea"/>
-                <a:cs typeface="+mn-cs"/>
-              </a:defRPr>
-            </a:lvl1pPr>
-            <a:lvl2pPr marL="457200" indent="-182880" algn="l" defTabSz="914400" rtl="0" eaLnBrk="1" latinLnBrk="0" hangingPunct="1">
-              <a:lnSpc>
-                <a:spcPct val="100000"/>
-              </a:lnSpc>
-              <a:spcBef>
-                <a:spcPts val="500"/>
-              </a:spcBef>
-              <a:buClr>
-                <a:schemeClr val="tx1">
-                  <a:lumMod val="85000"/>
-                  <a:lumOff val="15000"/>
-                </a:schemeClr>
-              </a:buClr>
-              <a:buFont typeface="Garamond" pitchFamily="18" charset="0"/>
-              <a:buChar char="◦"/>
-              <a:defRPr sz="1300" kern="1200">
-                <a:solidFill>
-                  <a:schemeClr val="tx1"/>
-                </a:solidFill>
-                <a:latin typeface="+mn-lt"/>
-                <a:ea typeface="+mn-ea"/>
-                <a:cs typeface="+mn-cs"/>
-              </a:defRPr>
-            </a:lvl2pPr>
-            <a:lvl3pPr marL="731520" indent="-182880" algn="l" defTabSz="914400" rtl="0" eaLnBrk="1" latinLnBrk="0" hangingPunct="1">
-              <a:lnSpc>
-                <a:spcPct val="100000"/>
-              </a:lnSpc>
-              <a:spcBef>
-                <a:spcPts val="500"/>
-              </a:spcBef>
-              <a:buClr>
-                <a:schemeClr val="tx1">
-                  <a:lumMod val="85000"/>
-                  <a:lumOff val="15000"/>
-                </a:schemeClr>
-              </a:buClr>
-              <a:buFont typeface="Garamond" pitchFamily="18" charset="0"/>
-              <a:buChar char="◦"/>
-              <a:defRPr sz="1200" kern="1200">
-                <a:solidFill>
-                  <a:schemeClr val="tx1"/>
-                </a:solidFill>
-                <a:latin typeface="+mn-lt"/>
-                <a:ea typeface="+mn-ea"/>
-                <a:cs typeface="+mn-cs"/>
-              </a:defRPr>
-            </a:lvl3pPr>
-            <a:lvl4pPr marL="1005840" indent="-182880" algn="l" defTabSz="914400" rtl="0" eaLnBrk="1" latinLnBrk="0" hangingPunct="1">
-              <a:lnSpc>
-                <a:spcPct val="100000"/>
-              </a:lnSpc>
-              <a:spcBef>
-                <a:spcPts val="500"/>
-              </a:spcBef>
-              <a:buClr>
-                <a:schemeClr val="tx1">
-                  <a:lumMod val="85000"/>
-                  <a:lumOff val="15000"/>
-                </a:schemeClr>
-              </a:buClr>
-              <a:buFont typeface="Garamond" pitchFamily="18" charset="0"/>
-              <a:buChar char="◦"/>
-              <a:defRPr sz="1200" kern="1200">
-                <a:solidFill>
-                  <a:schemeClr val="tx1"/>
-                </a:solidFill>
-                <a:latin typeface="+mn-lt"/>
-                <a:ea typeface="+mn-ea"/>
-                <a:cs typeface="+mn-cs"/>
-              </a:defRPr>
-            </a:lvl4pPr>
-            <a:lvl5pPr marL="1280160" indent="-182880" algn="l" defTabSz="914400" rtl="0" eaLnBrk="1" latinLnBrk="0" hangingPunct="1">
-              <a:lnSpc>
-                <a:spcPct val="100000"/>
-              </a:lnSpc>
-              <a:spcBef>
-                <a:spcPts val="500"/>
-              </a:spcBef>
-              <a:buClr>
-                <a:schemeClr val="tx1">
-                  <a:lumMod val="85000"/>
-                  <a:lumOff val="15000"/>
-                </a:schemeClr>
-              </a:buClr>
-              <a:buFont typeface="Garamond" pitchFamily="18" charset="0"/>
-              <a:buChar char="◦"/>
-              <a:defRPr sz="1200" kern="1200">
-                <a:solidFill>
-                  <a:schemeClr val="tx1"/>
-                </a:solidFill>
-                <a:latin typeface="+mn-lt"/>
-                <a:ea typeface="+mn-ea"/>
-                <a:cs typeface="+mn-cs"/>
-              </a:defRPr>
-            </a:lvl5pPr>
-            <a:lvl6pPr marL="1600000" indent="-228600" algn="l" defTabSz="914400" rtl="0" eaLnBrk="1" latinLnBrk="0" hangingPunct="1">
-              <a:lnSpc>
-                <a:spcPct val="100000"/>
-              </a:lnSpc>
-              <a:spcBef>
-                <a:spcPts val="500"/>
-              </a:spcBef>
-              <a:buClr>
-                <a:schemeClr val="tx1">
-                  <a:lumMod val="85000"/>
-                  <a:lumOff val="15000"/>
-                </a:schemeClr>
-              </a:buClr>
-              <a:buFont typeface="Garamond" pitchFamily="18" charset="0"/>
-              <a:buChar char="◦"/>
-              <a:defRPr sz="1400" kern="1200">
-                <a:solidFill>
-                  <a:schemeClr val="tx1"/>
-                </a:solidFill>
-                <a:latin typeface="+mn-lt"/>
-                <a:ea typeface="+mn-ea"/>
-                <a:cs typeface="+mn-cs"/>
-              </a:defRPr>
-            </a:lvl6pPr>
-            <a:lvl7pPr marL="1900000" indent="-228600" algn="l" defTabSz="914400" rtl="0" eaLnBrk="1" latinLnBrk="0" hangingPunct="1">
-              <a:lnSpc>
-                <a:spcPct val="100000"/>
-              </a:lnSpc>
-              <a:spcBef>
-                <a:spcPts val="500"/>
-              </a:spcBef>
-              <a:buClr>
-                <a:schemeClr val="tx1">
-                  <a:lumMod val="85000"/>
-                  <a:lumOff val="15000"/>
-                </a:schemeClr>
-              </a:buClr>
-              <a:buFont typeface="Garamond" pitchFamily="18" charset="0"/>
-              <a:buChar char="◦"/>
-              <a:defRPr sz="1400" kern="1200">
-                <a:solidFill>
-                  <a:schemeClr val="tx1"/>
-                </a:solidFill>
-                <a:latin typeface="+mn-lt"/>
-                <a:ea typeface="+mn-ea"/>
-                <a:cs typeface="+mn-cs"/>
-              </a:defRPr>
-            </a:lvl7pPr>
-            <a:lvl8pPr marL="2200000" indent="-228600" algn="l" defTabSz="914400" rtl="0" eaLnBrk="1" latinLnBrk="0" hangingPunct="1">
-              <a:lnSpc>
-                <a:spcPct val="100000"/>
-              </a:lnSpc>
-              <a:spcBef>
-                <a:spcPts val="500"/>
-              </a:spcBef>
-              <a:buClr>
-                <a:schemeClr val="tx1">
-                  <a:lumMod val="85000"/>
-                  <a:lumOff val="15000"/>
-                </a:schemeClr>
-              </a:buClr>
-              <a:buFont typeface="Garamond" pitchFamily="18" charset="0"/>
-              <a:buChar char="◦"/>
-              <a:defRPr sz="1400" kern="1200">
-                <a:solidFill>
-                  <a:schemeClr val="tx1"/>
-                </a:solidFill>
-                <a:latin typeface="+mn-lt"/>
-                <a:ea typeface="+mn-ea"/>
-                <a:cs typeface="+mn-cs"/>
-              </a:defRPr>
-            </a:lvl8pPr>
-            <a:lvl9pPr marL="2500000" indent="-228600" algn="l" defTabSz="914400" rtl="0" eaLnBrk="1" latinLnBrk="0" hangingPunct="1">
-              <a:lnSpc>
-                <a:spcPct val="100000"/>
-              </a:lnSpc>
-              <a:spcBef>
-                <a:spcPts val="500"/>
-              </a:spcBef>
-              <a:buClr>
-                <a:schemeClr val="tx1">
-                  <a:lumMod val="85000"/>
-                  <a:lumOff val="15000"/>
-                </a:schemeClr>
-              </a:buClr>
-              <a:buFont typeface="Garamond" pitchFamily="18" charset="0"/>
-              <a:buChar char="◦"/>
-              <a:defRPr sz="1400" kern="1200">
-                <a:solidFill>
-                  <a:schemeClr val="tx1"/>
-                </a:solidFill>
-                <a:latin typeface="+mn-lt"/>
-                <a:ea typeface="+mn-ea"/>
-                <a:cs typeface="+mn-cs"/>
-              </a:defRPr>
-            </a:lvl9pPr>
-          </a:lstStyle>
-          <a:p>
-            <a:pPr marL="0" indent="0">
-              <a:buNone/>
-            </a:pPr>
-            <a:r>
-              <a:rPr lang="it-IT" sz="2400" dirty="0"/>
-              <a:t>Questo servizio verrà integrato all’interno del sito web yourBook.it permettendo a chiunque voglia di lasciarsi suggerire da una IA.</a:t>
-            </a:r>
-          </a:p>
-        </p:txBody>
-      </p:sp>
-    </p:spTree>
-    <p:extLst>
-      <p:ext uri="{BB962C8B-B14F-4D97-AF65-F5344CB8AC3E}">
-        <p14:creationId xmlns:p14="http://schemas.microsoft.com/office/powerpoint/2010/main" val="1004517298"/>
-      </p:ext>
-    </p:extLst>
-  </p:cSld>
-  <p:clrMapOvr>
-    <a:masterClrMapping/>
-  </p:clrMapOvr>
-</p:sld>
-</file>
-
-<file path=ppt/slides/slide3.xml><?xml version="1.0" encoding="utf-8"?>
-<p:sld xmlns:a="http://schemas.openxmlformats.org/drawingml/2006/main" xmlns:r="http://schemas.openxmlformats.org/officeDocument/2006/relationships" xmlns:p="http://schemas.openxmlformats.org/presentationml/2006/main">
-  <p:cSld>
-    <p:spTree>
-      <p:nvGrpSpPr>
-        <p:cNvPr id="1" name=""/>
-        <p:cNvGrpSpPr/>
-        <p:nvPr/>
-      </p:nvGrpSpPr>
-      <p:grpSpPr>
-        <a:xfrm>
-          <a:off x="0" y="0"/>
-          <a:ext cx="0" cy="0"/>
-          <a:chOff x="0" y="0"/>
-          <a:chExt cx="0" cy="0"/>
-        </a:xfrm>
-      </p:grpSpPr>
-      <p:sp>
-        <p:nvSpPr>
-          <p:cNvPr id="2" name="Titolo 1">
-            <a:extLst>
-              <a:ext uri="{FF2B5EF4-FFF2-40B4-BE49-F238E27FC236}">
-                <a16:creationId xmlns:a16="http://schemas.microsoft.com/office/drawing/2014/main" id="{A2B8EF6B-E7BC-42A9-8A67-96CAF7B87858}"/>
-              </a:ext>
-            </a:extLst>
-          </p:cNvPr>
-          <p:cNvSpPr>
-            <a:spLocks noGrp="1"/>
-          </p:cNvSpPr>
-          <p:nvPr>
-            <p:ph type="title"/>
-          </p:nvPr>
-        </p:nvSpPr>
-        <p:spPr/>
-        <p:txBody>
-          <a:bodyPr/>
-          <a:lstStyle/>
-          <a:p>
-            <a:r>
-              <a:rPr lang="it-IT" dirty="0"/>
-              <a:t>Raccolta dei dati</a:t>
-            </a:r>
-          </a:p>
-        </p:txBody>
-      </p:sp>
-      <p:sp>
-        <p:nvSpPr>
-          <p:cNvPr id="3" name="Segnaposto contenuto 2">
-            <a:extLst>
-              <a:ext uri="{FF2B5EF4-FFF2-40B4-BE49-F238E27FC236}">
-                <a16:creationId xmlns:a16="http://schemas.microsoft.com/office/drawing/2014/main" id="{876826F2-4025-456C-926A-D81111391C14}"/>
-              </a:ext>
-            </a:extLst>
-          </p:cNvPr>
-          <p:cNvSpPr>
-            <a:spLocks noGrp="1"/>
-          </p:cNvSpPr>
-          <p:nvPr>
-            <p:ph idx="1"/>
-          </p:nvPr>
-        </p:nvSpPr>
-        <p:spPr>
-          <a:xfrm>
-            <a:off x="1066800" y="2103120"/>
-            <a:ext cx="9677400" cy="575912"/>
-          </a:xfrm>
-        </p:spPr>
-        <p:txBody>
-          <a:bodyPr>
-            <a:normAutofit fontScale="62500" lnSpcReduction="20000"/>
-          </a:bodyPr>
-          <a:lstStyle/>
-          <a:p>
-            <a:r>
-              <a:rPr lang="it-IT" sz="3200" dirty="0"/>
-              <a:t>Il dataset utilizzato conta più di 250k record suddiviso nei seguenti file e relativi attributi:</a:t>
-            </a:r>
-          </a:p>
-          <a:p>
-            <a:pPr marL="0" indent="0">
-              <a:buNone/>
-            </a:pPr>
-            <a:endParaRPr lang="it-IT" dirty="0"/>
-          </a:p>
-        </p:txBody>
-      </p:sp>
-      <p:graphicFrame>
-        <p:nvGraphicFramePr>
-          <p:cNvPr id="7" name="Tabella 7">
-            <a:extLst>
-              <a:ext uri="{FF2B5EF4-FFF2-40B4-BE49-F238E27FC236}">
-                <a16:creationId xmlns:a16="http://schemas.microsoft.com/office/drawing/2014/main" id="{FEDAEB42-9CD4-4A3B-A686-65084DC5360D}"/>
-              </a:ext>
-            </a:extLst>
-          </p:cNvPr>
-          <p:cNvGraphicFramePr>
-            <a:graphicFrameLocks noGrp="1"/>
-          </p:cNvGraphicFramePr>
-          <p:nvPr>
-            <p:extLst>
-              <p:ext uri="{D42A27DB-BD31-4B8C-83A1-F6EECF244321}">
-                <p14:modId xmlns:p14="http://schemas.microsoft.com/office/powerpoint/2010/main" val="2088727835"/>
-              </p:ext>
-            </p:extLst>
-          </p:nvPr>
-        </p:nvGraphicFramePr>
-        <p:xfrm>
-          <a:off x="1820164" y="2979828"/>
-          <a:ext cx="8127999" cy="2595880"/>
-        </p:xfrm>
-        <a:graphic>
-          <a:graphicData uri="http://schemas.openxmlformats.org/drawingml/2006/table">
-            <a:tbl>
-              <a:tblPr firstRow="1" bandRow="1">
-                <a:tableStyleId>{3B4B98B0-60AC-42C2-AFA5-B58CD77FA1E5}</a:tableStyleId>
-              </a:tblPr>
-              <a:tblGrid>
-                <a:gridCol w="2709333">
-                  <a:extLst>
-                    <a:ext uri="{9D8B030D-6E8A-4147-A177-3AD203B41FA5}">
-                      <a16:colId xmlns:a16="http://schemas.microsoft.com/office/drawing/2014/main" val="2390511843"/>
-                    </a:ext>
-                  </a:extLst>
-                </a:gridCol>
-                <a:gridCol w="2709333">
-                  <a:extLst>
-                    <a:ext uri="{9D8B030D-6E8A-4147-A177-3AD203B41FA5}">
-                      <a16:colId xmlns:a16="http://schemas.microsoft.com/office/drawing/2014/main" val="1911732011"/>
-                    </a:ext>
-                  </a:extLst>
-                </a:gridCol>
-                <a:gridCol w="2709333">
-                  <a:extLst>
-                    <a:ext uri="{9D8B030D-6E8A-4147-A177-3AD203B41FA5}">
-                      <a16:colId xmlns:a16="http://schemas.microsoft.com/office/drawing/2014/main" val="905873563"/>
-                    </a:ext>
-                  </a:extLst>
-                </a:gridCol>
-              </a:tblGrid>
-              <a:tr h="370840">
-                <a:tc>
-                  <a:txBody>
-                    <a:bodyPr/>
-                    <a:lstStyle/>
-                    <a:p>
-                      <a:pPr algn="ctr"/>
-                      <a:r>
-                        <a:rPr lang="it-IT" dirty="0"/>
-                        <a:t>LIBRI</a:t>
-                      </a:r>
-                    </a:p>
-                  </a:txBody>
-                  <a:tcPr/>
-                </a:tc>
-                <a:tc>
-                  <a:txBody>
-                    <a:bodyPr/>
-                    <a:lstStyle/>
-                    <a:p>
-                      <a:pPr algn="ctr"/>
-                      <a:r>
-                        <a:rPr lang="it-IT" dirty="0"/>
-                        <a:t>UTENTI</a:t>
-                      </a:r>
-                    </a:p>
-                  </a:txBody>
-                  <a:tcPr/>
-                </a:tc>
-                <a:tc>
-                  <a:txBody>
-                    <a:bodyPr/>
-                    <a:lstStyle/>
-                    <a:p>
-                      <a:pPr algn="ctr"/>
-                      <a:r>
-                        <a:rPr lang="it-IT" dirty="0"/>
-                        <a:t>RATING</a:t>
-                      </a:r>
-                    </a:p>
-                  </a:txBody>
-                  <a:tcPr/>
-                </a:tc>
-                <a:extLst>
-                  <a:ext uri="{0D108BD9-81ED-4DB2-BD59-A6C34878D82A}">
-                    <a16:rowId xmlns:a16="http://schemas.microsoft.com/office/drawing/2014/main" val="4231310490"/>
-                  </a:ext>
-                </a:extLst>
-              </a:tr>
-              <a:tr h="370840">
-                <a:tc>
-                  <a:txBody>
-                    <a:bodyPr/>
-                    <a:lstStyle/>
-                    <a:p>
-                      <a:pPr algn="ctr"/>
-                      <a:r>
-                        <a:rPr lang="it-IT" dirty="0"/>
-                        <a:t>ISBN</a:t>
-                      </a:r>
-                    </a:p>
-                  </a:txBody>
-                  <a:tcPr/>
-                </a:tc>
-                <a:tc>
-                  <a:txBody>
-                    <a:bodyPr/>
-                    <a:lstStyle/>
-                    <a:p>
-                      <a:pPr algn="ctr"/>
-                      <a:r>
-                        <a:rPr lang="it-IT" dirty="0"/>
-                        <a:t>User id</a:t>
-                      </a:r>
-                    </a:p>
-                  </a:txBody>
-                  <a:tcPr/>
-                </a:tc>
-                <a:tc>
-                  <a:txBody>
-                    <a:bodyPr/>
-                    <a:lstStyle/>
-                    <a:p>
-                      <a:pPr algn="ctr"/>
-                      <a:r>
-                        <a:rPr lang="it-IT" dirty="0"/>
-                        <a:t>ISBN</a:t>
-                      </a:r>
-                    </a:p>
-                  </a:txBody>
-                  <a:tcPr/>
-                </a:tc>
-                <a:extLst>
-                  <a:ext uri="{0D108BD9-81ED-4DB2-BD59-A6C34878D82A}">
-                    <a16:rowId xmlns:a16="http://schemas.microsoft.com/office/drawing/2014/main" val="1751235233"/>
-                  </a:ext>
-                </a:extLst>
-              </a:tr>
-              <a:tr h="370840">
-                <a:tc>
-                  <a:txBody>
-                    <a:bodyPr/>
-                    <a:lstStyle/>
-                    <a:p>
-                      <a:pPr algn="ctr"/>
-                      <a:r>
-                        <a:rPr lang="it-IT" dirty="0"/>
-                        <a:t>Titolo</a:t>
-                      </a:r>
-                    </a:p>
-                  </a:txBody>
-                  <a:tcPr/>
-                </a:tc>
-                <a:tc>
-                  <a:txBody>
-                    <a:bodyPr/>
-                    <a:lstStyle/>
-                    <a:p>
-                      <a:pPr algn="ctr"/>
-                      <a:r>
-                        <a:rPr lang="it-IT" dirty="0"/>
-                        <a:t>Location</a:t>
-                      </a:r>
-                    </a:p>
-                  </a:txBody>
-                  <a:tcPr/>
-                </a:tc>
-                <a:tc>
-                  <a:txBody>
-                    <a:bodyPr/>
-                    <a:lstStyle/>
-                    <a:p>
-                      <a:pPr algn="ctr"/>
-                      <a:r>
-                        <a:rPr lang="it-IT" dirty="0"/>
-                        <a:t>User id</a:t>
-                      </a:r>
-                    </a:p>
-                  </a:txBody>
-                  <a:tcPr/>
-                </a:tc>
-                <a:extLst>
-                  <a:ext uri="{0D108BD9-81ED-4DB2-BD59-A6C34878D82A}">
-                    <a16:rowId xmlns:a16="http://schemas.microsoft.com/office/drawing/2014/main" val="676020659"/>
-                  </a:ext>
-                </a:extLst>
-              </a:tr>
-              <a:tr h="370840">
-                <a:tc>
-                  <a:txBody>
-                    <a:bodyPr/>
-                    <a:lstStyle/>
-                    <a:p>
-                      <a:pPr algn="ctr"/>
-                      <a:r>
-                        <a:rPr lang="it-IT" dirty="0"/>
-                        <a:t>Autore</a:t>
-                      </a:r>
-                    </a:p>
-                  </a:txBody>
-                  <a:tcPr/>
-                </a:tc>
-                <a:tc>
-                  <a:txBody>
-                    <a:bodyPr/>
-                    <a:lstStyle/>
-                    <a:p>
-                      <a:pPr algn="ctr"/>
-                      <a:r>
-                        <a:rPr lang="it-IT" dirty="0"/>
-                        <a:t>Età</a:t>
-                      </a:r>
-                    </a:p>
-                  </a:txBody>
-                  <a:tcPr/>
-                </a:tc>
-                <a:tc>
-                  <a:txBody>
-                    <a:bodyPr/>
-                    <a:lstStyle/>
-                    <a:p>
-                      <a:pPr algn="ctr"/>
-                      <a:r>
-                        <a:rPr lang="it-IT" dirty="0"/>
-                        <a:t>Votazione Libro</a:t>
-                      </a:r>
-                    </a:p>
-                  </a:txBody>
-                  <a:tcPr/>
-                </a:tc>
-                <a:extLst>
-                  <a:ext uri="{0D108BD9-81ED-4DB2-BD59-A6C34878D82A}">
-                    <a16:rowId xmlns:a16="http://schemas.microsoft.com/office/drawing/2014/main" val="1782274899"/>
-                  </a:ext>
-                </a:extLst>
-              </a:tr>
-              <a:tr h="370840">
-                <a:tc>
-                  <a:txBody>
-                    <a:bodyPr/>
-                    <a:lstStyle/>
-                    <a:p>
-                      <a:pPr algn="ctr"/>
-                      <a:r>
-                        <a:rPr lang="it-IT" dirty="0"/>
-                        <a:t>Anno di Pubblicazione</a:t>
-                      </a:r>
-                    </a:p>
-                  </a:txBody>
-                  <a:tcPr/>
-                </a:tc>
-                <a:tc>
-                  <a:txBody>
-                    <a:bodyPr/>
-                    <a:lstStyle/>
-                    <a:p>
-                      <a:pPr algn="ctr"/>
-                      <a:endParaRPr lang="it-IT" dirty="0"/>
-                    </a:p>
-                  </a:txBody>
-                  <a:tcPr/>
-                </a:tc>
-                <a:tc>
-                  <a:txBody>
-                    <a:bodyPr/>
-                    <a:lstStyle/>
-                    <a:p>
-                      <a:pPr algn="ctr"/>
-                      <a:endParaRPr lang="it-IT" dirty="0"/>
-                    </a:p>
-                  </a:txBody>
-                  <a:tcPr/>
-                </a:tc>
-                <a:extLst>
-                  <a:ext uri="{0D108BD9-81ED-4DB2-BD59-A6C34878D82A}">
-                    <a16:rowId xmlns:a16="http://schemas.microsoft.com/office/drawing/2014/main" val="448732890"/>
-                  </a:ext>
-                </a:extLst>
-              </a:tr>
-              <a:tr h="370840">
-                <a:tc>
-                  <a:txBody>
-                    <a:bodyPr/>
-                    <a:lstStyle/>
-                    <a:p>
-                      <a:pPr algn="ctr"/>
-                      <a:r>
-                        <a:rPr lang="it-IT" dirty="0"/>
-                        <a:t>Editore</a:t>
-                      </a:r>
-                    </a:p>
-                  </a:txBody>
-                  <a:tcPr/>
-                </a:tc>
-                <a:tc>
-                  <a:txBody>
-                    <a:bodyPr/>
-                    <a:lstStyle/>
-                    <a:p>
-                      <a:pPr algn="ctr"/>
-                      <a:endParaRPr lang="it-IT" dirty="0"/>
-                    </a:p>
-                  </a:txBody>
-                  <a:tcPr/>
-                </a:tc>
-                <a:tc>
-                  <a:txBody>
-                    <a:bodyPr/>
-                    <a:lstStyle/>
-                    <a:p>
-                      <a:pPr algn="ctr"/>
-                      <a:endParaRPr lang="it-IT" dirty="0"/>
-                    </a:p>
-                  </a:txBody>
-                  <a:tcPr/>
-                </a:tc>
-                <a:extLst>
-                  <a:ext uri="{0D108BD9-81ED-4DB2-BD59-A6C34878D82A}">
-                    <a16:rowId xmlns:a16="http://schemas.microsoft.com/office/drawing/2014/main" val="3054911439"/>
-                  </a:ext>
-                </a:extLst>
-              </a:tr>
-              <a:tr h="370840">
-                <a:tc>
-                  <a:txBody>
-                    <a:bodyPr/>
-                    <a:lstStyle/>
-                    <a:p>
-                      <a:pPr algn="ctr"/>
-                      <a:r>
-                        <a:rPr lang="it-IT" dirty="0"/>
-                        <a:t>Immagine </a:t>
-                      </a:r>
-                    </a:p>
-                  </a:txBody>
-                  <a:tcPr/>
-                </a:tc>
-                <a:tc>
-                  <a:txBody>
-                    <a:bodyPr/>
-                    <a:lstStyle/>
-                    <a:p>
-                      <a:pPr algn="ctr"/>
-                      <a:endParaRPr lang="it-IT" dirty="0"/>
-                    </a:p>
-                  </a:txBody>
-                  <a:tcPr/>
-                </a:tc>
-                <a:tc>
-                  <a:txBody>
-                    <a:bodyPr/>
-                    <a:lstStyle/>
-                    <a:p>
-                      <a:pPr algn="ctr"/>
-                      <a:endParaRPr lang="it-IT" dirty="0"/>
-                    </a:p>
-                  </a:txBody>
-                  <a:tcPr/>
-                </a:tc>
-                <a:extLst>
-                  <a:ext uri="{0D108BD9-81ED-4DB2-BD59-A6C34878D82A}">
-                    <a16:rowId xmlns:a16="http://schemas.microsoft.com/office/drawing/2014/main" val="1536252247"/>
-                  </a:ext>
-                </a:extLst>
-              </a:tr>
-            </a:tbl>
-          </a:graphicData>
-        </a:graphic>
-      </p:graphicFrame>
-    </p:spTree>
-    <p:extLst>
-      <p:ext uri="{BB962C8B-B14F-4D97-AF65-F5344CB8AC3E}">
-        <p14:creationId xmlns:p14="http://schemas.microsoft.com/office/powerpoint/2010/main" val="3253495576"/>
-      </p:ext>
-    </p:extLst>
-  </p:cSld>
-  <p:clrMapOvr>
-    <a:masterClrMapping/>
-  </p:clrMapOvr>
-  <p:timing>
-    <p:tnLst>
-      <p:par>
-        <p:cTn id="1" dur="indefinite" restart="never" nodeType="tmRoot">
-          <p:childTnLst>
-            <p:seq concurrent="1" nextAc="seek">
-              <p:cTn id="2" dur="indefinite" nodeType="mainSeq">
-                <p:childTnLst>
-                  <p:par>
-                    <p:cTn id="3" fill="hold">
-                      <p:stCondLst>
-                        <p:cond delay="indefinite"/>
-                      </p:stCondLst>
-                      <p:childTnLst>
-                        <p:par>
-                          <p:cTn id="4" fill="hold">
-                            <p:stCondLst>
-                              <p:cond delay="0"/>
-                            </p:stCondLst>
-                            <p:childTnLst>
-                              <p:par>
-                                <p:cTn id="5" presetID="42" presetClass="entr" presetSubtype="0" fill="hold" nodeType="clickEffect">
-                                  <p:stCondLst>
-                                    <p:cond delay="0"/>
-                                  </p:stCondLst>
-                                  <p:childTnLst>
-                                    <p:set>
-                                      <p:cBhvr>
-                                        <p:cTn id="6" dur="1" fill="hold">
-                                          <p:stCondLst>
-                                            <p:cond delay="0"/>
-                                          </p:stCondLst>
-                                        </p:cTn>
-                                        <p:tgtEl>
-                                          <p:spTgt spid="7"/>
-                                        </p:tgtEl>
-                                        <p:attrNameLst>
-                                          <p:attrName>style.visibility</p:attrName>
-                                        </p:attrNameLst>
-                                      </p:cBhvr>
-                                      <p:to>
-                                        <p:strVal val="visible"/>
-                                      </p:to>
-                                    </p:set>
-                                    <p:animEffect transition="in" filter="fade">
-                                      <p:cBhvr>
-                                        <p:cTn id="7" dur="1000"/>
-                                        <p:tgtEl>
-                                          <p:spTgt spid="7"/>
-                                        </p:tgtEl>
-                                      </p:cBhvr>
-                                    </p:animEffect>
-                                    <p:anim calcmode="lin" valueType="num">
-                                      <p:cBhvr>
-                                        <p:cTn id="8" dur="1000" fill="hold"/>
-                                        <p:tgtEl>
-                                          <p:spTgt spid="7"/>
-                                        </p:tgtEl>
-                                        <p:attrNameLst>
-                                          <p:attrName>ppt_x</p:attrName>
-                                        </p:attrNameLst>
-                                      </p:cBhvr>
-                                      <p:tavLst>
-                                        <p:tav tm="0">
-                                          <p:val>
-                                            <p:strVal val="#ppt_x"/>
-                                          </p:val>
-                                        </p:tav>
-                                        <p:tav tm="100000">
-                                          <p:val>
-                                            <p:strVal val="#ppt_x"/>
-                                          </p:val>
-                                        </p:tav>
-                                      </p:tavLst>
-                                    </p:anim>
-                                    <p:anim calcmode="lin" valueType="num">
-                                      <p:cBhvr>
-                                        <p:cTn id="9" dur="1000" fill="hold"/>
-                                        <p:tgtEl>
-                                          <p:spTgt spid="7"/>
-                                        </p:tgtEl>
-                                        <p:attrNameLst>
-                                          <p:attrName>ppt_y</p:attrName>
-                                        </p:attrNameLst>
-                                      </p:cBhvr>
-                                      <p:tavLst>
-                                        <p:tav tm="0">
-                                          <p:val>
-                                            <p:strVal val="#ppt_y+.1"/>
-                                          </p:val>
-                                        </p:tav>
-                                        <p:tav tm="100000">
-                                          <p:val>
-                                            <p:strVal val="#ppt_y"/>
-                                          </p:val>
-                                        </p:tav>
-                                      </p:tavLst>
-                                    </p:anim>
-                                  </p:childTnLst>
-                                </p:cTn>
-                              </p:par>
-                            </p:childTnLst>
-                          </p:cTn>
-                        </p:par>
-                      </p:childTnLst>
-                    </p:cTn>
-                  </p:par>
-                </p:childTnLst>
-              </p:cTn>
-              <p:prevCondLst>
-                <p:cond evt="onPrev" delay="0">
-                  <p:tgtEl>
-                    <p:sldTgt/>
-                  </p:tgtEl>
-                </p:cond>
-              </p:prevCondLst>
-              <p:nextCondLst>
-                <p:cond evt="onNext" delay="0">
-                  <p:tgtEl>
-                    <p:sldTgt/>
-                  </p:tgtEl>
-                </p:cond>
-              </p:nextCondLst>
-            </p:seq>
-          </p:childTnLst>
-        </p:cTn>
-      </p:par>
-    </p:tnLst>
-  </p:timing>
-</p:sld>
-</file>
-
-<file path=ppt/slides/slide4.xml><?xml version="1.0" encoding="utf-8"?>
-<p:sld xmlns:a="http://schemas.openxmlformats.org/drawingml/2006/main" xmlns:r="http://schemas.openxmlformats.org/officeDocument/2006/relationships" xmlns:p="http://schemas.openxmlformats.org/presentationml/2006/main">
-  <p:cSld>
-    <p:spTree>
-      <p:nvGrpSpPr>
-        <p:cNvPr id="1" name=""/>
-        <p:cNvGrpSpPr/>
-        <p:nvPr/>
-      </p:nvGrpSpPr>
-      <p:grpSpPr>
-        <a:xfrm>
-          <a:off x="0" y="0"/>
-          <a:ext cx="0" cy="0"/>
-          <a:chOff x="0" y="0"/>
-          <a:chExt cx="0" cy="0"/>
-        </a:xfrm>
-      </p:grpSpPr>
-      <p:sp>
-        <p:nvSpPr>
-          <p:cNvPr id="2" name="Titolo 1">
-            <a:extLst>
-              <a:ext uri="{FF2B5EF4-FFF2-40B4-BE49-F238E27FC236}">
-                <a16:creationId xmlns:a16="http://schemas.microsoft.com/office/drawing/2014/main" id="{DD548DD6-20FE-4A48-A25E-216CCAA3D5A5}"/>
-              </a:ext>
-            </a:extLst>
-          </p:cNvPr>
-          <p:cNvSpPr>
-            <a:spLocks noGrp="1"/>
-          </p:cNvSpPr>
-          <p:nvPr>
-            <p:ph type="title"/>
-          </p:nvPr>
-        </p:nvSpPr>
-        <p:spPr/>
-        <p:txBody>
-          <a:bodyPr/>
-          <a:lstStyle/>
-          <a:p>
-            <a:r>
-              <a:rPr lang="it-IT" dirty="0"/>
-              <a:t>Manipolazione dei dati</a:t>
-            </a:r>
-          </a:p>
-        </p:txBody>
-      </p:sp>
-      <p:sp>
-        <p:nvSpPr>
-          <p:cNvPr id="3" name="Segnaposto contenuto 2">
-            <a:extLst>
-              <a:ext uri="{FF2B5EF4-FFF2-40B4-BE49-F238E27FC236}">
-                <a16:creationId xmlns:a16="http://schemas.microsoft.com/office/drawing/2014/main" id="{7321B9C0-D2AF-48DA-B5EF-E811ADC7D640}"/>
-              </a:ext>
-            </a:extLst>
-          </p:cNvPr>
-          <p:cNvSpPr>
-            <a:spLocks noGrp="1"/>
-          </p:cNvSpPr>
-          <p:nvPr>
-            <p:ph idx="1"/>
-          </p:nvPr>
-        </p:nvSpPr>
-        <p:spPr/>
-        <p:txBody>
-          <a:bodyPr/>
-          <a:lstStyle/>
-          <a:p>
-            <a:r>
-              <a:rPr lang="it-IT" dirty="0"/>
-              <a:t>Le operazioni che abbiamo effettuato sul dataset sono:</a:t>
-            </a:r>
-          </a:p>
-          <a:p>
-            <a:pPr>
-              <a:buFont typeface="Arial" panose="020B0604020202020204" pitchFamily="34" charset="0"/>
-              <a:buChar char="•"/>
-            </a:pPr>
-            <a:r>
-              <a:rPr lang="it-IT" dirty="0"/>
-              <a:t>Eliminato i dati </a:t>
-            </a:r>
-            <a:r>
-              <a:rPr lang="it-IT" dirty="0" err="1"/>
-              <a:t>null</a:t>
-            </a:r>
-            <a:r>
-              <a:rPr lang="it-IT" dirty="0"/>
-              <a:t> e duplicati da tutti e tre i file </a:t>
-            </a:r>
-          </a:p>
-          <a:p>
-            <a:pPr>
-              <a:buFont typeface="Arial" panose="020B0604020202020204" pitchFamily="34" charset="0"/>
-              <a:buChar char="•"/>
-            </a:pPr>
-            <a:r>
-              <a:rPr lang="it-IT" dirty="0"/>
-              <a:t>Eliminato gli utenti di </a:t>
-            </a:r>
-            <a:r>
-              <a:rPr lang="it-IT" dirty="0" err="1"/>
-              <a:t>etá</a:t>
-            </a:r>
-            <a:r>
-              <a:rPr lang="it-IT" dirty="0"/>
-              <a:t> &gt;= 80 &amp;&amp; &lt;=10</a:t>
-            </a:r>
-          </a:p>
-          <a:p>
-            <a:pPr>
-              <a:buFont typeface="Arial" panose="020B0604020202020204" pitchFamily="34" charset="0"/>
-              <a:buChar char="•"/>
-            </a:pPr>
-            <a:r>
-              <a:rPr lang="it-IT" dirty="0"/>
-              <a:t>Eliminato i libri con pubblicazione &lt;=1200</a:t>
-            </a:r>
-          </a:p>
-          <a:p>
-            <a:pPr>
-              <a:buFont typeface="Arial" panose="020B0604020202020204" pitchFamily="34" charset="0"/>
-              <a:buChar char="•"/>
-            </a:pPr>
-            <a:r>
-              <a:rPr lang="it-IT" dirty="0"/>
-              <a:t>Eliminato i link alle immagini delle copertine</a:t>
-            </a:r>
-          </a:p>
-          <a:p>
-            <a:pPr>
-              <a:buFont typeface="Arial" panose="020B0604020202020204" pitchFamily="34" charset="0"/>
-              <a:buChar char="•"/>
-            </a:pPr>
-            <a:r>
-              <a:rPr lang="it-IT" dirty="0"/>
-              <a:t>Eliminato le case editrici</a:t>
-            </a:r>
-          </a:p>
-          <a:p>
-            <a:pPr>
-              <a:buFont typeface="Arial" panose="020B0604020202020204" pitchFamily="34" charset="0"/>
-              <a:buChar char="•"/>
-            </a:pPr>
-            <a:r>
-              <a:rPr lang="it-IT" dirty="0"/>
-              <a:t>Eliminato le votazioni = 0</a:t>
-            </a:r>
-          </a:p>
-          <a:p>
-            <a:pPr>
-              <a:buFont typeface="Arial" panose="020B0604020202020204" pitchFamily="34" charset="0"/>
-              <a:buChar char="•"/>
-            </a:pPr>
-            <a:r>
-              <a:rPr lang="it-IT" dirty="0"/>
-              <a:t>Fatto il merge dei tre file</a:t>
-            </a:r>
-          </a:p>
-        </p:txBody>
-      </p:sp>
-      <p:sp>
-        <p:nvSpPr>
-          <p:cNvPr id="4" name="Segnaposto data 3">
-            <a:extLst>
-              <a:ext uri="{FF2B5EF4-FFF2-40B4-BE49-F238E27FC236}">
-                <a16:creationId xmlns:a16="http://schemas.microsoft.com/office/drawing/2014/main" id="{CAFA02FD-817A-4B84-A073-48739A6FA4B7}"/>
-              </a:ext>
-            </a:extLst>
-          </p:cNvPr>
-          <p:cNvSpPr>
-            <a:spLocks noGrp="1"/>
-          </p:cNvSpPr>
-          <p:nvPr>
-            <p:ph type="dt" sz="half" idx="10"/>
-          </p:nvPr>
-        </p:nvSpPr>
-        <p:spPr/>
-        <p:txBody>
-          <a:bodyPr/>
-          <a:lstStyle/>
-          <a:p>
-            <a:pPr rtl="0"/>
-            <a:fld id="{85E0D28E-6F2F-4715-A424-3B01AC64AD4B}" type="datetime1">
-              <a:rPr lang="it-IT" smtClean="0"/>
-              <a:t>22/03/2021</a:t>
-            </a:fld>
-            <a:endParaRPr lang="en-US" dirty="0"/>
-          </a:p>
-        </p:txBody>
-      </p:sp>
-    </p:spTree>
-    <p:extLst>
-      <p:ext uri="{BB962C8B-B14F-4D97-AF65-F5344CB8AC3E}">
-        <p14:creationId xmlns:p14="http://schemas.microsoft.com/office/powerpoint/2010/main" val="4107723122"/>
-      </p:ext>
-    </p:extLst>
-  </p:cSld>
-  <p:clrMapOvr>
-    <a:masterClrMapping/>
-  </p:clrMapOvr>
-</p:sld>
-</file>
-
-<file path=ppt/slides/slide5.xml><?xml version="1.0" encoding="utf-8"?>
-<p:sld xmlns:a="http://schemas.openxmlformats.org/drawingml/2006/main" xmlns:r="http://schemas.openxmlformats.org/officeDocument/2006/relationships" xmlns:p="http://schemas.openxmlformats.org/presentationml/2006/main">
-  <p:cSld>
-    <p:spTree>
-      <p:nvGrpSpPr>
-        <p:cNvPr id="1" name=""/>
-        <p:cNvGrpSpPr/>
-        <p:nvPr/>
-      </p:nvGrpSpPr>
-      <p:grpSpPr>
-        <a:xfrm>
-          <a:off x="0" y="0"/>
-          <a:ext cx="0" cy="0"/>
-          <a:chOff x="0" y="0"/>
-          <a:chExt cx="0" cy="0"/>
-        </a:xfrm>
-      </p:grpSpPr>
-      <p:sp>
-        <p:nvSpPr>
-          <p:cNvPr id="2" name="Titolo 1">
-            <a:extLst>
-              <a:ext uri="{FF2B5EF4-FFF2-40B4-BE49-F238E27FC236}">
-                <a16:creationId xmlns:a16="http://schemas.microsoft.com/office/drawing/2014/main" id="{059531C0-2273-468A-9A56-2B4EA93F5D0B}"/>
-              </a:ext>
-            </a:extLst>
-          </p:cNvPr>
-          <p:cNvSpPr>
-            <a:spLocks noGrp="1"/>
-          </p:cNvSpPr>
-          <p:nvPr>
-            <p:ph type="title"/>
-          </p:nvPr>
-        </p:nvSpPr>
-        <p:spPr/>
-        <p:txBody>
-          <a:bodyPr/>
-          <a:lstStyle/>
-          <a:p>
-            <a:r>
-              <a:rPr lang="it-IT" dirty="0"/>
-              <a:t>Analisi dei peas</a:t>
-            </a:r>
-          </a:p>
-        </p:txBody>
-      </p:sp>
-      <p:sp>
-        <p:nvSpPr>
-          <p:cNvPr id="3" name="Segnaposto contenuto 2">
-            <a:extLst>
-              <a:ext uri="{FF2B5EF4-FFF2-40B4-BE49-F238E27FC236}">
-                <a16:creationId xmlns:a16="http://schemas.microsoft.com/office/drawing/2014/main" id="{84DE51B8-7FCD-4D0A-8475-58B8EF26E7DB}"/>
-              </a:ext>
-            </a:extLst>
-          </p:cNvPr>
-          <p:cNvSpPr>
-            <a:spLocks noGrp="1"/>
-          </p:cNvSpPr>
-          <p:nvPr>
-            <p:ph idx="1"/>
-          </p:nvPr>
-        </p:nvSpPr>
-        <p:spPr>
-          <a:xfrm>
-            <a:off x="1024128" y="2084832"/>
-            <a:ext cx="9720073" cy="4023360"/>
-          </a:xfrm>
-        </p:spPr>
-        <p:txBody>
-          <a:bodyPr>
-            <a:normAutofit lnSpcReduction="10000"/>
-          </a:bodyPr>
-          <a:lstStyle/>
-          <a:p>
-            <a:pPr>
-              <a:buFont typeface="Wingdings" panose="05000000000000000000" pitchFamily="2" charset="2"/>
-              <a:buChar char="ü"/>
-            </a:pPr>
-            <a:r>
-              <a:rPr lang="it-IT" b="1" dirty="0"/>
-              <a:t>Performance</a:t>
-            </a:r>
-            <a:r>
-              <a:rPr lang="it-IT" dirty="0"/>
-              <a:t> (misure di prestazione): la misura di prestazione adottata si basa su quanto gli elementi (i libri) dell’insieme individuato dall’algoritmo vengano apprezzati da un utente</a:t>
-            </a:r>
-          </a:p>
-          <a:p>
-            <a:pPr>
-              <a:buFont typeface="Wingdings" panose="05000000000000000000" pitchFamily="2" charset="2"/>
-              <a:buChar char="ü"/>
-            </a:pPr>
-            <a:r>
-              <a:rPr lang="it-IT" b="1" dirty="0"/>
-              <a:t>Environment</a:t>
-            </a:r>
-            <a:r>
-              <a:rPr lang="it-IT" dirty="0"/>
-              <a:t> (descrizione elementi dell’ambiente): l’ambiente è costituito da tutti i libri e le relative recensione fornite dall’utente. L’ambiente definito è: dinamico, sequenziale, discreto, deterministico ed è ad agente singolo</a:t>
-            </a:r>
-          </a:p>
-          <a:p>
-            <a:pPr>
-              <a:buFont typeface="Wingdings" panose="05000000000000000000" pitchFamily="2" charset="2"/>
-              <a:buChar char="ü"/>
-            </a:pPr>
-            <a:r>
-              <a:rPr lang="it-IT" b="1" dirty="0"/>
-              <a:t>Attuatori</a:t>
-            </a:r>
-            <a:r>
-              <a:rPr lang="it-IT" dirty="0"/>
-              <a:t> (in che modo l’agente restituisce l’output): l’output dell’esecuzione viene restituito in una pagina .jsp appositamente creata con lo scopo di mostrare tutti i libri che l’agente crede che possano interessare all’utente</a:t>
-            </a:r>
-          </a:p>
-          <a:p>
-            <a:pPr>
-              <a:buFont typeface="Wingdings" panose="05000000000000000000" pitchFamily="2" charset="2"/>
-              <a:buChar char="ü"/>
-            </a:pPr>
-            <a:r>
-              <a:rPr lang="it-IT" b="1" dirty="0"/>
-              <a:t>Sensori</a:t>
-            </a:r>
-            <a:r>
-              <a:rPr lang="it-IT" dirty="0"/>
-              <a:t> (sono la parte percettiva dell’agente): l’input dell’agente è fornito tramite una pagine .jsp che permette all’utente di ricercare un titolo e fornirgli una valutazione da interi in un range(0 - 10).</a:t>
-            </a:r>
-          </a:p>
-        </p:txBody>
-      </p:sp>
-    </p:spTree>
-    <p:extLst>
-      <p:ext uri="{BB962C8B-B14F-4D97-AF65-F5344CB8AC3E}">
-        <p14:creationId xmlns:p14="http://schemas.microsoft.com/office/powerpoint/2010/main" val="3997909189"/>
-      </p:ext>
-    </p:extLst>
-  </p:cSld>
-  <p:clrMapOvr>
-    <a:masterClrMapping/>
-  </p:clrMapOvr>
-</p:sld>
-</file>
-
-<file path=ppt/slides/slide6.xml><?xml version="1.0" encoding="utf-8"?>
-<p:sld xmlns:a="http://schemas.openxmlformats.org/drawingml/2006/main" xmlns:r="http://schemas.openxmlformats.org/officeDocument/2006/relationships" xmlns:p="http://schemas.openxmlformats.org/presentationml/2006/main">
-  <p:cSld>
-    <p:spTree>
-      <p:nvGrpSpPr>
-        <p:cNvPr id="1" name=""/>
-        <p:cNvGrpSpPr/>
-        <p:nvPr/>
-      </p:nvGrpSpPr>
-      <p:grpSpPr>
-        <a:xfrm>
-          <a:off x="0" y="0"/>
-          <a:ext cx="0" cy="0"/>
-          <a:chOff x="0" y="0"/>
-          <a:chExt cx="0" cy="0"/>
-        </a:xfrm>
-      </p:grpSpPr>
-      <p:sp>
-        <p:nvSpPr>
-          <p:cNvPr id="2" name="Titolo 1">
-            <a:extLst>
-              <a:ext uri="{FF2B5EF4-FFF2-40B4-BE49-F238E27FC236}">
-                <a16:creationId xmlns:a16="http://schemas.microsoft.com/office/drawing/2014/main" id="{E3A10655-DE64-4166-AD00-BE71A36BC2B6}"/>
-              </a:ext>
-            </a:extLst>
-          </p:cNvPr>
-          <p:cNvSpPr>
-            <a:spLocks noGrp="1"/>
-          </p:cNvSpPr>
-          <p:nvPr>
-            <p:ph type="title"/>
-          </p:nvPr>
-        </p:nvSpPr>
-        <p:spPr/>
-        <p:txBody>
-          <a:bodyPr/>
-          <a:lstStyle/>
-          <a:p>
-            <a:r>
-              <a:rPr lang="it-IT" dirty="0"/>
-              <a:t>Studio dei dati</a:t>
-            </a:r>
-          </a:p>
-        </p:txBody>
-      </p:sp>
-      <p:sp>
-        <p:nvSpPr>
-          <p:cNvPr id="3" name="Segnaposto contenuto 2">
-            <a:extLst>
-              <a:ext uri="{FF2B5EF4-FFF2-40B4-BE49-F238E27FC236}">
-                <a16:creationId xmlns:a16="http://schemas.microsoft.com/office/drawing/2014/main" id="{0783CDCD-B528-49A0-A6AF-FFCFFDE1FF40}"/>
-              </a:ext>
-            </a:extLst>
-          </p:cNvPr>
-          <p:cNvSpPr>
-            <a:spLocks noGrp="1"/>
-          </p:cNvSpPr>
-          <p:nvPr>
-            <p:ph idx="1"/>
-          </p:nvPr>
-        </p:nvSpPr>
-        <p:spPr/>
-        <p:txBody>
-          <a:bodyPr/>
-          <a:lstStyle/>
-          <a:p>
-            <a:r>
-              <a:rPr lang="it-IT" dirty="0"/>
-              <a:t>Ad una prima analisi abbiamo generato la </a:t>
-            </a:r>
-            <a:r>
-              <a:rPr lang="it-IT" dirty="0" err="1"/>
-              <a:t>HeatMap</a:t>
-            </a:r>
-            <a:r>
-              <a:rPr lang="it-IT" dirty="0"/>
-              <a:t> che ci ha rivelato la poca correlazione tra le variabili</a:t>
-            </a:r>
-          </a:p>
-          <a:p>
-            <a:endParaRPr lang="it-IT" dirty="0"/>
-          </a:p>
-        </p:txBody>
-      </p:sp>
-      <p:pic>
-        <p:nvPicPr>
-          <p:cNvPr id="8" name="Immagine 7">
-            <a:extLst>
-              <a:ext uri="{FF2B5EF4-FFF2-40B4-BE49-F238E27FC236}">
-                <a16:creationId xmlns:a16="http://schemas.microsoft.com/office/drawing/2014/main" id="{1DAD9D26-1687-445D-9373-E49104184EE8}"/>
-              </a:ext>
-            </a:extLst>
-          </p:cNvPr>
-          <p:cNvPicPr>
-            <a:picLocks noChangeAspect="1"/>
-          </p:cNvPicPr>
-          <p:nvPr/>
-        </p:nvPicPr>
-        <p:blipFill>
-          <a:blip r:embed="rId2"/>
-          <a:stretch>
-            <a:fillRect/>
-          </a:stretch>
-        </p:blipFill>
-        <p:spPr>
-          <a:xfrm>
-            <a:off x="2639984" y="3061276"/>
-            <a:ext cx="6912032" cy="3449252"/>
-          </a:xfrm>
-          <a:prstGeom prst="rect">
-            <a:avLst/>
-          </a:prstGeom>
-        </p:spPr>
-      </p:pic>
-    </p:spTree>
-    <p:extLst>
-      <p:ext uri="{BB962C8B-B14F-4D97-AF65-F5344CB8AC3E}">
-        <p14:creationId xmlns:p14="http://schemas.microsoft.com/office/powerpoint/2010/main" val="3884074938"/>
-      </p:ext>
-    </p:extLst>
-  </p:cSld>
-  <p:clrMapOvr>
-    <a:masterClrMapping/>
-  </p:clrMapOvr>
-  <p:timing>
-    <p:tnLst>
-      <p:par>
-        <p:cTn id="1" dur="indefinite" restart="never" nodeType="tmRoot">
-          <p:childTnLst>
-            <p:seq concurrent="1" nextAc="seek">
-              <p:cTn id="2" dur="indefinite" nodeType="mainSeq">
-                <p:childTnLst>
-                  <p:par>
-                    <p:cTn id="3" fill="hold">
-                      <p:stCondLst>
-                        <p:cond delay="indefinite"/>
-                      </p:stCondLst>
-                      <p:childTnLst>
-                        <p:par>
-                          <p:cTn id="4" fill="hold">
-                            <p:stCondLst>
-                              <p:cond delay="0"/>
-                            </p:stCondLst>
-                            <p:childTnLst>
-                              <p:par>
-                                <p:cTn id="5" presetID="2" presetClass="entr" presetSubtype="4" fill="hold" nodeType="clickEffect">
-                                  <p:stCondLst>
-                                    <p:cond delay="0"/>
-                                  </p:stCondLst>
-                                  <p:childTnLst>
-                                    <p:set>
-                                      <p:cBhvr>
-                                        <p:cTn id="6" dur="1" fill="hold">
-                                          <p:stCondLst>
-                                            <p:cond delay="0"/>
-                                          </p:stCondLst>
-                                        </p:cTn>
-                                        <p:tgtEl>
-                                          <p:spTgt spid="8"/>
-                                        </p:tgtEl>
-                                        <p:attrNameLst>
-                                          <p:attrName>style.visibility</p:attrName>
-                                        </p:attrNameLst>
-                                      </p:cBhvr>
-                                      <p:to>
-                                        <p:strVal val="visible"/>
-                                      </p:to>
-                                    </p:set>
-                                    <p:anim calcmode="lin" valueType="num">
-                                      <p:cBhvr additive="base">
-                                        <p:cTn id="7" dur="500" fill="hold"/>
-                                        <p:tgtEl>
-                                          <p:spTgt spid="8"/>
-                                        </p:tgtEl>
-                                        <p:attrNameLst>
-                                          <p:attrName>ppt_x</p:attrName>
-                                        </p:attrNameLst>
-                                      </p:cBhvr>
-                                      <p:tavLst>
-                                        <p:tav tm="0">
-                                          <p:val>
-                                            <p:strVal val="#ppt_x"/>
-                                          </p:val>
-                                        </p:tav>
-                                        <p:tav tm="100000">
-                                          <p:val>
-                                            <p:strVal val="#ppt_x"/>
-                                          </p:val>
-                                        </p:tav>
-                                      </p:tavLst>
-                                    </p:anim>
-                                    <p:anim calcmode="lin" valueType="num">
-                                      <p:cBhvr additive="base">
-                                        <p:cTn id="8" dur="500" fill="hold"/>
-                                        <p:tgtEl>
-                                          <p:spTgt spid="8"/>
-                                        </p:tgtEl>
-                                        <p:attrNameLst>
-                                          <p:attrName>ppt_y</p:attrName>
-                                        </p:attrNameLst>
-                                      </p:cBhvr>
-                                      <p:tavLst>
-                                        <p:tav tm="0">
-                                          <p:val>
-                                            <p:strVal val="1+#ppt_h/2"/>
-                                          </p:val>
-                                        </p:tav>
-                                        <p:tav tm="100000">
-                                          <p:val>
-                                            <p:strVal val="#ppt_y"/>
-                                          </p:val>
-                                        </p:tav>
-                                      </p:tavLst>
-                                    </p:anim>
-                                  </p:childTnLst>
-                                </p:cTn>
-                              </p:par>
-                            </p:childTnLst>
-                          </p:cTn>
-                        </p:par>
-                      </p:childTnLst>
-                    </p:cTn>
-                  </p:par>
-                </p:childTnLst>
-              </p:cTn>
-              <p:prevCondLst>
-                <p:cond evt="onPrev" delay="0">
-                  <p:tgtEl>
-                    <p:sldTgt/>
-                  </p:tgtEl>
-                </p:cond>
-              </p:prevCondLst>
-              <p:nextCondLst>
-                <p:cond evt="onNext" delay="0">
-                  <p:tgtEl>
-                    <p:sldTgt/>
-                  </p:tgtEl>
-                </p:cond>
-              </p:nextCondLst>
-            </p:seq>
-          </p:childTnLst>
-        </p:cTn>
-      </p:par>
-    </p:tnLst>
-  </p:timing>
-</p:sld>
-</file>
-
-<file path=ppt/slides/slide7.xml><?xml version="1.0" encoding="utf-8"?>
 <p:sld xmlns:a="http://schemas.openxmlformats.org/drawingml/2006/main" xmlns:r="http://schemas.openxmlformats.org/officeDocument/2006/relationships" xmlns:p="http://schemas.openxmlformats.org/presentationml/2006/main">
   <p:cSld>
     <p:spTree>
@@ -23791,7 +24329,7 @@
 </p:sld>
 </file>
 
-<file path=ppt/slides/slide8.xml><?xml version="1.0" encoding="utf-8"?>
+<file path=ppt/slides/slide11.xml><?xml version="1.0" encoding="utf-8"?>
 <p:sld xmlns:a="http://schemas.openxmlformats.org/drawingml/2006/main" xmlns:r="http://schemas.openxmlformats.org/officeDocument/2006/relationships" xmlns:p="http://schemas.openxmlformats.org/presentationml/2006/main">
   <p:cSld>
     <p:spTree>
@@ -25214,7 +25752,7 @@
 </p:sld>
 </file>
 
-<file path=ppt/slides/slide9.xml><?xml version="1.0" encoding="utf-8"?>
+<file path=ppt/slides/slide12.xml><?xml version="1.0" encoding="utf-8"?>
 <p:sld xmlns:a="http://schemas.openxmlformats.org/drawingml/2006/main" xmlns:r="http://schemas.openxmlformats.org/officeDocument/2006/relationships" xmlns:p="http://schemas.openxmlformats.org/presentationml/2006/main">
   <p:cSld>
     <p:spTree>
@@ -25475,6 +26013,2427 @@
       </p:par>
     </p:tnLst>
   </p:timing>
+</p:sld>
+</file>
+
+<file path=ppt/slides/slide13.xml><?xml version="1.0" encoding="utf-8"?>
+<p:sld xmlns:a="http://schemas.openxmlformats.org/drawingml/2006/main" xmlns:r="http://schemas.openxmlformats.org/officeDocument/2006/relationships" xmlns:p="http://schemas.openxmlformats.org/presentationml/2006/main">
+  <p:cSld>
+    <p:spTree>
+      <p:nvGrpSpPr>
+        <p:cNvPr id="1" name=""/>
+        <p:cNvGrpSpPr/>
+        <p:nvPr/>
+      </p:nvGrpSpPr>
+      <p:grpSpPr>
+        <a:xfrm>
+          <a:off x="0" y="0"/>
+          <a:ext cx="0" cy="0"/>
+          <a:chOff x="0" y="0"/>
+          <a:chExt cx="0" cy="0"/>
+        </a:xfrm>
+      </p:grpSpPr>
+      <p:sp>
+        <p:nvSpPr>
+          <p:cNvPr id="2" name="Titolo 1">
+            <a:extLst>
+              <a:ext uri="{FF2B5EF4-FFF2-40B4-BE49-F238E27FC236}">
+                <a16:creationId xmlns:a16="http://schemas.microsoft.com/office/drawing/2014/main" id="{13BA4C1F-DD6E-4591-95EE-4B945F79E425}"/>
+              </a:ext>
+            </a:extLst>
+          </p:cNvPr>
+          <p:cNvSpPr>
+            <a:spLocks noGrp="1"/>
+          </p:cNvSpPr>
+          <p:nvPr>
+            <p:ph type="title"/>
+          </p:nvPr>
+        </p:nvSpPr>
+        <p:spPr/>
+        <p:txBody>
+          <a:bodyPr/>
+          <a:lstStyle/>
+          <a:p>
+            <a:r>
+              <a:rPr lang="it-IT" dirty="0"/>
+              <a:t>Indice di silhouette</a:t>
+            </a:r>
+          </a:p>
+        </p:txBody>
+      </p:sp>
+      <p:sp>
+        <p:nvSpPr>
+          <p:cNvPr id="3" name="Segnaposto contenuto 2">
+            <a:extLst>
+              <a:ext uri="{FF2B5EF4-FFF2-40B4-BE49-F238E27FC236}">
+                <a16:creationId xmlns:a16="http://schemas.microsoft.com/office/drawing/2014/main" id="{DBC285F1-2F2D-48B5-BA1F-58AD6AD8E501}"/>
+              </a:ext>
+            </a:extLst>
+          </p:cNvPr>
+          <p:cNvSpPr>
+            <a:spLocks noGrp="1"/>
+          </p:cNvSpPr>
+          <p:nvPr>
+            <p:ph idx="1"/>
+          </p:nvPr>
+        </p:nvSpPr>
+        <p:spPr/>
+        <p:txBody>
+          <a:bodyPr/>
+          <a:lstStyle/>
+          <a:p>
+            <a:r>
+              <a:rPr lang="it-IT" dirty="0"/>
+              <a:t>Permette di quantificare la bontà della disposizione dei dati nei cluster assegnati. L’indice oscilla tra [-1,1] dove 1 indica che i dati fanno un giusto match con il proprio cluster.</a:t>
+            </a:r>
+          </a:p>
+          <a:p>
+            <a:endParaRPr lang="it-IT" dirty="0"/>
+          </a:p>
+          <a:p>
+            <a:pPr marL="0" indent="0">
+              <a:buNone/>
+            </a:pPr>
+            <a:r>
+              <a:rPr lang="it-IT" dirty="0"/>
+              <a:t>L’indice migliore di Silhouette ottenuto è di circa 0,07 con 2 cluster </a:t>
+            </a:r>
+          </a:p>
+          <a:p>
+            <a:pPr marL="0" indent="0">
+              <a:buNone/>
+            </a:pPr>
+            <a:r>
+              <a:rPr lang="it-IT" dirty="0"/>
+              <a:t>(Il valore è relativamente basso e ciò può essere dovuto all’utilizzo di un dataset ridotto o alla poca esperienza con la manipolazione dei dati)</a:t>
+            </a:r>
+          </a:p>
+          <a:p>
+            <a:endParaRPr lang="it-IT" dirty="0"/>
+          </a:p>
+        </p:txBody>
+      </p:sp>
+    </p:spTree>
+    <p:extLst>
+      <p:ext uri="{BB962C8B-B14F-4D97-AF65-F5344CB8AC3E}">
+        <p14:creationId xmlns:p14="http://schemas.microsoft.com/office/powerpoint/2010/main" val="1310065844"/>
+      </p:ext>
+    </p:extLst>
+  </p:cSld>
+  <p:clrMapOvr>
+    <a:masterClrMapping/>
+  </p:clrMapOvr>
+</p:sld>
+</file>
+
+<file path=ppt/slides/slide14.xml><?xml version="1.0" encoding="utf-8"?>
+<p:sld xmlns:a="http://schemas.openxmlformats.org/drawingml/2006/main" xmlns:r="http://schemas.openxmlformats.org/officeDocument/2006/relationships" xmlns:p="http://schemas.openxmlformats.org/presentationml/2006/main">
+  <p:cSld>
+    <p:spTree>
+      <p:nvGrpSpPr>
+        <p:cNvPr id="1" name=""/>
+        <p:cNvGrpSpPr/>
+        <p:nvPr/>
+      </p:nvGrpSpPr>
+      <p:grpSpPr>
+        <a:xfrm>
+          <a:off x="0" y="0"/>
+          <a:ext cx="0" cy="0"/>
+          <a:chOff x="0" y="0"/>
+          <a:chExt cx="0" cy="0"/>
+        </a:xfrm>
+      </p:grpSpPr>
+      <p:sp>
+        <p:nvSpPr>
+          <p:cNvPr id="2" name="Titolo 1">
+            <a:extLst>
+              <a:ext uri="{FF2B5EF4-FFF2-40B4-BE49-F238E27FC236}">
+                <a16:creationId xmlns:a16="http://schemas.microsoft.com/office/drawing/2014/main" id="{614F7829-0F9C-4ED7-ABAA-39C0E624FDE7}"/>
+              </a:ext>
+            </a:extLst>
+          </p:cNvPr>
+          <p:cNvSpPr>
+            <a:spLocks noGrp="1"/>
+          </p:cNvSpPr>
+          <p:nvPr>
+            <p:ph type="title"/>
+          </p:nvPr>
+        </p:nvSpPr>
+        <p:spPr/>
+        <p:txBody>
+          <a:bodyPr/>
+          <a:lstStyle/>
+          <a:p>
+            <a:r>
+              <a:rPr lang="it-IT" dirty="0"/>
+              <a:t>Esempio di esecuzione</a:t>
+            </a:r>
+          </a:p>
+        </p:txBody>
+      </p:sp>
+      <p:pic>
+        <p:nvPicPr>
+          <p:cNvPr id="6" name="Segnaposto contenuto 5">
+            <a:extLst>
+              <a:ext uri="{FF2B5EF4-FFF2-40B4-BE49-F238E27FC236}">
+                <a16:creationId xmlns:a16="http://schemas.microsoft.com/office/drawing/2014/main" id="{69AF34FD-4F11-48EB-A3FA-83361B3F0FA5}"/>
+              </a:ext>
+            </a:extLst>
+          </p:cNvPr>
+          <p:cNvPicPr>
+            <a:picLocks noGrp="1" noChangeAspect="1"/>
+          </p:cNvPicPr>
+          <p:nvPr>
+            <p:ph idx="1"/>
+          </p:nvPr>
+        </p:nvPicPr>
+        <p:blipFill>
+          <a:blip r:embed="rId2"/>
+          <a:stretch>
+            <a:fillRect/>
+          </a:stretch>
+        </p:blipFill>
+        <p:spPr>
+          <a:xfrm>
+            <a:off x="1707483" y="2785145"/>
+            <a:ext cx="8777034" cy="2415082"/>
+          </a:xfrm>
+        </p:spPr>
+      </p:pic>
+      <p:sp>
+        <p:nvSpPr>
+          <p:cNvPr id="4" name="Segnaposto data 3">
+            <a:extLst>
+              <a:ext uri="{FF2B5EF4-FFF2-40B4-BE49-F238E27FC236}">
+                <a16:creationId xmlns:a16="http://schemas.microsoft.com/office/drawing/2014/main" id="{070E8C07-77B2-4644-9631-1B42A6863B5E}"/>
+              </a:ext>
+            </a:extLst>
+          </p:cNvPr>
+          <p:cNvSpPr>
+            <a:spLocks noGrp="1"/>
+          </p:cNvSpPr>
+          <p:nvPr>
+            <p:ph type="dt" sz="half" idx="10"/>
+          </p:nvPr>
+        </p:nvSpPr>
+        <p:spPr/>
+        <p:txBody>
+          <a:bodyPr/>
+          <a:lstStyle/>
+          <a:p>
+            <a:pPr rtl="0"/>
+            <a:fld id="{85E0D28E-6F2F-4715-A424-3B01AC64AD4B}" type="datetime1">
+              <a:rPr lang="it-IT" smtClean="0"/>
+              <a:t>23/03/2021</a:t>
+            </a:fld>
+            <a:endParaRPr lang="en-US" dirty="0"/>
+          </a:p>
+        </p:txBody>
+      </p:sp>
+    </p:spTree>
+    <p:extLst>
+      <p:ext uri="{BB962C8B-B14F-4D97-AF65-F5344CB8AC3E}">
+        <p14:creationId xmlns:p14="http://schemas.microsoft.com/office/powerpoint/2010/main" val="1960547152"/>
+      </p:ext>
+    </p:extLst>
+  </p:cSld>
+  <p:clrMapOvr>
+    <a:masterClrMapping/>
+  </p:clrMapOvr>
+</p:sld>
+</file>
+
+<file path=ppt/slides/slide2.xml><?xml version="1.0" encoding="utf-8"?>
+<p:sld xmlns:a="http://schemas.openxmlformats.org/drawingml/2006/main" xmlns:r="http://schemas.openxmlformats.org/officeDocument/2006/relationships" xmlns:p="http://schemas.openxmlformats.org/presentationml/2006/main">
+  <p:cSld>
+    <p:spTree>
+      <p:nvGrpSpPr>
+        <p:cNvPr id="1" name=""/>
+        <p:cNvGrpSpPr/>
+        <p:nvPr/>
+      </p:nvGrpSpPr>
+      <p:grpSpPr>
+        <a:xfrm>
+          <a:off x="0" y="0"/>
+          <a:ext cx="0" cy="0"/>
+          <a:chOff x="0" y="0"/>
+          <a:chExt cx="0" cy="0"/>
+        </a:xfrm>
+      </p:grpSpPr>
+      <p:sp>
+        <p:nvSpPr>
+          <p:cNvPr id="2" name="Titolo 1">
+            <a:extLst>
+              <a:ext uri="{FF2B5EF4-FFF2-40B4-BE49-F238E27FC236}">
+                <a16:creationId xmlns:a16="http://schemas.microsoft.com/office/drawing/2014/main" id="{FC62FFA9-9085-4583-83C1-99EAD5276B5D}"/>
+              </a:ext>
+            </a:extLst>
+          </p:cNvPr>
+          <p:cNvSpPr>
+            <a:spLocks noGrp="1"/>
+          </p:cNvSpPr>
+          <p:nvPr>
+            <p:ph type="title"/>
+          </p:nvPr>
+        </p:nvSpPr>
+        <p:spPr/>
+        <p:txBody>
+          <a:bodyPr/>
+          <a:lstStyle/>
+          <a:p>
+            <a:r>
+              <a:rPr lang="it-IT" dirty="0"/>
+              <a:t>indice</a:t>
+            </a:r>
+          </a:p>
+        </p:txBody>
+      </p:sp>
+      <p:sp>
+        <p:nvSpPr>
+          <p:cNvPr id="3" name="Segnaposto contenuto 2">
+            <a:extLst>
+              <a:ext uri="{FF2B5EF4-FFF2-40B4-BE49-F238E27FC236}">
+                <a16:creationId xmlns:a16="http://schemas.microsoft.com/office/drawing/2014/main" id="{2A11ACAE-EE60-47AE-ABA4-BAD0105D8D71}"/>
+              </a:ext>
+            </a:extLst>
+          </p:cNvPr>
+          <p:cNvSpPr>
+            <a:spLocks noGrp="1"/>
+          </p:cNvSpPr>
+          <p:nvPr>
+            <p:ph idx="1"/>
+          </p:nvPr>
+        </p:nvSpPr>
+        <p:spPr/>
+        <p:txBody>
+          <a:bodyPr>
+            <a:normAutofit lnSpcReduction="10000"/>
+          </a:bodyPr>
+          <a:lstStyle/>
+          <a:p>
+            <a:pPr>
+              <a:buFont typeface="Arial" panose="020B0604020202020204" pitchFamily="34" charset="0"/>
+              <a:buChar char="•"/>
+            </a:pPr>
+            <a:r>
+              <a:rPr lang="it-IT" i="1" dirty="0"/>
+              <a:t>Introduzione</a:t>
+            </a:r>
+          </a:p>
+          <a:p>
+            <a:pPr>
+              <a:buFont typeface="Arial" panose="020B0604020202020204" pitchFamily="34" charset="0"/>
+              <a:buChar char="•"/>
+            </a:pPr>
+            <a:r>
+              <a:rPr lang="it-IT" i="1" dirty="0"/>
+              <a:t>Raccolta dei dati</a:t>
+            </a:r>
+          </a:p>
+          <a:p>
+            <a:pPr>
+              <a:buFont typeface="Arial" panose="020B0604020202020204" pitchFamily="34" charset="0"/>
+              <a:buChar char="•"/>
+            </a:pPr>
+            <a:r>
+              <a:rPr lang="it-IT" i="1" dirty="0"/>
+              <a:t>Manipolazione dei dati</a:t>
+            </a:r>
+          </a:p>
+          <a:p>
+            <a:pPr>
+              <a:buFont typeface="Arial" panose="020B0604020202020204" pitchFamily="34" charset="0"/>
+              <a:buChar char="•"/>
+            </a:pPr>
+            <a:r>
+              <a:rPr lang="it-IT" i="1" dirty="0"/>
+              <a:t>Analisi dei PEAS</a:t>
+            </a:r>
+          </a:p>
+          <a:p>
+            <a:pPr>
+              <a:buFont typeface="Arial" panose="020B0604020202020204" pitchFamily="34" charset="0"/>
+              <a:buChar char="•"/>
+            </a:pPr>
+            <a:r>
+              <a:rPr lang="it-IT" i="1" dirty="0"/>
+              <a:t>Implementazione</a:t>
+            </a:r>
+          </a:p>
+          <a:p>
+            <a:pPr>
+              <a:buFont typeface="Arial" panose="020B0604020202020204" pitchFamily="34" charset="0"/>
+              <a:buChar char="•"/>
+            </a:pPr>
+            <a:r>
+              <a:rPr lang="it-IT" i="1" dirty="0"/>
+              <a:t>Scelte progettuali</a:t>
+            </a:r>
+          </a:p>
+          <a:p>
+            <a:pPr>
+              <a:buFont typeface="Arial" panose="020B0604020202020204" pitchFamily="34" charset="0"/>
+              <a:buChar char="•"/>
+            </a:pPr>
+            <a:r>
+              <a:rPr lang="it-IT" i="1" dirty="0" err="1"/>
+              <a:t>Elbow</a:t>
+            </a:r>
+            <a:r>
+              <a:rPr lang="it-IT" i="1" dirty="0"/>
+              <a:t> Point</a:t>
+            </a:r>
+          </a:p>
+          <a:p>
+            <a:pPr>
+              <a:buFont typeface="Arial" panose="020B0604020202020204" pitchFamily="34" charset="0"/>
+              <a:buChar char="•"/>
+            </a:pPr>
+            <a:r>
+              <a:rPr lang="it-IT" i="1" dirty="0"/>
+              <a:t>Indice di Silhouette</a:t>
+            </a:r>
+          </a:p>
+          <a:p>
+            <a:pPr>
+              <a:buFont typeface="Arial" panose="020B0604020202020204" pitchFamily="34" charset="0"/>
+              <a:buChar char="•"/>
+            </a:pPr>
+            <a:r>
+              <a:rPr lang="it-IT" i="1" dirty="0"/>
+              <a:t>Esempio di Esecuzione</a:t>
+            </a:r>
+          </a:p>
+          <a:p>
+            <a:pPr>
+              <a:buFont typeface="Arial" panose="020B0604020202020204" pitchFamily="34" charset="0"/>
+              <a:buChar char="•"/>
+            </a:pPr>
+            <a:endParaRPr lang="it-IT" i="1" dirty="0"/>
+          </a:p>
+          <a:p>
+            <a:pPr>
+              <a:buFont typeface="Arial" panose="020B0604020202020204" pitchFamily="34" charset="0"/>
+              <a:buChar char="•"/>
+            </a:pPr>
+            <a:endParaRPr lang="it-IT" i="1" dirty="0"/>
+          </a:p>
+          <a:p>
+            <a:pPr>
+              <a:buFont typeface="Arial" panose="020B0604020202020204" pitchFamily="34" charset="0"/>
+              <a:buChar char="•"/>
+            </a:pPr>
+            <a:endParaRPr lang="it-IT" i="1" dirty="0"/>
+          </a:p>
+          <a:p>
+            <a:pPr>
+              <a:buFont typeface="Arial" panose="020B0604020202020204" pitchFamily="34" charset="0"/>
+              <a:buChar char="•"/>
+            </a:pPr>
+            <a:endParaRPr lang="it-IT" i="1" dirty="0"/>
+          </a:p>
+          <a:p>
+            <a:pPr>
+              <a:buFont typeface="Arial" panose="020B0604020202020204" pitchFamily="34" charset="0"/>
+              <a:buChar char="•"/>
+            </a:pPr>
+            <a:endParaRPr lang="it-IT" i="1" dirty="0"/>
+          </a:p>
+        </p:txBody>
+      </p:sp>
+      <p:pic>
+        <p:nvPicPr>
+          <p:cNvPr id="5" name="Immagine 4">
+            <a:extLst>
+              <a:ext uri="{FF2B5EF4-FFF2-40B4-BE49-F238E27FC236}">
+                <a16:creationId xmlns:a16="http://schemas.microsoft.com/office/drawing/2014/main" id="{31724D6B-990B-4B8F-B663-BF5543E59042}"/>
+              </a:ext>
+            </a:extLst>
+          </p:cNvPr>
+          <p:cNvPicPr>
+            <a:picLocks noChangeAspect="1"/>
+          </p:cNvPicPr>
+          <p:nvPr/>
+        </p:nvPicPr>
+        <p:blipFill>
+          <a:blip r:embed="rId2"/>
+          <a:stretch>
+            <a:fillRect/>
+          </a:stretch>
+        </p:blipFill>
+        <p:spPr>
+          <a:xfrm>
+            <a:off x="5221457" y="882774"/>
+            <a:ext cx="5619750" cy="4914900"/>
+          </a:xfrm>
+          <a:prstGeom prst="rect">
+            <a:avLst/>
+          </a:prstGeom>
+        </p:spPr>
+      </p:pic>
+    </p:spTree>
+    <p:extLst>
+      <p:ext uri="{BB962C8B-B14F-4D97-AF65-F5344CB8AC3E}">
+        <p14:creationId xmlns:p14="http://schemas.microsoft.com/office/powerpoint/2010/main" val="917604595"/>
+      </p:ext>
+    </p:extLst>
+  </p:cSld>
+  <p:clrMapOvr>
+    <a:masterClrMapping/>
+  </p:clrMapOvr>
+</p:sld>
+</file>
+
+<file path=ppt/slides/slide3.xml><?xml version="1.0" encoding="utf-8"?>
+<p:sld xmlns:a="http://schemas.openxmlformats.org/drawingml/2006/main" xmlns:r="http://schemas.openxmlformats.org/officeDocument/2006/relationships" xmlns:p="http://schemas.openxmlformats.org/presentationml/2006/main">
+  <p:cSld>
+    <p:spTree>
+      <p:nvGrpSpPr>
+        <p:cNvPr id="1" name=""/>
+        <p:cNvGrpSpPr/>
+        <p:nvPr/>
+      </p:nvGrpSpPr>
+      <p:grpSpPr>
+        <a:xfrm>
+          <a:off x="0" y="0"/>
+          <a:ext cx="0" cy="0"/>
+          <a:chOff x="0" y="0"/>
+          <a:chExt cx="0" cy="0"/>
+        </a:xfrm>
+      </p:grpSpPr>
+      <p:pic>
+        <p:nvPicPr>
+          <p:cNvPr id="6" name="Immagine 5">
+            <a:extLst>
+              <a:ext uri="{FF2B5EF4-FFF2-40B4-BE49-F238E27FC236}">
+                <a16:creationId xmlns:a16="http://schemas.microsoft.com/office/drawing/2014/main" id="{62A603AE-BCB9-414A-92FC-BE0DC21BA3BA}"/>
+              </a:ext>
+            </a:extLst>
+          </p:cNvPr>
+          <p:cNvPicPr>
+            <a:picLocks noChangeAspect="1"/>
+          </p:cNvPicPr>
+          <p:nvPr/>
+        </p:nvPicPr>
+        <p:blipFill>
+          <a:blip r:embed="rId2">
+            <a:extLst>
+              <a:ext uri="{28A0092B-C50C-407E-A947-70E740481C1C}">
+                <a14:useLocalDpi xmlns:a14="http://schemas.microsoft.com/office/drawing/2010/main" val="0"/>
+              </a:ext>
+            </a:extLst>
+          </a:blip>
+          <a:stretch>
+            <a:fillRect/>
+          </a:stretch>
+        </p:blipFill>
+        <p:spPr>
+          <a:xfrm>
+            <a:off x="-1547092" y="1288937"/>
+            <a:ext cx="7771428" cy="5180952"/>
+          </a:xfrm>
+          <a:prstGeom prst="rect">
+            <a:avLst/>
+          </a:prstGeom>
+        </p:spPr>
+      </p:pic>
+      <p:sp>
+        <p:nvSpPr>
+          <p:cNvPr id="2" name="Titolo 1">
+            <a:extLst>
+              <a:ext uri="{FF2B5EF4-FFF2-40B4-BE49-F238E27FC236}">
+                <a16:creationId xmlns:a16="http://schemas.microsoft.com/office/drawing/2014/main" id="{A9D4F087-208E-4567-968B-A44F7704031D}"/>
+              </a:ext>
+            </a:extLst>
+          </p:cNvPr>
+          <p:cNvSpPr>
+            <a:spLocks noGrp="1"/>
+          </p:cNvSpPr>
+          <p:nvPr>
+            <p:ph type="title"/>
+          </p:nvPr>
+        </p:nvSpPr>
+        <p:spPr/>
+        <p:txBody>
+          <a:bodyPr/>
+          <a:lstStyle/>
+          <a:p>
+            <a:r>
+              <a:rPr lang="it-IT" dirty="0"/>
+              <a:t>INTRODUZIONE</a:t>
+            </a:r>
+          </a:p>
+        </p:txBody>
+      </p:sp>
+      <p:sp>
+        <p:nvSpPr>
+          <p:cNvPr id="3" name="Segnaposto contenuto 2">
+            <a:extLst>
+              <a:ext uri="{FF2B5EF4-FFF2-40B4-BE49-F238E27FC236}">
+                <a16:creationId xmlns:a16="http://schemas.microsoft.com/office/drawing/2014/main" id="{FFFF8238-2F5F-4A73-851B-A433B9B7D341}"/>
+              </a:ext>
+            </a:extLst>
+          </p:cNvPr>
+          <p:cNvSpPr>
+            <a:spLocks noGrp="1"/>
+          </p:cNvSpPr>
+          <p:nvPr>
+            <p:ph idx="1"/>
+          </p:nvPr>
+        </p:nvSpPr>
+        <p:spPr/>
+        <p:txBody>
+          <a:bodyPr>
+            <a:normAutofit/>
+          </a:bodyPr>
+          <a:lstStyle/>
+          <a:p>
+            <a:r>
+              <a:rPr lang="it-IT" sz="2400" dirty="0"/>
+              <a:t>Lo scopo è realizzare un servizio che possa suggerire libri da leggere in base ai gusti personali degli utilizzatori</a:t>
+            </a:r>
+          </a:p>
+        </p:txBody>
+      </p:sp>
+      <p:sp>
+        <p:nvSpPr>
+          <p:cNvPr id="7" name="Segnaposto contenuto 2">
+            <a:extLst>
+              <a:ext uri="{FF2B5EF4-FFF2-40B4-BE49-F238E27FC236}">
+                <a16:creationId xmlns:a16="http://schemas.microsoft.com/office/drawing/2014/main" id="{CBA6D41B-AEF3-4C60-9993-E0FFF8F40B00}"/>
+              </a:ext>
+            </a:extLst>
+          </p:cNvPr>
+          <p:cNvSpPr txBox="1">
+            <a:spLocks/>
+          </p:cNvSpPr>
+          <p:nvPr/>
+        </p:nvSpPr>
+        <p:spPr>
+          <a:xfrm>
+            <a:off x="4042610" y="3253742"/>
+            <a:ext cx="7603958" cy="3296411"/>
+          </a:xfrm>
+          <a:prstGeom prst="rect">
+            <a:avLst/>
+          </a:prstGeom>
+        </p:spPr>
+        <p:txBody>
+          <a:bodyPr vert="horz" lIns="91440" tIns="45720" rIns="91440" bIns="45720" rtlCol="0">
+            <a:normAutofit/>
+          </a:bodyPr>
+          <a:lstStyle>
+            <a:lvl1pPr marL="182880" indent="-182880" algn="l" defTabSz="914400" rtl="0" eaLnBrk="1" latinLnBrk="0" hangingPunct="1">
+              <a:lnSpc>
+                <a:spcPct val="110000"/>
+              </a:lnSpc>
+              <a:spcBef>
+                <a:spcPts val="900"/>
+              </a:spcBef>
+              <a:spcAft>
+                <a:spcPts val="0"/>
+              </a:spcAft>
+              <a:buClr>
+                <a:schemeClr val="tx1">
+                  <a:lumMod val="85000"/>
+                  <a:lumOff val="15000"/>
+                </a:schemeClr>
+              </a:buClr>
+              <a:buFont typeface="Garamond" pitchFamily="18" charset="0"/>
+              <a:buChar char="◦"/>
+              <a:defRPr sz="1500" kern="1200">
+                <a:solidFill>
+                  <a:schemeClr val="tx1"/>
+                </a:solidFill>
+                <a:latin typeface="+mn-lt"/>
+                <a:ea typeface="+mn-ea"/>
+                <a:cs typeface="+mn-cs"/>
+              </a:defRPr>
+            </a:lvl1pPr>
+            <a:lvl2pPr marL="457200" indent="-182880" algn="l" defTabSz="914400" rtl="0" eaLnBrk="1" latinLnBrk="0" hangingPunct="1">
+              <a:lnSpc>
+                <a:spcPct val="100000"/>
+              </a:lnSpc>
+              <a:spcBef>
+                <a:spcPts val="500"/>
+              </a:spcBef>
+              <a:buClr>
+                <a:schemeClr val="tx1">
+                  <a:lumMod val="85000"/>
+                  <a:lumOff val="15000"/>
+                </a:schemeClr>
+              </a:buClr>
+              <a:buFont typeface="Garamond" pitchFamily="18" charset="0"/>
+              <a:buChar char="◦"/>
+              <a:defRPr sz="1300" kern="1200">
+                <a:solidFill>
+                  <a:schemeClr val="tx1"/>
+                </a:solidFill>
+                <a:latin typeface="+mn-lt"/>
+                <a:ea typeface="+mn-ea"/>
+                <a:cs typeface="+mn-cs"/>
+              </a:defRPr>
+            </a:lvl2pPr>
+            <a:lvl3pPr marL="731520" indent="-182880" algn="l" defTabSz="914400" rtl="0" eaLnBrk="1" latinLnBrk="0" hangingPunct="1">
+              <a:lnSpc>
+                <a:spcPct val="100000"/>
+              </a:lnSpc>
+              <a:spcBef>
+                <a:spcPts val="500"/>
+              </a:spcBef>
+              <a:buClr>
+                <a:schemeClr val="tx1">
+                  <a:lumMod val="85000"/>
+                  <a:lumOff val="15000"/>
+                </a:schemeClr>
+              </a:buClr>
+              <a:buFont typeface="Garamond" pitchFamily="18" charset="0"/>
+              <a:buChar char="◦"/>
+              <a:defRPr sz="1200" kern="1200">
+                <a:solidFill>
+                  <a:schemeClr val="tx1"/>
+                </a:solidFill>
+                <a:latin typeface="+mn-lt"/>
+                <a:ea typeface="+mn-ea"/>
+                <a:cs typeface="+mn-cs"/>
+              </a:defRPr>
+            </a:lvl3pPr>
+            <a:lvl4pPr marL="1005840" indent="-182880" algn="l" defTabSz="914400" rtl="0" eaLnBrk="1" latinLnBrk="0" hangingPunct="1">
+              <a:lnSpc>
+                <a:spcPct val="100000"/>
+              </a:lnSpc>
+              <a:spcBef>
+                <a:spcPts val="500"/>
+              </a:spcBef>
+              <a:buClr>
+                <a:schemeClr val="tx1">
+                  <a:lumMod val="85000"/>
+                  <a:lumOff val="15000"/>
+                </a:schemeClr>
+              </a:buClr>
+              <a:buFont typeface="Garamond" pitchFamily="18" charset="0"/>
+              <a:buChar char="◦"/>
+              <a:defRPr sz="1200" kern="1200">
+                <a:solidFill>
+                  <a:schemeClr val="tx1"/>
+                </a:solidFill>
+                <a:latin typeface="+mn-lt"/>
+                <a:ea typeface="+mn-ea"/>
+                <a:cs typeface="+mn-cs"/>
+              </a:defRPr>
+            </a:lvl4pPr>
+            <a:lvl5pPr marL="1280160" indent="-182880" algn="l" defTabSz="914400" rtl="0" eaLnBrk="1" latinLnBrk="0" hangingPunct="1">
+              <a:lnSpc>
+                <a:spcPct val="100000"/>
+              </a:lnSpc>
+              <a:spcBef>
+                <a:spcPts val="500"/>
+              </a:spcBef>
+              <a:buClr>
+                <a:schemeClr val="tx1">
+                  <a:lumMod val="85000"/>
+                  <a:lumOff val="15000"/>
+                </a:schemeClr>
+              </a:buClr>
+              <a:buFont typeface="Garamond" pitchFamily="18" charset="0"/>
+              <a:buChar char="◦"/>
+              <a:defRPr sz="1200" kern="1200">
+                <a:solidFill>
+                  <a:schemeClr val="tx1"/>
+                </a:solidFill>
+                <a:latin typeface="+mn-lt"/>
+                <a:ea typeface="+mn-ea"/>
+                <a:cs typeface="+mn-cs"/>
+              </a:defRPr>
+            </a:lvl5pPr>
+            <a:lvl6pPr marL="1600000" indent="-228600" algn="l" defTabSz="914400" rtl="0" eaLnBrk="1" latinLnBrk="0" hangingPunct="1">
+              <a:lnSpc>
+                <a:spcPct val="100000"/>
+              </a:lnSpc>
+              <a:spcBef>
+                <a:spcPts val="500"/>
+              </a:spcBef>
+              <a:buClr>
+                <a:schemeClr val="tx1">
+                  <a:lumMod val="85000"/>
+                  <a:lumOff val="15000"/>
+                </a:schemeClr>
+              </a:buClr>
+              <a:buFont typeface="Garamond" pitchFamily="18" charset="0"/>
+              <a:buChar char="◦"/>
+              <a:defRPr sz="1400" kern="1200">
+                <a:solidFill>
+                  <a:schemeClr val="tx1"/>
+                </a:solidFill>
+                <a:latin typeface="+mn-lt"/>
+                <a:ea typeface="+mn-ea"/>
+                <a:cs typeface="+mn-cs"/>
+              </a:defRPr>
+            </a:lvl6pPr>
+            <a:lvl7pPr marL="1900000" indent="-228600" algn="l" defTabSz="914400" rtl="0" eaLnBrk="1" latinLnBrk="0" hangingPunct="1">
+              <a:lnSpc>
+                <a:spcPct val="100000"/>
+              </a:lnSpc>
+              <a:spcBef>
+                <a:spcPts val="500"/>
+              </a:spcBef>
+              <a:buClr>
+                <a:schemeClr val="tx1">
+                  <a:lumMod val="85000"/>
+                  <a:lumOff val="15000"/>
+                </a:schemeClr>
+              </a:buClr>
+              <a:buFont typeface="Garamond" pitchFamily="18" charset="0"/>
+              <a:buChar char="◦"/>
+              <a:defRPr sz="1400" kern="1200">
+                <a:solidFill>
+                  <a:schemeClr val="tx1"/>
+                </a:solidFill>
+                <a:latin typeface="+mn-lt"/>
+                <a:ea typeface="+mn-ea"/>
+                <a:cs typeface="+mn-cs"/>
+              </a:defRPr>
+            </a:lvl7pPr>
+            <a:lvl8pPr marL="2200000" indent="-228600" algn="l" defTabSz="914400" rtl="0" eaLnBrk="1" latinLnBrk="0" hangingPunct="1">
+              <a:lnSpc>
+                <a:spcPct val="100000"/>
+              </a:lnSpc>
+              <a:spcBef>
+                <a:spcPts val="500"/>
+              </a:spcBef>
+              <a:buClr>
+                <a:schemeClr val="tx1">
+                  <a:lumMod val="85000"/>
+                  <a:lumOff val="15000"/>
+                </a:schemeClr>
+              </a:buClr>
+              <a:buFont typeface="Garamond" pitchFamily="18" charset="0"/>
+              <a:buChar char="◦"/>
+              <a:defRPr sz="1400" kern="1200">
+                <a:solidFill>
+                  <a:schemeClr val="tx1"/>
+                </a:solidFill>
+                <a:latin typeface="+mn-lt"/>
+                <a:ea typeface="+mn-ea"/>
+                <a:cs typeface="+mn-cs"/>
+              </a:defRPr>
+            </a:lvl8pPr>
+            <a:lvl9pPr marL="2500000" indent="-228600" algn="l" defTabSz="914400" rtl="0" eaLnBrk="1" latinLnBrk="0" hangingPunct="1">
+              <a:lnSpc>
+                <a:spcPct val="100000"/>
+              </a:lnSpc>
+              <a:spcBef>
+                <a:spcPts val="500"/>
+              </a:spcBef>
+              <a:buClr>
+                <a:schemeClr val="tx1">
+                  <a:lumMod val="85000"/>
+                  <a:lumOff val="15000"/>
+                </a:schemeClr>
+              </a:buClr>
+              <a:buFont typeface="Garamond" pitchFamily="18" charset="0"/>
+              <a:buChar char="◦"/>
+              <a:defRPr sz="1400" kern="1200">
+                <a:solidFill>
+                  <a:schemeClr val="tx1"/>
+                </a:solidFill>
+                <a:latin typeface="+mn-lt"/>
+                <a:ea typeface="+mn-ea"/>
+                <a:cs typeface="+mn-cs"/>
+              </a:defRPr>
+            </a:lvl9pPr>
+          </a:lstStyle>
+          <a:p>
+            <a:pPr marL="0" indent="0">
+              <a:buNone/>
+            </a:pPr>
+            <a:r>
+              <a:rPr lang="it-IT" sz="2400" dirty="0"/>
+              <a:t>Questo servizio verrà integrato all’interno del sito web yourBook.it permettendo a chiunque voglia di lasciarsi suggerire da una IA.</a:t>
+            </a:r>
+          </a:p>
+        </p:txBody>
+      </p:sp>
+    </p:spTree>
+    <p:extLst>
+      <p:ext uri="{BB962C8B-B14F-4D97-AF65-F5344CB8AC3E}">
+        <p14:creationId xmlns:p14="http://schemas.microsoft.com/office/powerpoint/2010/main" val="1004517298"/>
+      </p:ext>
+    </p:extLst>
+  </p:cSld>
+  <p:clrMapOvr>
+    <a:masterClrMapping/>
+  </p:clrMapOvr>
+</p:sld>
+</file>
+
+<file path=ppt/slides/slide4.xml><?xml version="1.0" encoding="utf-8"?>
+<p:sld xmlns:a="http://schemas.openxmlformats.org/drawingml/2006/main" xmlns:r="http://schemas.openxmlformats.org/officeDocument/2006/relationships" xmlns:p="http://schemas.openxmlformats.org/presentationml/2006/main">
+  <p:cSld>
+    <p:spTree>
+      <p:nvGrpSpPr>
+        <p:cNvPr id="1" name=""/>
+        <p:cNvGrpSpPr/>
+        <p:nvPr/>
+      </p:nvGrpSpPr>
+      <p:grpSpPr>
+        <a:xfrm>
+          <a:off x="0" y="0"/>
+          <a:ext cx="0" cy="0"/>
+          <a:chOff x="0" y="0"/>
+          <a:chExt cx="0" cy="0"/>
+        </a:xfrm>
+      </p:grpSpPr>
+      <p:sp>
+        <p:nvSpPr>
+          <p:cNvPr id="2" name="Titolo 1">
+            <a:extLst>
+              <a:ext uri="{FF2B5EF4-FFF2-40B4-BE49-F238E27FC236}">
+                <a16:creationId xmlns:a16="http://schemas.microsoft.com/office/drawing/2014/main" id="{448A7EFF-A885-4626-A426-301B08F301BD}"/>
+              </a:ext>
+            </a:extLst>
+          </p:cNvPr>
+          <p:cNvSpPr>
+            <a:spLocks noGrp="1"/>
+          </p:cNvSpPr>
+          <p:nvPr>
+            <p:ph type="title"/>
+          </p:nvPr>
+        </p:nvSpPr>
+        <p:spPr/>
+        <p:txBody>
+          <a:bodyPr/>
+          <a:lstStyle/>
+          <a:p>
+            <a:r>
+              <a:rPr lang="it-IT" dirty="0"/>
+              <a:t>introduzione</a:t>
+            </a:r>
+          </a:p>
+        </p:txBody>
+      </p:sp>
+      <p:graphicFrame>
+        <p:nvGraphicFramePr>
+          <p:cNvPr id="5" name="Segnaposto contenuto 4">
+            <a:extLst>
+              <a:ext uri="{FF2B5EF4-FFF2-40B4-BE49-F238E27FC236}">
+                <a16:creationId xmlns:a16="http://schemas.microsoft.com/office/drawing/2014/main" id="{AE52B23C-FFB7-4D7B-8820-05C33313BBFC}"/>
+              </a:ext>
+            </a:extLst>
+          </p:cNvPr>
+          <p:cNvGraphicFramePr>
+            <a:graphicFrameLocks noGrp="1"/>
+          </p:cNvGraphicFramePr>
+          <p:nvPr>
+            <p:ph idx="1"/>
+            <p:extLst>
+              <p:ext uri="{D42A27DB-BD31-4B8C-83A1-F6EECF244321}">
+                <p14:modId xmlns:p14="http://schemas.microsoft.com/office/powerpoint/2010/main" val="2930465950"/>
+              </p:ext>
+            </p:extLst>
+          </p:nvPr>
+        </p:nvGraphicFramePr>
+        <p:xfrm>
+          <a:off x="1023938" y="1335024"/>
+          <a:ext cx="9720262" cy="4022725"/>
+        </p:xfrm>
+        <a:graphic>
+          <a:graphicData uri="http://schemas.openxmlformats.org/drawingml/2006/diagram">
+            <dgm:relIds xmlns:dgm="http://schemas.openxmlformats.org/drawingml/2006/diagram" xmlns:r="http://schemas.openxmlformats.org/officeDocument/2006/relationships" r:dm="rId2" r:lo="rId3" r:qs="rId4" r:cs="rId5"/>
+          </a:graphicData>
+        </a:graphic>
+      </p:graphicFrame>
+      <p:pic>
+        <p:nvPicPr>
+          <p:cNvPr id="2050" name="Picture 2" descr="Valutazione periodica">
+            <a:extLst>
+              <a:ext uri="{FF2B5EF4-FFF2-40B4-BE49-F238E27FC236}">
+                <a16:creationId xmlns:a16="http://schemas.microsoft.com/office/drawing/2014/main" id="{DC8F1D7A-536E-4169-BE55-D9AAAC3AE33A}"/>
+              </a:ext>
+            </a:extLst>
+          </p:cNvPr>
+          <p:cNvPicPr>
+            <a:picLocks noChangeAspect="1" noChangeArrowheads="1"/>
+          </p:cNvPicPr>
+          <p:nvPr/>
+        </p:nvPicPr>
+        <p:blipFill>
+          <a:blip r:embed="rId7">
+            <a:extLst>
+              <a:ext uri="{28A0092B-C50C-407E-A947-70E740481C1C}">
+                <a14:useLocalDpi xmlns:a14="http://schemas.microsoft.com/office/drawing/2010/main" val="0"/>
+              </a:ext>
+            </a:extLst>
+          </a:blip>
+          <a:srcRect/>
+          <a:stretch>
+            <a:fillRect/>
+          </a:stretch>
+        </p:blipFill>
+        <p:spPr bwMode="auto">
+          <a:xfrm>
+            <a:off x="3790764" y="4773169"/>
+            <a:ext cx="3447495" cy="1939216"/>
+          </a:xfrm>
+          <a:prstGeom prst="rect">
+            <a:avLst/>
+          </a:prstGeom>
+          <a:noFill/>
+          <a:extLst>
+            <a:ext uri="{909E8E84-426E-40DD-AFC4-6F175D3DCCD1}">
+              <a14:hiddenFill xmlns:a14="http://schemas.microsoft.com/office/drawing/2010/main">
+                <a:solidFill>
+                  <a:srgbClr val="FFFFFF"/>
+                </a:solidFill>
+              </a14:hiddenFill>
+            </a:ext>
+          </a:extLst>
+        </p:spPr>
+      </p:pic>
+    </p:spTree>
+    <p:extLst>
+      <p:ext uri="{BB962C8B-B14F-4D97-AF65-F5344CB8AC3E}">
+        <p14:creationId xmlns:p14="http://schemas.microsoft.com/office/powerpoint/2010/main" val="1867806573"/>
+      </p:ext>
+    </p:extLst>
+  </p:cSld>
+  <p:clrMapOvr>
+    <a:masterClrMapping/>
+  </p:clrMapOvr>
+</p:sld>
+</file>
+
+<file path=ppt/slides/slide5.xml><?xml version="1.0" encoding="utf-8"?>
+<p:sld xmlns:a="http://schemas.openxmlformats.org/drawingml/2006/main" xmlns:r="http://schemas.openxmlformats.org/officeDocument/2006/relationships" xmlns:p="http://schemas.openxmlformats.org/presentationml/2006/main">
+  <p:cSld>
+    <p:spTree>
+      <p:nvGrpSpPr>
+        <p:cNvPr id="1" name=""/>
+        <p:cNvGrpSpPr/>
+        <p:nvPr/>
+      </p:nvGrpSpPr>
+      <p:grpSpPr>
+        <a:xfrm>
+          <a:off x="0" y="0"/>
+          <a:ext cx="0" cy="0"/>
+          <a:chOff x="0" y="0"/>
+          <a:chExt cx="0" cy="0"/>
+        </a:xfrm>
+      </p:grpSpPr>
+      <p:sp>
+        <p:nvSpPr>
+          <p:cNvPr id="2" name="Titolo 1">
+            <a:extLst>
+              <a:ext uri="{FF2B5EF4-FFF2-40B4-BE49-F238E27FC236}">
+                <a16:creationId xmlns:a16="http://schemas.microsoft.com/office/drawing/2014/main" id="{A2B8EF6B-E7BC-42A9-8A67-96CAF7B87858}"/>
+              </a:ext>
+            </a:extLst>
+          </p:cNvPr>
+          <p:cNvSpPr>
+            <a:spLocks noGrp="1"/>
+          </p:cNvSpPr>
+          <p:nvPr>
+            <p:ph type="title"/>
+          </p:nvPr>
+        </p:nvSpPr>
+        <p:spPr/>
+        <p:txBody>
+          <a:bodyPr/>
+          <a:lstStyle/>
+          <a:p>
+            <a:r>
+              <a:rPr lang="it-IT" dirty="0"/>
+              <a:t>Raccolta dei dati</a:t>
+            </a:r>
+          </a:p>
+        </p:txBody>
+      </p:sp>
+      <p:sp>
+        <p:nvSpPr>
+          <p:cNvPr id="3" name="Segnaposto contenuto 2">
+            <a:extLst>
+              <a:ext uri="{FF2B5EF4-FFF2-40B4-BE49-F238E27FC236}">
+                <a16:creationId xmlns:a16="http://schemas.microsoft.com/office/drawing/2014/main" id="{876826F2-4025-456C-926A-D81111391C14}"/>
+              </a:ext>
+            </a:extLst>
+          </p:cNvPr>
+          <p:cNvSpPr>
+            <a:spLocks noGrp="1"/>
+          </p:cNvSpPr>
+          <p:nvPr>
+            <p:ph idx="1"/>
+          </p:nvPr>
+        </p:nvSpPr>
+        <p:spPr>
+          <a:xfrm>
+            <a:off x="1066799" y="2103120"/>
+            <a:ext cx="10092431" cy="876708"/>
+          </a:xfrm>
+        </p:spPr>
+        <p:txBody>
+          <a:bodyPr>
+            <a:normAutofit fontScale="40000" lnSpcReduction="20000"/>
+          </a:bodyPr>
+          <a:lstStyle/>
+          <a:p>
+            <a:r>
+              <a:rPr lang="it-IT" sz="5000" dirty="0"/>
+              <a:t>Dopo una ricerca online abbiamo trovato un dataset composto da 3 file, uno per gli utenti, uno per le valutazioni e uno per il libri. Il dataset era molto grande, contava circa 250k valutazioni. Per ogni file di seguito saranno mostrati gli attributi presenti</a:t>
+            </a:r>
+          </a:p>
+          <a:p>
+            <a:pPr marL="0" indent="0">
+              <a:buNone/>
+            </a:pPr>
+            <a:endParaRPr lang="it-IT" dirty="0"/>
+          </a:p>
+        </p:txBody>
+      </p:sp>
+      <p:graphicFrame>
+        <p:nvGraphicFramePr>
+          <p:cNvPr id="7" name="Tabella 7">
+            <a:extLst>
+              <a:ext uri="{FF2B5EF4-FFF2-40B4-BE49-F238E27FC236}">
+                <a16:creationId xmlns:a16="http://schemas.microsoft.com/office/drawing/2014/main" id="{FEDAEB42-9CD4-4A3B-A686-65084DC5360D}"/>
+              </a:ext>
+            </a:extLst>
+          </p:cNvPr>
+          <p:cNvGraphicFramePr>
+            <a:graphicFrameLocks noGrp="1"/>
+          </p:cNvGraphicFramePr>
+          <p:nvPr>
+            <p:extLst>
+              <p:ext uri="{D42A27DB-BD31-4B8C-83A1-F6EECF244321}">
+                <p14:modId xmlns:p14="http://schemas.microsoft.com/office/powerpoint/2010/main" val="3571457657"/>
+              </p:ext>
+            </p:extLst>
+          </p:nvPr>
+        </p:nvGraphicFramePr>
+        <p:xfrm>
+          <a:off x="1820164" y="2979828"/>
+          <a:ext cx="8127999" cy="2595880"/>
+        </p:xfrm>
+        <a:graphic>
+          <a:graphicData uri="http://schemas.openxmlformats.org/drawingml/2006/table">
+            <a:tbl>
+              <a:tblPr firstRow="1" bandRow="1">
+                <a:tableStyleId>{3B4B98B0-60AC-42C2-AFA5-B58CD77FA1E5}</a:tableStyleId>
+              </a:tblPr>
+              <a:tblGrid>
+                <a:gridCol w="2709333">
+                  <a:extLst>
+                    <a:ext uri="{9D8B030D-6E8A-4147-A177-3AD203B41FA5}">
+                      <a16:colId xmlns:a16="http://schemas.microsoft.com/office/drawing/2014/main" val="2390511843"/>
+                    </a:ext>
+                  </a:extLst>
+                </a:gridCol>
+                <a:gridCol w="2709333">
+                  <a:extLst>
+                    <a:ext uri="{9D8B030D-6E8A-4147-A177-3AD203B41FA5}">
+                      <a16:colId xmlns:a16="http://schemas.microsoft.com/office/drawing/2014/main" val="1911732011"/>
+                    </a:ext>
+                  </a:extLst>
+                </a:gridCol>
+                <a:gridCol w="2709333">
+                  <a:extLst>
+                    <a:ext uri="{9D8B030D-6E8A-4147-A177-3AD203B41FA5}">
+                      <a16:colId xmlns:a16="http://schemas.microsoft.com/office/drawing/2014/main" val="905873563"/>
+                    </a:ext>
+                  </a:extLst>
+                </a:gridCol>
+              </a:tblGrid>
+              <a:tr h="370840">
+                <a:tc>
+                  <a:txBody>
+                    <a:bodyPr/>
+                    <a:lstStyle/>
+                    <a:p>
+                      <a:pPr algn="ctr"/>
+                      <a:r>
+                        <a:rPr lang="it-IT" dirty="0"/>
+                        <a:t>LIBRI</a:t>
+                      </a:r>
+                    </a:p>
+                  </a:txBody>
+                  <a:tcPr/>
+                </a:tc>
+                <a:tc>
+                  <a:txBody>
+                    <a:bodyPr/>
+                    <a:lstStyle/>
+                    <a:p>
+                      <a:pPr algn="ctr"/>
+                      <a:r>
+                        <a:rPr lang="it-IT" dirty="0"/>
+                        <a:t>UTENTI</a:t>
+                      </a:r>
+                    </a:p>
+                  </a:txBody>
+                  <a:tcPr/>
+                </a:tc>
+                <a:tc>
+                  <a:txBody>
+                    <a:bodyPr/>
+                    <a:lstStyle/>
+                    <a:p>
+                      <a:pPr algn="ctr"/>
+                      <a:r>
+                        <a:rPr lang="it-IT" dirty="0"/>
+                        <a:t>RATING</a:t>
+                      </a:r>
+                    </a:p>
+                  </a:txBody>
+                  <a:tcPr/>
+                </a:tc>
+                <a:extLst>
+                  <a:ext uri="{0D108BD9-81ED-4DB2-BD59-A6C34878D82A}">
+                    <a16:rowId xmlns:a16="http://schemas.microsoft.com/office/drawing/2014/main" val="4231310490"/>
+                  </a:ext>
+                </a:extLst>
+              </a:tr>
+              <a:tr h="370840">
+                <a:tc>
+                  <a:txBody>
+                    <a:bodyPr/>
+                    <a:lstStyle/>
+                    <a:p>
+                      <a:pPr algn="ctr"/>
+                      <a:r>
+                        <a:rPr lang="it-IT" dirty="0"/>
+                        <a:t>ISBN</a:t>
+                      </a:r>
+                    </a:p>
+                  </a:txBody>
+                  <a:tcPr/>
+                </a:tc>
+                <a:tc>
+                  <a:txBody>
+                    <a:bodyPr/>
+                    <a:lstStyle/>
+                    <a:p>
+                      <a:pPr algn="ctr"/>
+                      <a:r>
+                        <a:rPr lang="it-IT" dirty="0"/>
+                        <a:t>User id</a:t>
+                      </a:r>
+                    </a:p>
+                  </a:txBody>
+                  <a:tcPr/>
+                </a:tc>
+                <a:tc>
+                  <a:txBody>
+                    <a:bodyPr/>
+                    <a:lstStyle/>
+                    <a:p>
+                      <a:pPr algn="ctr"/>
+                      <a:r>
+                        <a:rPr lang="it-IT" dirty="0"/>
+                        <a:t>ISBN</a:t>
+                      </a:r>
+                    </a:p>
+                  </a:txBody>
+                  <a:tcPr/>
+                </a:tc>
+                <a:extLst>
+                  <a:ext uri="{0D108BD9-81ED-4DB2-BD59-A6C34878D82A}">
+                    <a16:rowId xmlns:a16="http://schemas.microsoft.com/office/drawing/2014/main" val="1751235233"/>
+                  </a:ext>
+                </a:extLst>
+              </a:tr>
+              <a:tr h="370840">
+                <a:tc>
+                  <a:txBody>
+                    <a:bodyPr/>
+                    <a:lstStyle/>
+                    <a:p>
+                      <a:pPr algn="ctr"/>
+                      <a:r>
+                        <a:rPr lang="it-IT" dirty="0"/>
+                        <a:t>Titolo</a:t>
+                      </a:r>
+                    </a:p>
+                  </a:txBody>
+                  <a:tcPr/>
+                </a:tc>
+                <a:tc>
+                  <a:txBody>
+                    <a:bodyPr/>
+                    <a:lstStyle/>
+                    <a:p>
+                      <a:pPr algn="ctr"/>
+                      <a:r>
+                        <a:rPr lang="it-IT" dirty="0"/>
+                        <a:t>Location</a:t>
+                      </a:r>
+                    </a:p>
+                  </a:txBody>
+                  <a:tcPr/>
+                </a:tc>
+                <a:tc>
+                  <a:txBody>
+                    <a:bodyPr/>
+                    <a:lstStyle/>
+                    <a:p>
+                      <a:pPr algn="ctr"/>
+                      <a:r>
+                        <a:rPr lang="it-IT" dirty="0"/>
+                        <a:t>User id</a:t>
+                      </a:r>
+                    </a:p>
+                  </a:txBody>
+                  <a:tcPr/>
+                </a:tc>
+                <a:extLst>
+                  <a:ext uri="{0D108BD9-81ED-4DB2-BD59-A6C34878D82A}">
+                    <a16:rowId xmlns:a16="http://schemas.microsoft.com/office/drawing/2014/main" val="676020659"/>
+                  </a:ext>
+                </a:extLst>
+              </a:tr>
+              <a:tr h="370840">
+                <a:tc>
+                  <a:txBody>
+                    <a:bodyPr/>
+                    <a:lstStyle/>
+                    <a:p>
+                      <a:pPr algn="ctr"/>
+                      <a:r>
+                        <a:rPr lang="it-IT" dirty="0"/>
+                        <a:t>Autore</a:t>
+                      </a:r>
+                    </a:p>
+                  </a:txBody>
+                  <a:tcPr/>
+                </a:tc>
+                <a:tc>
+                  <a:txBody>
+                    <a:bodyPr/>
+                    <a:lstStyle/>
+                    <a:p>
+                      <a:pPr algn="ctr"/>
+                      <a:r>
+                        <a:rPr lang="it-IT" dirty="0"/>
+                        <a:t>Età</a:t>
+                      </a:r>
+                    </a:p>
+                  </a:txBody>
+                  <a:tcPr/>
+                </a:tc>
+                <a:tc>
+                  <a:txBody>
+                    <a:bodyPr/>
+                    <a:lstStyle/>
+                    <a:p>
+                      <a:pPr algn="ctr"/>
+                      <a:r>
+                        <a:rPr lang="it-IT" dirty="0"/>
+                        <a:t>Votazione Libro</a:t>
+                      </a:r>
+                    </a:p>
+                  </a:txBody>
+                  <a:tcPr/>
+                </a:tc>
+                <a:extLst>
+                  <a:ext uri="{0D108BD9-81ED-4DB2-BD59-A6C34878D82A}">
+                    <a16:rowId xmlns:a16="http://schemas.microsoft.com/office/drawing/2014/main" val="1782274899"/>
+                  </a:ext>
+                </a:extLst>
+              </a:tr>
+              <a:tr h="370840">
+                <a:tc>
+                  <a:txBody>
+                    <a:bodyPr/>
+                    <a:lstStyle/>
+                    <a:p>
+                      <a:pPr algn="ctr"/>
+                      <a:r>
+                        <a:rPr lang="it-IT" dirty="0"/>
+                        <a:t>Anno di Pubblicazione</a:t>
+                      </a:r>
+                    </a:p>
+                  </a:txBody>
+                  <a:tcPr/>
+                </a:tc>
+                <a:tc>
+                  <a:txBody>
+                    <a:bodyPr/>
+                    <a:lstStyle/>
+                    <a:p>
+                      <a:pPr algn="ctr"/>
+                      <a:endParaRPr lang="it-IT" dirty="0"/>
+                    </a:p>
+                  </a:txBody>
+                  <a:tcPr/>
+                </a:tc>
+                <a:tc>
+                  <a:txBody>
+                    <a:bodyPr/>
+                    <a:lstStyle/>
+                    <a:p>
+                      <a:pPr algn="ctr"/>
+                      <a:endParaRPr lang="it-IT" dirty="0"/>
+                    </a:p>
+                  </a:txBody>
+                  <a:tcPr/>
+                </a:tc>
+                <a:extLst>
+                  <a:ext uri="{0D108BD9-81ED-4DB2-BD59-A6C34878D82A}">
+                    <a16:rowId xmlns:a16="http://schemas.microsoft.com/office/drawing/2014/main" val="448732890"/>
+                  </a:ext>
+                </a:extLst>
+              </a:tr>
+              <a:tr h="370840">
+                <a:tc>
+                  <a:txBody>
+                    <a:bodyPr/>
+                    <a:lstStyle/>
+                    <a:p>
+                      <a:pPr algn="ctr"/>
+                      <a:r>
+                        <a:rPr lang="it-IT" dirty="0"/>
+                        <a:t>Editore</a:t>
+                      </a:r>
+                    </a:p>
+                  </a:txBody>
+                  <a:tcPr/>
+                </a:tc>
+                <a:tc>
+                  <a:txBody>
+                    <a:bodyPr/>
+                    <a:lstStyle/>
+                    <a:p>
+                      <a:pPr algn="ctr"/>
+                      <a:endParaRPr lang="it-IT" dirty="0"/>
+                    </a:p>
+                  </a:txBody>
+                  <a:tcPr/>
+                </a:tc>
+                <a:tc>
+                  <a:txBody>
+                    <a:bodyPr/>
+                    <a:lstStyle/>
+                    <a:p>
+                      <a:pPr algn="ctr"/>
+                      <a:endParaRPr lang="it-IT" dirty="0"/>
+                    </a:p>
+                  </a:txBody>
+                  <a:tcPr/>
+                </a:tc>
+                <a:extLst>
+                  <a:ext uri="{0D108BD9-81ED-4DB2-BD59-A6C34878D82A}">
+                    <a16:rowId xmlns:a16="http://schemas.microsoft.com/office/drawing/2014/main" val="3054911439"/>
+                  </a:ext>
+                </a:extLst>
+              </a:tr>
+              <a:tr h="370840">
+                <a:tc>
+                  <a:txBody>
+                    <a:bodyPr/>
+                    <a:lstStyle/>
+                    <a:p>
+                      <a:pPr algn="ctr"/>
+                      <a:r>
+                        <a:rPr lang="it-IT" dirty="0"/>
+                        <a:t>Immagini </a:t>
+                      </a:r>
+                    </a:p>
+                  </a:txBody>
+                  <a:tcPr/>
+                </a:tc>
+                <a:tc>
+                  <a:txBody>
+                    <a:bodyPr/>
+                    <a:lstStyle/>
+                    <a:p>
+                      <a:pPr algn="ctr"/>
+                      <a:endParaRPr lang="it-IT" dirty="0"/>
+                    </a:p>
+                  </a:txBody>
+                  <a:tcPr/>
+                </a:tc>
+                <a:tc>
+                  <a:txBody>
+                    <a:bodyPr/>
+                    <a:lstStyle/>
+                    <a:p>
+                      <a:pPr algn="ctr"/>
+                      <a:endParaRPr lang="it-IT" dirty="0"/>
+                    </a:p>
+                  </a:txBody>
+                  <a:tcPr/>
+                </a:tc>
+                <a:extLst>
+                  <a:ext uri="{0D108BD9-81ED-4DB2-BD59-A6C34878D82A}">
+                    <a16:rowId xmlns:a16="http://schemas.microsoft.com/office/drawing/2014/main" val="1536252247"/>
+                  </a:ext>
+                </a:extLst>
+              </a:tr>
+            </a:tbl>
+          </a:graphicData>
+        </a:graphic>
+      </p:graphicFrame>
+      <p:pic>
+        <p:nvPicPr>
+          <p:cNvPr id="4" name="Immagine 3">
+            <a:extLst>
+              <a:ext uri="{FF2B5EF4-FFF2-40B4-BE49-F238E27FC236}">
+                <a16:creationId xmlns:a16="http://schemas.microsoft.com/office/drawing/2014/main" id="{F250A464-B39F-4D88-823B-014B83B411F8}"/>
+              </a:ext>
+            </a:extLst>
+          </p:cNvPr>
+          <p:cNvPicPr>
+            <a:picLocks noChangeAspect="1"/>
+          </p:cNvPicPr>
+          <p:nvPr/>
+        </p:nvPicPr>
+        <p:blipFill>
+          <a:blip r:embed="rId2"/>
+          <a:stretch>
+            <a:fillRect/>
+          </a:stretch>
+        </p:blipFill>
+        <p:spPr>
+          <a:xfrm>
+            <a:off x="9126800" y="0"/>
+            <a:ext cx="2247900" cy="1971675"/>
+          </a:xfrm>
+          <a:prstGeom prst="rect">
+            <a:avLst/>
+          </a:prstGeom>
+        </p:spPr>
+      </p:pic>
+      <p:pic>
+        <p:nvPicPr>
+          <p:cNvPr id="5" name="Immagine 4">
+            <a:extLst>
+              <a:ext uri="{FF2B5EF4-FFF2-40B4-BE49-F238E27FC236}">
+                <a16:creationId xmlns:a16="http://schemas.microsoft.com/office/drawing/2014/main" id="{894381D6-2B2E-4AE2-B80F-5EB696FCEF33}"/>
+              </a:ext>
+            </a:extLst>
+          </p:cNvPr>
+          <p:cNvPicPr>
+            <a:picLocks noChangeAspect="1"/>
+          </p:cNvPicPr>
+          <p:nvPr/>
+        </p:nvPicPr>
+        <p:blipFill>
+          <a:blip r:embed="rId3"/>
+          <a:stretch>
+            <a:fillRect/>
+          </a:stretch>
+        </p:blipFill>
+        <p:spPr>
+          <a:xfrm>
+            <a:off x="4646230" y="5825901"/>
+            <a:ext cx="2933567" cy="893765"/>
+          </a:xfrm>
+          <a:prstGeom prst="rect">
+            <a:avLst/>
+          </a:prstGeom>
+        </p:spPr>
+      </p:pic>
+    </p:spTree>
+    <p:extLst>
+      <p:ext uri="{BB962C8B-B14F-4D97-AF65-F5344CB8AC3E}">
+        <p14:creationId xmlns:p14="http://schemas.microsoft.com/office/powerpoint/2010/main" val="3253495576"/>
+      </p:ext>
+    </p:extLst>
+  </p:cSld>
+  <p:clrMapOvr>
+    <a:masterClrMapping/>
+  </p:clrMapOvr>
+  <p:timing>
+    <p:tnLst>
+      <p:par>
+        <p:cTn id="1" dur="indefinite" restart="never" nodeType="tmRoot">
+          <p:childTnLst>
+            <p:seq concurrent="1" nextAc="seek">
+              <p:cTn id="2" dur="indefinite" nodeType="mainSeq">
+                <p:childTnLst>
+                  <p:par>
+                    <p:cTn id="3" fill="hold">
+                      <p:stCondLst>
+                        <p:cond delay="indefinite"/>
+                      </p:stCondLst>
+                      <p:childTnLst>
+                        <p:par>
+                          <p:cTn id="4" fill="hold">
+                            <p:stCondLst>
+                              <p:cond delay="0"/>
+                            </p:stCondLst>
+                            <p:childTnLst>
+                              <p:par>
+                                <p:cTn id="5" presetID="42" presetClass="entr" presetSubtype="0" fill="hold" nodeType="clickEffect">
+                                  <p:stCondLst>
+                                    <p:cond delay="0"/>
+                                  </p:stCondLst>
+                                  <p:childTnLst>
+                                    <p:set>
+                                      <p:cBhvr>
+                                        <p:cTn id="6" dur="1" fill="hold">
+                                          <p:stCondLst>
+                                            <p:cond delay="0"/>
+                                          </p:stCondLst>
+                                        </p:cTn>
+                                        <p:tgtEl>
+                                          <p:spTgt spid="7"/>
+                                        </p:tgtEl>
+                                        <p:attrNameLst>
+                                          <p:attrName>style.visibility</p:attrName>
+                                        </p:attrNameLst>
+                                      </p:cBhvr>
+                                      <p:to>
+                                        <p:strVal val="visible"/>
+                                      </p:to>
+                                    </p:set>
+                                    <p:animEffect transition="in" filter="fade">
+                                      <p:cBhvr>
+                                        <p:cTn id="7" dur="1000"/>
+                                        <p:tgtEl>
+                                          <p:spTgt spid="7"/>
+                                        </p:tgtEl>
+                                      </p:cBhvr>
+                                    </p:animEffect>
+                                    <p:anim calcmode="lin" valueType="num">
+                                      <p:cBhvr>
+                                        <p:cTn id="8" dur="1000" fill="hold"/>
+                                        <p:tgtEl>
+                                          <p:spTgt spid="7"/>
+                                        </p:tgtEl>
+                                        <p:attrNameLst>
+                                          <p:attrName>ppt_x</p:attrName>
+                                        </p:attrNameLst>
+                                      </p:cBhvr>
+                                      <p:tavLst>
+                                        <p:tav tm="0">
+                                          <p:val>
+                                            <p:strVal val="#ppt_x"/>
+                                          </p:val>
+                                        </p:tav>
+                                        <p:tav tm="100000">
+                                          <p:val>
+                                            <p:strVal val="#ppt_x"/>
+                                          </p:val>
+                                        </p:tav>
+                                      </p:tavLst>
+                                    </p:anim>
+                                    <p:anim calcmode="lin" valueType="num">
+                                      <p:cBhvr>
+                                        <p:cTn id="9" dur="1000" fill="hold"/>
+                                        <p:tgtEl>
+                                          <p:spTgt spid="7"/>
+                                        </p:tgtEl>
+                                        <p:attrNameLst>
+                                          <p:attrName>ppt_y</p:attrName>
+                                        </p:attrNameLst>
+                                      </p:cBhvr>
+                                      <p:tavLst>
+                                        <p:tav tm="0">
+                                          <p:val>
+                                            <p:strVal val="#ppt_y+.1"/>
+                                          </p:val>
+                                        </p:tav>
+                                        <p:tav tm="100000">
+                                          <p:val>
+                                            <p:strVal val="#ppt_y"/>
+                                          </p:val>
+                                        </p:tav>
+                                      </p:tavLst>
+                                    </p:anim>
+                                  </p:childTnLst>
+                                </p:cTn>
+                              </p:par>
+                            </p:childTnLst>
+                          </p:cTn>
+                        </p:par>
+                      </p:childTnLst>
+                    </p:cTn>
+                  </p:par>
+                  <p:par>
+                    <p:cTn id="10" fill="hold">
+                      <p:stCondLst>
+                        <p:cond delay="indefinite"/>
+                      </p:stCondLst>
+                      <p:childTnLst>
+                        <p:par>
+                          <p:cTn id="11" fill="hold">
+                            <p:stCondLst>
+                              <p:cond delay="0"/>
+                            </p:stCondLst>
+                            <p:childTnLst>
+                              <p:par>
+                                <p:cTn id="12" presetID="10" presetClass="entr" presetSubtype="0" fill="hold" nodeType="clickEffect">
+                                  <p:stCondLst>
+                                    <p:cond delay="0"/>
+                                  </p:stCondLst>
+                                  <p:childTnLst>
+                                    <p:set>
+                                      <p:cBhvr>
+                                        <p:cTn id="13" dur="1" fill="hold">
+                                          <p:stCondLst>
+                                            <p:cond delay="0"/>
+                                          </p:stCondLst>
+                                        </p:cTn>
+                                        <p:tgtEl>
+                                          <p:spTgt spid="5"/>
+                                        </p:tgtEl>
+                                        <p:attrNameLst>
+                                          <p:attrName>style.visibility</p:attrName>
+                                        </p:attrNameLst>
+                                      </p:cBhvr>
+                                      <p:to>
+                                        <p:strVal val="visible"/>
+                                      </p:to>
+                                    </p:set>
+                                    <p:animEffect transition="in" filter="fade">
+                                      <p:cBhvr>
+                                        <p:cTn id="14" dur="500"/>
+                                        <p:tgtEl>
+                                          <p:spTgt spid="5"/>
+                                        </p:tgtEl>
+                                      </p:cBhvr>
+                                    </p:animEffect>
+                                  </p:childTnLst>
+                                </p:cTn>
+                              </p:par>
+                            </p:childTnLst>
+                          </p:cTn>
+                        </p:par>
+                      </p:childTnLst>
+                    </p:cTn>
+                  </p:par>
+                </p:childTnLst>
+              </p:cTn>
+              <p:prevCondLst>
+                <p:cond evt="onPrev" delay="0">
+                  <p:tgtEl>
+                    <p:sldTgt/>
+                  </p:tgtEl>
+                </p:cond>
+              </p:prevCondLst>
+              <p:nextCondLst>
+                <p:cond evt="onNext" delay="0">
+                  <p:tgtEl>
+                    <p:sldTgt/>
+                  </p:tgtEl>
+                </p:cond>
+              </p:nextCondLst>
+            </p:seq>
+          </p:childTnLst>
+        </p:cTn>
+      </p:par>
+    </p:tnLst>
+  </p:timing>
+</p:sld>
+</file>
+
+<file path=ppt/slides/slide6.xml><?xml version="1.0" encoding="utf-8"?>
+<p:sld xmlns:a="http://schemas.openxmlformats.org/drawingml/2006/main" xmlns:r="http://schemas.openxmlformats.org/officeDocument/2006/relationships" xmlns:p="http://schemas.openxmlformats.org/presentationml/2006/main">
+  <p:cSld>
+    <p:spTree>
+      <p:nvGrpSpPr>
+        <p:cNvPr id="1" name=""/>
+        <p:cNvGrpSpPr/>
+        <p:nvPr/>
+      </p:nvGrpSpPr>
+      <p:grpSpPr>
+        <a:xfrm>
+          <a:off x="0" y="0"/>
+          <a:ext cx="0" cy="0"/>
+          <a:chOff x="0" y="0"/>
+          <a:chExt cx="0" cy="0"/>
+        </a:xfrm>
+      </p:grpSpPr>
+      <p:sp>
+        <p:nvSpPr>
+          <p:cNvPr id="2" name="Titolo 1">
+            <a:extLst>
+              <a:ext uri="{FF2B5EF4-FFF2-40B4-BE49-F238E27FC236}">
+                <a16:creationId xmlns:a16="http://schemas.microsoft.com/office/drawing/2014/main" id="{DD548DD6-20FE-4A48-A25E-216CCAA3D5A5}"/>
+              </a:ext>
+            </a:extLst>
+          </p:cNvPr>
+          <p:cNvSpPr>
+            <a:spLocks noGrp="1"/>
+          </p:cNvSpPr>
+          <p:nvPr>
+            <p:ph type="title"/>
+          </p:nvPr>
+        </p:nvSpPr>
+        <p:spPr/>
+        <p:txBody>
+          <a:bodyPr/>
+          <a:lstStyle/>
+          <a:p>
+            <a:r>
+              <a:rPr lang="it-IT" dirty="0"/>
+              <a:t>Manipolazione dei dati</a:t>
+            </a:r>
+          </a:p>
+        </p:txBody>
+      </p:sp>
+      <p:sp>
+        <p:nvSpPr>
+          <p:cNvPr id="3" name="Segnaposto contenuto 2">
+            <a:extLst>
+              <a:ext uri="{FF2B5EF4-FFF2-40B4-BE49-F238E27FC236}">
+                <a16:creationId xmlns:a16="http://schemas.microsoft.com/office/drawing/2014/main" id="{7321B9C0-D2AF-48DA-B5EF-E811ADC7D640}"/>
+              </a:ext>
+            </a:extLst>
+          </p:cNvPr>
+          <p:cNvSpPr>
+            <a:spLocks noGrp="1"/>
+          </p:cNvSpPr>
+          <p:nvPr>
+            <p:ph idx="1"/>
+          </p:nvPr>
+        </p:nvSpPr>
+        <p:spPr/>
+        <p:txBody>
+          <a:bodyPr/>
+          <a:lstStyle/>
+          <a:p>
+            <a:r>
+              <a:rPr lang="it-IT" dirty="0"/>
+              <a:t>Le operazioni che abbiamo effettuato sul dataset sono:</a:t>
+            </a:r>
+          </a:p>
+          <a:p>
+            <a:pPr>
+              <a:buFont typeface="Arial" panose="020B0604020202020204" pitchFamily="34" charset="0"/>
+              <a:buChar char="•"/>
+            </a:pPr>
+            <a:r>
+              <a:rPr lang="it-IT" dirty="0"/>
+              <a:t>Eliminato i dati </a:t>
+            </a:r>
+            <a:r>
+              <a:rPr lang="it-IT" dirty="0" err="1"/>
+              <a:t>null</a:t>
+            </a:r>
+            <a:r>
+              <a:rPr lang="it-IT" dirty="0"/>
+              <a:t> e duplicati da tutti e tre i file </a:t>
+            </a:r>
+          </a:p>
+          <a:p>
+            <a:pPr>
+              <a:buFont typeface="Arial" panose="020B0604020202020204" pitchFamily="34" charset="0"/>
+              <a:buChar char="•"/>
+            </a:pPr>
+            <a:r>
+              <a:rPr lang="it-IT" dirty="0"/>
+              <a:t>Eliminato gli utenti di </a:t>
+            </a:r>
+            <a:r>
+              <a:rPr lang="it-IT" dirty="0" err="1"/>
+              <a:t>etá</a:t>
+            </a:r>
+            <a:r>
+              <a:rPr lang="it-IT" dirty="0"/>
+              <a:t> &gt;= 80 &amp;&amp; &lt;=10</a:t>
+            </a:r>
+          </a:p>
+          <a:p>
+            <a:pPr>
+              <a:buFont typeface="Arial" panose="020B0604020202020204" pitchFamily="34" charset="0"/>
+              <a:buChar char="•"/>
+            </a:pPr>
+            <a:r>
+              <a:rPr lang="it-IT" dirty="0"/>
+              <a:t>Eliminato i libri con pubblicazione &lt;=1200</a:t>
+            </a:r>
+          </a:p>
+          <a:p>
+            <a:pPr>
+              <a:buFont typeface="Arial" panose="020B0604020202020204" pitchFamily="34" charset="0"/>
+              <a:buChar char="•"/>
+            </a:pPr>
+            <a:r>
+              <a:rPr lang="it-IT" dirty="0"/>
+              <a:t>Eliminato i link alle immagini delle copertine</a:t>
+            </a:r>
+          </a:p>
+          <a:p>
+            <a:pPr>
+              <a:buFont typeface="Arial" panose="020B0604020202020204" pitchFamily="34" charset="0"/>
+              <a:buChar char="•"/>
+            </a:pPr>
+            <a:r>
+              <a:rPr lang="it-IT" dirty="0"/>
+              <a:t>Eliminato gli editori</a:t>
+            </a:r>
+          </a:p>
+          <a:p>
+            <a:pPr>
+              <a:buFont typeface="Arial" panose="020B0604020202020204" pitchFamily="34" charset="0"/>
+              <a:buChar char="•"/>
+            </a:pPr>
+            <a:r>
+              <a:rPr lang="it-IT" dirty="0"/>
+              <a:t>Fatto il merge dei tre file</a:t>
+            </a:r>
+          </a:p>
+        </p:txBody>
+      </p:sp>
+      <p:sp>
+        <p:nvSpPr>
+          <p:cNvPr id="4" name="Segnaposto data 3">
+            <a:extLst>
+              <a:ext uri="{FF2B5EF4-FFF2-40B4-BE49-F238E27FC236}">
+                <a16:creationId xmlns:a16="http://schemas.microsoft.com/office/drawing/2014/main" id="{CAFA02FD-817A-4B84-A073-48739A6FA4B7}"/>
+              </a:ext>
+            </a:extLst>
+          </p:cNvPr>
+          <p:cNvSpPr>
+            <a:spLocks noGrp="1"/>
+          </p:cNvSpPr>
+          <p:nvPr>
+            <p:ph type="dt" sz="half" idx="10"/>
+          </p:nvPr>
+        </p:nvSpPr>
+        <p:spPr/>
+        <p:txBody>
+          <a:bodyPr/>
+          <a:lstStyle/>
+          <a:p>
+            <a:pPr rtl="0"/>
+            <a:fld id="{85E0D28E-6F2F-4715-A424-3B01AC64AD4B}" type="datetime1">
+              <a:rPr lang="it-IT" smtClean="0"/>
+              <a:t>23/03/2021</a:t>
+            </a:fld>
+            <a:endParaRPr lang="en-US" dirty="0"/>
+          </a:p>
+        </p:txBody>
+      </p:sp>
+      <p:pic>
+        <p:nvPicPr>
+          <p:cNvPr id="3074" name="Picture 2" descr="Illustrazione dell'icona di doodle di ingranaggio | Vettore Gratis">
+            <a:extLst>
+              <a:ext uri="{FF2B5EF4-FFF2-40B4-BE49-F238E27FC236}">
+                <a16:creationId xmlns:a16="http://schemas.microsoft.com/office/drawing/2014/main" id="{DE17D564-9024-423B-8553-FF588F0C4A4D}"/>
+              </a:ext>
+            </a:extLst>
+          </p:cNvPr>
+          <p:cNvPicPr>
+            <a:picLocks noChangeAspect="1" noChangeArrowheads="1"/>
+          </p:cNvPicPr>
+          <p:nvPr/>
+        </p:nvPicPr>
+        <p:blipFill>
+          <a:blip r:embed="rId2">
+            <a:extLst>
+              <a:ext uri="{28A0092B-C50C-407E-A947-70E740481C1C}">
+                <a14:useLocalDpi xmlns:a14="http://schemas.microsoft.com/office/drawing/2010/main" val="0"/>
+              </a:ext>
+            </a:extLst>
+          </a:blip>
+          <a:srcRect/>
+          <a:stretch>
+            <a:fillRect/>
+          </a:stretch>
+        </p:blipFill>
+        <p:spPr bwMode="auto">
+          <a:xfrm>
+            <a:off x="7965582" y="408373"/>
+            <a:ext cx="4226418" cy="4226418"/>
+          </a:xfrm>
+          <a:prstGeom prst="rect">
+            <a:avLst/>
+          </a:prstGeom>
+          <a:noFill/>
+          <a:extLst>
+            <a:ext uri="{909E8E84-426E-40DD-AFC4-6F175D3DCCD1}">
+              <a14:hiddenFill xmlns:a14="http://schemas.microsoft.com/office/drawing/2010/main">
+                <a:solidFill>
+                  <a:srgbClr val="FFFFFF"/>
+                </a:solidFill>
+              </a14:hiddenFill>
+            </a:ext>
+          </a:extLst>
+        </p:spPr>
+      </p:pic>
+    </p:spTree>
+    <p:extLst>
+      <p:ext uri="{BB962C8B-B14F-4D97-AF65-F5344CB8AC3E}">
+        <p14:creationId xmlns:p14="http://schemas.microsoft.com/office/powerpoint/2010/main" val="4107723122"/>
+      </p:ext>
+    </p:extLst>
+  </p:cSld>
+  <p:clrMapOvr>
+    <a:masterClrMapping/>
+  </p:clrMapOvr>
+</p:sld>
+</file>
+
+<file path=ppt/slides/slide7.xml><?xml version="1.0" encoding="utf-8"?>
+<p:sld xmlns:a="http://schemas.openxmlformats.org/drawingml/2006/main" xmlns:r="http://schemas.openxmlformats.org/officeDocument/2006/relationships" xmlns:p="http://schemas.openxmlformats.org/presentationml/2006/main">
+  <p:cSld>
+    <p:spTree>
+      <p:nvGrpSpPr>
+        <p:cNvPr id="1" name=""/>
+        <p:cNvGrpSpPr/>
+        <p:nvPr/>
+      </p:nvGrpSpPr>
+      <p:grpSpPr>
+        <a:xfrm>
+          <a:off x="0" y="0"/>
+          <a:ext cx="0" cy="0"/>
+          <a:chOff x="0" y="0"/>
+          <a:chExt cx="0" cy="0"/>
+        </a:xfrm>
+      </p:grpSpPr>
+      <p:sp>
+        <p:nvSpPr>
+          <p:cNvPr id="2" name="Titolo 1">
+            <a:extLst>
+              <a:ext uri="{FF2B5EF4-FFF2-40B4-BE49-F238E27FC236}">
+                <a16:creationId xmlns:a16="http://schemas.microsoft.com/office/drawing/2014/main" id="{059531C0-2273-468A-9A56-2B4EA93F5D0B}"/>
+              </a:ext>
+            </a:extLst>
+          </p:cNvPr>
+          <p:cNvSpPr>
+            <a:spLocks noGrp="1"/>
+          </p:cNvSpPr>
+          <p:nvPr>
+            <p:ph type="title"/>
+          </p:nvPr>
+        </p:nvSpPr>
+        <p:spPr/>
+        <p:txBody>
+          <a:bodyPr/>
+          <a:lstStyle/>
+          <a:p>
+            <a:r>
+              <a:rPr lang="it-IT" dirty="0"/>
+              <a:t>Analisi dei peas</a:t>
+            </a:r>
+          </a:p>
+        </p:txBody>
+      </p:sp>
+      <p:sp>
+        <p:nvSpPr>
+          <p:cNvPr id="3" name="Segnaposto contenuto 2">
+            <a:extLst>
+              <a:ext uri="{FF2B5EF4-FFF2-40B4-BE49-F238E27FC236}">
+                <a16:creationId xmlns:a16="http://schemas.microsoft.com/office/drawing/2014/main" id="{84DE51B8-7FCD-4D0A-8475-58B8EF26E7DB}"/>
+              </a:ext>
+            </a:extLst>
+          </p:cNvPr>
+          <p:cNvSpPr>
+            <a:spLocks noGrp="1"/>
+          </p:cNvSpPr>
+          <p:nvPr>
+            <p:ph idx="1"/>
+          </p:nvPr>
+        </p:nvSpPr>
+        <p:spPr>
+          <a:xfrm>
+            <a:off x="1024128" y="2084832"/>
+            <a:ext cx="9720073" cy="4023360"/>
+          </a:xfrm>
+        </p:spPr>
+        <p:txBody>
+          <a:bodyPr>
+            <a:normAutofit/>
+          </a:bodyPr>
+          <a:lstStyle/>
+          <a:p>
+            <a:pPr>
+              <a:buFont typeface="Wingdings" panose="05000000000000000000" pitchFamily="2" charset="2"/>
+              <a:buChar char="ü"/>
+            </a:pPr>
+            <a:r>
+              <a:rPr lang="it-IT" b="1" dirty="0"/>
+              <a:t>Performance</a:t>
+            </a:r>
+            <a:r>
+              <a:rPr lang="it-IT" dirty="0"/>
+              <a:t> (misure di prestazione): la misura di prestazione adottata si basa su quanto gli elementi (i libri) dell’insieme individuato dall’algoritmo vengano apprezzati dall’utente</a:t>
+            </a:r>
+          </a:p>
+          <a:p>
+            <a:pPr>
+              <a:buFont typeface="Wingdings" panose="05000000000000000000" pitchFamily="2" charset="2"/>
+              <a:buChar char="ü"/>
+            </a:pPr>
+            <a:r>
+              <a:rPr lang="it-IT" b="1" dirty="0"/>
+              <a:t>Environment</a:t>
+            </a:r>
+            <a:r>
+              <a:rPr lang="it-IT" dirty="0"/>
+              <a:t> (descrizione elementi dell’ambiente): l’ambiente è costituito da tutti i libri e le relative recensione fornite dall’utente. L’ambiente definito è: </a:t>
+            </a:r>
+          </a:p>
+          <a:p>
+            <a:pPr lvl="1">
+              <a:buFont typeface="Wingdings" panose="05000000000000000000" pitchFamily="2" charset="2"/>
+              <a:buChar char="ü"/>
+            </a:pPr>
+            <a:r>
+              <a:rPr lang="it-IT" dirty="0"/>
+              <a:t>Statico: durante l’esecuzione non cambia</a:t>
+            </a:r>
+          </a:p>
+          <a:p>
+            <a:pPr lvl="1">
+              <a:buFont typeface="Wingdings" panose="05000000000000000000" pitchFamily="2" charset="2"/>
+              <a:buChar char="ü"/>
+            </a:pPr>
+            <a:r>
+              <a:rPr lang="it-IT" dirty="0"/>
+              <a:t>Episodico: le scelte dipenderanno dalla percezione in quel dato istante del singolo episodio </a:t>
+            </a:r>
+          </a:p>
+          <a:p>
+            <a:pPr lvl="1">
+              <a:buFont typeface="Wingdings" panose="05000000000000000000" pitchFamily="2" charset="2"/>
+              <a:buChar char="ü"/>
+            </a:pPr>
+            <a:r>
+              <a:rPr lang="it-IT" dirty="0"/>
+              <a:t>Discreto: numero limitato di percezioni ed azioni</a:t>
+            </a:r>
+          </a:p>
+          <a:p>
+            <a:pPr lvl="1">
+              <a:buFont typeface="Wingdings" panose="05000000000000000000" pitchFamily="2" charset="2"/>
+              <a:buChar char="ü"/>
+            </a:pPr>
+            <a:r>
+              <a:rPr lang="it-IT" dirty="0"/>
+              <a:t>Deterministico: lo stato successivo è determinato dallo stato corrente e dall’azione eseguita dall’agente </a:t>
+            </a:r>
+          </a:p>
+          <a:p>
+            <a:pPr lvl="1">
+              <a:buFont typeface="Wingdings" panose="05000000000000000000" pitchFamily="2" charset="2"/>
+              <a:buChar char="ü"/>
+            </a:pPr>
+            <a:r>
+              <a:rPr lang="it-IT" dirty="0"/>
+              <a:t>Agente singolo: è presente un solo agente</a:t>
+            </a:r>
+          </a:p>
+        </p:txBody>
+      </p:sp>
+    </p:spTree>
+    <p:extLst>
+      <p:ext uri="{BB962C8B-B14F-4D97-AF65-F5344CB8AC3E}">
+        <p14:creationId xmlns:p14="http://schemas.microsoft.com/office/powerpoint/2010/main" val="3997909189"/>
+      </p:ext>
+    </p:extLst>
+  </p:cSld>
+  <p:clrMapOvr>
+    <a:masterClrMapping/>
+  </p:clrMapOvr>
+</p:sld>
+</file>
+
+<file path=ppt/slides/slide8.xml><?xml version="1.0" encoding="utf-8"?>
+<p:sld xmlns:a="http://schemas.openxmlformats.org/drawingml/2006/main" xmlns:r="http://schemas.openxmlformats.org/officeDocument/2006/relationships" xmlns:p="http://schemas.openxmlformats.org/presentationml/2006/main">
+  <p:cSld>
+    <p:spTree>
+      <p:nvGrpSpPr>
+        <p:cNvPr id="1" name=""/>
+        <p:cNvGrpSpPr/>
+        <p:nvPr/>
+      </p:nvGrpSpPr>
+      <p:grpSpPr>
+        <a:xfrm>
+          <a:off x="0" y="0"/>
+          <a:ext cx="0" cy="0"/>
+          <a:chOff x="0" y="0"/>
+          <a:chExt cx="0" cy="0"/>
+        </a:xfrm>
+      </p:grpSpPr>
+      <p:sp>
+        <p:nvSpPr>
+          <p:cNvPr id="2" name="Titolo 1">
+            <a:extLst>
+              <a:ext uri="{FF2B5EF4-FFF2-40B4-BE49-F238E27FC236}">
+                <a16:creationId xmlns:a16="http://schemas.microsoft.com/office/drawing/2014/main" id="{805989F6-FD30-49A3-8164-128CDC3EEAF5}"/>
+              </a:ext>
+            </a:extLst>
+          </p:cNvPr>
+          <p:cNvSpPr>
+            <a:spLocks noGrp="1"/>
+          </p:cNvSpPr>
+          <p:nvPr>
+            <p:ph type="title"/>
+          </p:nvPr>
+        </p:nvSpPr>
+        <p:spPr/>
+        <p:txBody>
+          <a:bodyPr/>
+          <a:lstStyle/>
+          <a:p>
+            <a:r>
+              <a:rPr lang="it-IT" dirty="0"/>
+              <a:t>Analisi dei </a:t>
+            </a:r>
+            <a:r>
+              <a:rPr lang="it-IT" dirty="0" err="1"/>
+              <a:t>Peas</a:t>
+            </a:r>
+            <a:endParaRPr lang="it-IT" dirty="0"/>
+          </a:p>
+        </p:txBody>
+      </p:sp>
+      <p:sp>
+        <p:nvSpPr>
+          <p:cNvPr id="3" name="Segnaposto contenuto 2">
+            <a:extLst>
+              <a:ext uri="{FF2B5EF4-FFF2-40B4-BE49-F238E27FC236}">
+                <a16:creationId xmlns:a16="http://schemas.microsoft.com/office/drawing/2014/main" id="{95365D02-B13B-4C66-8400-39D5EB1870C4}"/>
+              </a:ext>
+            </a:extLst>
+          </p:cNvPr>
+          <p:cNvSpPr>
+            <a:spLocks noGrp="1"/>
+          </p:cNvSpPr>
+          <p:nvPr>
+            <p:ph idx="1"/>
+          </p:nvPr>
+        </p:nvSpPr>
+        <p:spPr/>
+        <p:txBody>
+          <a:bodyPr/>
+          <a:lstStyle/>
+          <a:p>
+            <a:pPr>
+              <a:buFont typeface="Wingdings" panose="05000000000000000000" pitchFamily="2" charset="2"/>
+              <a:buChar char="ü"/>
+            </a:pPr>
+            <a:r>
+              <a:rPr lang="it-IT" b="1" dirty="0"/>
+              <a:t>Attuatori</a:t>
+            </a:r>
+            <a:r>
+              <a:rPr lang="it-IT" dirty="0"/>
+              <a:t> (in che modo l’agente restituisce l’output): l’output dell’esecuzione viene restituito in una pagina .</a:t>
+            </a:r>
+            <a:r>
+              <a:rPr lang="it-IT" dirty="0" err="1"/>
+              <a:t>jsp</a:t>
+            </a:r>
+            <a:r>
+              <a:rPr lang="it-IT" dirty="0"/>
+              <a:t> appositamente creata con lo scopo di mostrare tutti i libri che l’agente crede che possano interessare all’utente</a:t>
+            </a:r>
+          </a:p>
+          <a:p>
+            <a:pPr>
+              <a:buFont typeface="Wingdings" panose="05000000000000000000" pitchFamily="2" charset="2"/>
+              <a:buChar char="ü"/>
+            </a:pPr>
+            <a:r>
+              <a:rPr lang="it-IT" b="1" dirty="0"/>
+              <a:t>Sensori</a:t>
+            </a:r>
+            <a:r>
+              <a:rPr lang="it-IT" dirty="0"/>
+              <a:t> (sono la parte percettiva dell’agente): l’input dell’agente è fornito tramite una pagine .</a:t>
+            </a:r>
+            <a:r>
+              <a:rPr lang="it-IT" dirty="0" err="1"/>
+              <a:t>jsp</a:t>
+            </a:r>
+            <a:r>
+              <a:rPr lang="it-IT" dirty="0"/>
+              <a:t> che permette all’utente di ricercare un titolo e fornirgli una valutazione da interi in un range(0 - 10).</a:t>
+            </a:r>
+          </a:p>
+          <a:p>
+            <a:endParaRPr lang="it-IT" dirty="0"/>
+          </a:p>
+        </p:txBody>
+      </p:sp>
+      <p:sp>
+        <p:nvSpPr>
+          <p:cNvPr id="4" name="Segnaposto data 3">
+            <a:extLst>
+              <a:ext uri="{FF2B5EF4-FFF2-40B4-BE49-F238E27FC236}">
+                <a16:creationId xmlns:a16="http://schemas.microsoft.com/office/drawing/2014/main" id="{A1719A81-B05C-4F0E-9DAA-8DF5C74B2244}"/>
+              </a:ext>
+            </a:extLst>
+          </p:cNvPr>
+          <p:cNvSpPr>
+            <a:spLocks noGrp="1"/>
+          </p:cNvSpPr>
+          <p:nvPr>
+            <p:ph type="dt" sz="half" idx="10"/>
+          </p:nvPr>
+        </p:nvSpPr>
+        <p:spPr/>
+        <p:txBody>
+          <a:bodyPr/>
+          <a:lstStyle/>
+          <a:p>
+            <a:pPr rtl="0"/>
+            <a:fld id="{85E0D28E-6F2F-4715-A424-3B01AC64AD4B}" type="datetime1">
+              <a:rPr lang="it-IT" smtClean="0"/>
+              <a:t>23/03/2021</a:t>
+            </a:fld>
+            <a:endParaRPr lang="en-US" dirty="0"/>
+          </a:p>
+        </p:txBody>
+      </p:sp>
+    </p:spTree>
+    <p:extLst>
+      <p:ext uri="{BB962C8B-B14F-4D97-AF65-F5344CB8AC3E}">
+        <p14:creationId xmlns:p14="http://schemas.microsoft.com/office/powerpoint/2010/main" val="4046726425"/>
+      </p:ext>
+    </p:extLst>
+  </p:cSld>
+  <p:clrMapOvr>
+    <a:masterClrMapping/>
+  </p:clrMapOvr>
+</p:sld>
+</file>
+
+<file path=ppt/slides/slide9.xml><?xml version="1.0" encoding="utf-8"?>
+<p:sld xmlns:a="http://schemas.openxmlformats.org/drawingml/2006/main" xmlns:r="http://schemas.openxmlformats.org/officeDocument/2006/relationships" xmlns:p="http://schemas.openxmlformats.org/presentationml/2006/main">
+  <p:cSld>
+    <p:spTree>
+      <p:nvGrpSpPr>
+        <p:cNvPr id="1" name=""/>
+        <p:cNvGrpSpPr/>
+        <p:nvPr/>
+      </p:nvGrpSpPr>
+      <p:grpSpPr>
+        <a:xfrm>
+          <a:off x="0" y="0"/>
+          <a:ext cx="0" cy="0"/>
+          <a:chOff x="0" y="0"/>
+          <a:chExt cx="0" cy="0"/>
+        </a:xfrm>
+      </p:grpSpPr>
+      <p:sp>
+        <p:nvSpPr>
+          <p:cNvPr id="5" name="Rettangolo 4">
+            <a:extLst>
+              <a:ext uri="{FF2B5EF4-FFF2-40B4-BE49-F238E27FC236}">
+                <a16:creationId xmlns:a16="http://schemas.microsoft.com/office/drawing/2014/main" id="{208DC6DF-D88C-4FA6-95F5-D2CBF5A11804}"/>
+              </a:ext>
+            </a:extLst>
+          </p:cNvPr>
+          <p:cNvSpPr/>
+          <p:nvPr/>
+        </p:nvSpPr>
+        <p:spPr>
+          <a:xfrm>
+            <a:off x="0" y="0"/>
+            <a:ext cx="12192000" cy="4101483"/>
+          </a:xfrm>
+          <a:prstGeom prst="rect">
+            <a:avLst/>
+          </a:prstGeom>
+        </p:spPr>
+        <p:style>
+          <a:lnRef idx="2">
+            <a:schemeClr val="accent1">
+              <a:shade val="50000"/>
+            </a:schemeClr>
+          </a:lnRef>
+          <a:fillRef idx="1">
+            <a:schemeClr val="accent1"/>
+          </a:fillRef>
+          <a:effectRef idx="0">
+            <a:schemeClr val="accent1"/>
+          </a:effectRef>
+          <a:fontRef idx="minor">
+            <a:schemeClr val="lt1"/>
+          </a:fontRef>
+        </p:style>
+        <p:txBody>
+          <a:bodyPr rtlCol="0" anchor="ctr"/>
+          <a:lstStyle/>
+          <a:p>
+            <a:pPr algn="ctr"/>
+            <a:endParaRPr lang="it-IT"/>
+          </a:p>
+        </p:txBody>
+      </p:sp>
+      <p:sp>
+        <p:nvSpPr>
+          <p:cNvPr id="2" name="Titolo 1">
+            <a:extLst>
+              <a:ext uri="{FF2B5EF4-FFF2-40B4-BE49-F238E27FC236}">
+                <a16:creationId xmlns:a16="http://schemas.microsoft.com/office/drawing/2014/main" id="{B7DEE271-C7C5-47E5-954B-675B85A7FD9A}"/>
+              </a:ext>
+            </a:extLst>
+          </p:cNvPr>
+          <p:cNvSpPr>
+            <a:spLocks noGrp="1"/>
+          </p:cNvSpPr>
+          <p:nvPr>
+            <p:ph type="title"/>
+          </p:nvPr>
+        </p:nvSpPr>
+        <p:spPr>
+          <a:xfrm>
+            <a:off x="1235964" y="1300933"/>
+            <a:ext cx="9720072" cy="1499616"/>
+          </a:xfrm>
+        </p:spPr>
+        <p:txBody>
+          <a:bodyPr>
+            <a:normAutofit fontScale="90000"/>
+          </a:bodyPr>
+          <a:lstStyle/>
+          <a:p>
+            <a:r>
+              <a:rPr lang="it-IT" sz="6600" dirty="0">
+                <a:solidFill>
+                  <a:schemeClr val="bg1"/>
+                </a:solidFill>
+              </a:rPr>
+              <a:t>Passiamo ora all’implementazione</a:t>
+            </a:r>
+          </a:p>
+        </p:txBody>
+      </p:sp>
+      <p:pic>
+        <p:nvPicPr>
+          <p:cNvPr id="6" name="Immagine 5">
+            <a:extLst>
+              <a:ext uri="{FF2B5EF4-FFF2-40B4-BE49-F238E27FC236}">
+                <a16:creationId xmlns:a16="http://schemas.microsoft.com/office/drawing/2014/main" id="{07F2286C-E3C3-4BD1-90FE-3B98FAB6B5F3}"/>
+              </a:ext>
+            </a:extLst>
+          </p:cNvPr>
+          <p:cNvPicPr>
+            <a:picLocks noChangeAspect="1"/>
+          </p:cNvPicPr>
+          <p:nvPr/>
+        </p:nvPicPr>
+        <p:blipFill>
+          <a:blip r:embed="rId2"/>
+          <a:stretch>
+            <a:fillRect/>
+          </a:stretch>
+        </p:blipFill>
+        <p:spPr>
+          <a:xfrm>
+            <a:off x="4462508" y="4244413"/>
+            <a:ext cx="3266983" cy="2613587"/>
+          </a:xfrm>
+          <a:prstGeom prst="rect">
+            <a:avLst/>
+          </a:prstGeom>
+        </p:spPr>
+      </p:pic>
+    </p:spTree>
+    <p:extLst>
+      <p:ext uri="{BB962C8B-B14F-4D97-AF65-F5344CB8AC3E}">
+        <p14:creationId xmlns:p14="http://schemas.microsoft.com/office/powerpoint/2010/main" val="2203498276"/>
+      </p:ext>
+    </p:extLst>
+  </p:cSld>
+  <p:clrMapOvr>
+    <a:masterClrMapping/>
+  </p:clrMapOvr>
 </p:sld>
 </file>
 
